--- a/intel_ocr/docs/intel_review_5thNov_V2.0.pptx
+++ b/intel_ocr/docs/intel_review_5thNov_V2.0.pptx
@@ -6,31 +6,32 @@
     <p:sldMasterId id="2147483748" r:id="rId4"/>
   </p:sldMasterIdLst>
   <p:notesMasterIdLst>
-    <p:notesMasterId r:id="rId22"/>
+    <p:notesMasterId r:id="rId23"/>
   </p:notesMasterIdLst>
   <p:sldIdLst>
     <p:sldId id="256" r:id="rId5"/>
     <p:sldId id="269" r:id="rId6"/>
     <p:sldId id="257" r:id="rId7"/>
-    <p:sldId id="260" r:id="rId8"/>
-    <p:sldId id="261" r:id="rId9"/>
-    <p:sldId id="262" r:id="rId10"/>
-    <p:sldId id="263" r:id="rId11"/>
-    <p:sldId id="265" r:id="rId12"/>
-    <p:sldId id="266" r:id="rId13"/>
-    <p:sldId id="270" r:id="rId14"/>
-    <p:sldId id="271" r:id="rId15"/>
-    <p:sldId id="274" r:id="rId16"/>
-    <p:sldId id="275" r:id="rId17"/>
-    <p:sldId id="276" r:id="rId18"/>
-    <p:sldId id="277" r:id="rId19"/>
-    <p:sldId id="268" r:id="rId20"/>
-    <p:sldId id="267" r:id="rId21"/>
+    <p:sldId id="278" r:id="rId8"/>
+    <p:sldId id="260" r:id="rId9"/>
+    <p:sldId id="261" r:id="rId10"/>
+    <p:sldId id="262" r:id="rId11"/>
+    <p:sldId id="263" r:id="rId12"/>
+    <p:sldId id="265" r:id="rId13"/>
+    <p:sldId id="266" r:id="rId14"/>
+    <p:sldId id="270" r:id="rId15"/>
+    <p:sldId id="271" r:id="rId16"/>
+    <p:sldId id="274" r:id="rId17"/>
+    <p:sldId id="275" r:id="rId18"/>
+    <p:sldId id="276" r:id="rId19"/>
+    <p:sldId id="277" r:id="rId20"/>
+    <p:sldId id="268" r:id="rId21"/>
+    <p:sldId id="267" r:id="rId22"/>
   </p:sldIdLst>
   <p:sldSz cx="10969625" cy="6170613"/>
   <p:notesSz cx="6858000" cy="9144000"/>
   <p:custDataLst>
-    <p:tags r:id="rId23"/>
+    <p:tags r:id="rId24"/>
   </p:custDataLst>
   <p:defaultTextStyle>
     <a:defPPr>
@@ -247,7 +248,7 @@
           <a:p>
             <a:fld id="{6007911F-CEAF-4F0B-98BD-EFB38C6572AA}" type="datetimeFigureOut">
               <a:rPr lang="de-DE" smtClean="0"/>
-              <a:t>04.11.2019</a:t>
+              <a:t>05.11.2019</a:t>
             </a:fld>
             <a:endParaRPr lang="de-DE"/>
           </a:p>
@@ -9992,18 +9993,18 @@
     </p:spTree>
     <p:extLst>
       <p:ext uri="{BB962C8B-B14F-4D97-AF65-F5344CB8AC3E}">
-        <p14:creationId xmlns:p14="http://schemas.microsoft.com/office/powerpoint/2010/main" val="1868937224"/>
+        <p14:creationId xmlns:p14="http://schemas.microsoft.com/office/powerpoint/2010/main" val="3818632879"/>
       </p:ext>
     </p:extLst>
   </p:cSld>
   <p:clrMapOvr>
     <a:masterClrMapping/>
   </p:clrMapOvr>
-  <mc:AlternateContent xmlns:mc="http://schemas.openxmlformats.org/markup-compatibility/2006">
-    <mc:Choice xmlns:p14="http://schemas.microsoft.com/office/powerpoint/2010/main" Requires="p14">
+  <mc:AlternateContent xmlns:mc="http://schemas.openxmlformats.org/markup-compatibility/2006" xmlns:p14="http://schemas.microsoft.com/office/powerpoint/2010/main">
+    <mc:Choice Requires="p14">
       <p:transition spd="slow" p14:dur="2000"/>
     </mc:Choice>
-    <mc:Fallback>
+    <mc:Fallback xmlns="">
       <p:transition spd="slow"/>
     </mc:Fallback>
   </mc:AlternateContent>
@@ -10018,7 +10019,7 @@
 </file>
 
 <file path=ppt/slides/slide11.xml><?xml version="1.0" encoding="utf-8"?>
-<p:sld xmlns:a="http://schemas.openxmlformats.org/drawingml/2006/main" xmlns:r="http://schemas.openxmlformats.org/officeDocument/2006/relationships" xmlns:p="http://schemas.openxmlformats.org/presentationml/2006/main">
+<p:sld xmlns:a="http://schemas.openxmlformats.org/drawingml/2006/main" xmlns:r="http://schemas.openxmlformats.org/officeDocument/2006/relationships" xmlns:p="http://schemas.openxmlformats.org/presentationml/2006/main" show="0">
   <p:cSld>
     <p:spTree>
       <p:nvGrpSpPr>
@@ -10036,7 +10037,30 @@
       </p:grpSpPr>
       <p:sp>
         <p:nvSpPr>
-          <p:cNvPr id="2" name="Title 1"/>
+          <p:cNvPr id="2" name="Text Placeholder 1"/>
+          <p:cNvSpPr>
+            <a:spLocks noGrp="1"/>
+          </p:cNvSpPr>
+          <p:nvPr>
+            <p:ph type="body" sz="quarter" idx="15"/>
+          </p:nvPr>
+        </p:nvSpPr>
+        <p:spPr/>
+        <p:txBody>
+          <a:bodyPr/>
+          <a:lstStyle/>
+          <a:p>
+            <a:r>
+              <a:rPr lang="en-US" smtClean="0"/>
+              <a:t>Character Segmentation</a:t>
+            </a:r>
+            <a:endParaRPr lang="en-US"/>
+          </a:p>
+        </p:txBody>
+      </p:sp>
+      <p:sp>
+        <p:nvSpPr>
+          <p:cNvPr id="3" name="Title 2"/>
           <p:cNvSpPr>
             <a:spLocks noGrp="1"/>
           </p:cNvSpPr>
@@ -10051,7 +10075,7 @@
           <a:p>
             <a:r>
               <a:rPr lang="en-US" dirty="0" smtClean="0"/>
-              <a:t>Dataset</a:t>
+              <a:t>Exponents Detection</a:t>
             </a:r>
             <a:endParaRPr lang="en-US" dirty="0"/>
           </a:p>
@@ -10059,30 +10083,58 @@
       </p:sp>
       <p:sp>
         <p:nvSpPr>
-          <p:cNvPr id="3" name="Text Placeholder 2"/>
+          <p:cNvPr id="4" name="Content Placeholder 3"/>
           <p:cNvSpPr>
             <a:spLocks noGrp="1"/>
           </p:cNvSpPr>
           <p:nvPr>
-            <p:ph type="body" sz="quarter" idx="15"/>
+            <p:ph sz="half" idx="1"/>
           </p:nvPr>
         </p:nvSpPr>
-        <p:spPr/>
+        <p:spPr>
+          <a:xfrm>
+            <a:off x="259199" y="1296000"/>
+            <a:ext cx="5377219" cy="4168800"/>
+          </a:xfrm>
+        </p:spPr>
         <p:txBody>
           <a:bodyPr/>
           <a:lstStyle/>
           <a:p>
             <a:r>
-              <a:rPr lang="en-US" smtClean="0"/>
-              <a:t>Optical Character Recognition</a:t>
-            </a:r>
-            <a:endParaRPr lang="en-US"/>
+              <a:rPr lang="en-US" dirty="0" smtClean="0"/>
+              <a:t>Green line divides the image in the ratio of 0.5</a:t>
+            </a:r>
+          </a:p>
+          <a:p>
+            <a:r>
+              <a:rPr lang="en-US" dirty="0" smtClean="0"/>
+              <a:t>Any </a:t>
+            </a:r>
+            <a:r>
+              <a:rPr lang="en-US" dirty="0"/>
+              <a:t>character lying above baseline and starting above previous </a:t>
+            </a:r>
+            <a:r>
+              <a:rPr lang="en-US" dirty="0" smtClean="0"/>
+              <a:t>character is taken as exponential</a:t>
+            </a:r>
+            <a:endParaRPr lang="en-US" dirty="0"/>
+          </a:p>
+          <a:p>
+            <a:endParaRPr lang="en-US" dirty="0" smtClean="0"/>
+          </a:p>
+          <a:p>
+            <a:pPr marL="0" indent="0">
+              <a:buNone/>
+            </a:pPr>
+            <a:endParaRPr lang="en-US" dirty="0"/>
           </a:p>
         </p:txBody>
       </p:sp>
       <p:sp>
         <p:nvSpPr>
-          <p:cNvPr id="4" name="Slide Number Placeholder 3"/>
+          <p:cNvPr id="6" name="Slide Number Placeholder 5"/>
           <p:cNvSpPr>
             <a:spLocks noGrp="1"/>
           </p:cNvSpPr>
@@ -10104,156 +10156,48 @@
           </a:p>
         </p:txBody>
       </p:sp>
-      <p:sp>
-        <p:nvSpPr>
-          <p:cNvPr id="5" name="Content Placeholder 4"/>
-          <p:cNvSpPr>
-            <a:spLocks noGrp="1"/>
-          </p:cNvSpPr>
-          <p:nvPr>
-            <p:ph sz="quarter" idx="1"/>
-          </p:nvPr>
-        </p:nvSpPr>
-        <p:spPr/>
-        <p:txBody>
-          <a:bodyPr/>
-          <a:lstStyle/>
-          <a:p>
-            <a:r>
-              <a:rPr lang="en-US" dirty="0" smtClean="0"/>
-              <a:t>Digits (0-9) : MNIST (28 * 28)</a:t>
-            </a:r>
-          </a:p>
-          <a:p>
-            <a:r>
-              <a:rPr lang="en-US" dirty="0" smtClean="0"/>
-              <a:t>Symbols ( ‘(’ , ‘)’, ‘-’, ‘+’, ‘*’ ): Kaggle Handwritten Mathematical Symbols Dataset (45*45)</a:t>
-            </a:r>
-          </a:p>
-          <a:p>
-            <a:r>
-              <a:rPr lang="en-US" dirty="0" smtClean="0"/>
-              <a:t>Preprocessing of symbols to match MNIST digits</a:t>
-            </a:r>
-          </a:p>
-          <a:p>
-            <a:pPr lvl="2"/>
-            <a:r>
-              <a:rPr lang="en-US" dirty="0" smtClean="0"/>
-              <a:t>Converted to Binary </a:t>
-            </a:r>
-          </a:p>
-          <a:p>
-            <a:pPr lvl="2"/>
-            <a:r>
-              <a:rPr lang="en-US" dirty="0" smtClean="0"/>
-              <a:t>Padded to 20 * 20 (preserving the aspect ratio)</a:t>
-            </a:r>
-          </a:p>
-          <a:p>
-            <a:pPr lvl="2"/>
-            <a:r>
-              <a:rPr lang="en-US" dirty="0" smtClean="0"/>
-              <a:t>Padded to 28 * 28 using Centre of mass</a:t>
-            </a:r>
-          </a:p>
-        </p:txBody>
-      </p:sp>
       <p:pic>
         <p:nvPicPr>
-          <p:cNvPr id="8" name="Picture 7"/>
+          <p:cNvPr id="9" name="Picture 8"/>
           <p:cNvPicPr>
             <a:picLocks noChangeAspect="1"/>
           </p:cNvPicPr>
           <p:nvPr/>
         </p:nvPicPr>
         <p:blipFill>
-          <a:blip r:embed="rId2">
-            <a:extLst>
-              <a:ext uri="{28A0092B-C50C-407E-A947-70E740481C1C}">
-                <a14:useLocalDpi xmlns:a14="http://schemas.microsoft.com/office/drawing/2010/main" val="0"/>
-              </a:ext>
-            </a:extLst>
-          </a:blip>
+          <a:blip r:embed="rId2"/>
           <a:stretch>
             <a:fillRect/>
           </a:stretch>
         </p:blipFill>
         <p:spPr>
           <a:xfrm>
-            <a:off x="1623975" y="3468749"/>
-            <a:ext cx="4037991" cy="1605335"/>
+            <a:off x="266700" y="2645534"/>
+            <a:ext cx="5369718" cy="1657143"/>
           </a:xfrm>
           <a:prstGeom prst="rect">
             <a:avLst/>
           </a:prstGeom>
         </p:spPr>
       </p:pic>
-      <p:sp>
-        <p:nvSpPr>
-          <p:cNvPr id="9" name="TextBox 8"/>
-          <p:cNvSpPr txBox="1"/>
-          <p:nvPr/>
-        </p:nvSpPr>
-        <p:spPr>
-          <a:xfrm>
-            <a:off x="2318918" y="5203684"/>
-            <a:ext cx="3569818" cy="163840"/>
-          </a:xfrm>
-          <a:prstGeom prst="rect">
-            <a:avLst/>
-          </a:prstGeom>
-          <a:noFill/>
-        </p:spPr>
-        <p:txBody>
-          <a:bodyPr wrap="square" lIns="0" tIns="0" rIns="0" bIns="0" rtlCol="0">
-            <a:noAutofit/>
-          </a:bodyPr>
-          <a:lstStyle/>
-          <a:p>
-            <a:pPr marR="0" defTabSz="914400" eaLnBrk="1" fontAlgn="auto" latinLnBrk="0" hangingPunct="1">
-              <a:lnSpc>
-                <a:spcPts val="2300"/>
-              </a:lnSpc>
-              <a:spcBef>
-                <a:spcPts val="500"/>
-              </a:spcBef>
-              <a:spcAft>
-                <a:spcPts val="0"/>
-              </a:spcAft>
-              <a:buClrTx/>
-              <a:buSzTx/>
-              <a:buFontTx/>
-              <a:buNone/>
-              <a:tabLst/>
-            </a:pPr>
-            <a:r>
-              <a:rPr kumimoji="0" lang="en-US" sz="1000" b="1" i="0" u="none" strike="noStrike" kern="0" cap="none" spc="0" normalizeH="0" baseline="0" noProof="0" dirty="0" smtClean="0">
-                <a:ln>
-                  <a:noFill/>
-                </a:ln>
-                <a:solidFill>
-                  <a:srgbClr val="000000"/>
-                </a:solidFill>
-                <a:effectLst/>
-                <a:uLnTx/>
-                <a:uFillTx/>
-              </a:rPr>
-              <a:t>Crop and centered single math symbols</a:t>
-            </a:r>
-          </a:p>
-        </p:txBody>
-      </p:sp>
     </p:spTree>
     <p:extLst>
       <p:ext uri="{BB962C8B-B14F-4D97-AF65-F5344CB8AC3E}">
-        <p14:creationId xmlns:p14="http://schemas.microsoft.com/office/powerpoint/2010/main" val="2778843449"/>
+        <p14:creationId xmlns:p14="http://schemas.microsoft.com/office/powerpoint/2010/main" val="1868937224"/>
       </p:ext>
     </p:extLst>
   </p:cSld>
   <p:clrMapOvr>
     <a:masterClrMapping/>
   </p:clrMapOvr>
+  <mc:AlternateContent xmlns:mc="http://schemas.openxmlformats.org/markup-compatibility/2006" xmlns:p14="http://schemas.microsoft.com/office/powerpoint/2010/main">
+    <mc:Choice Requires="p14">
+      <p:transition spd="slow" p14:dur="2000"/>
+    </mc:Choice>
+    <mc:Fallback xmlns="">
+      <p:transition spd="slow"/>
+    </mc:Fallback>
+  </mc:AlternateContent>
   <p:timing>
     <p:tnLst>
       <p:par>
@@ -10298,7 +10242,7 @@
           <a:p>
             <a:r>
               <a:rPr lang="en-US" dirty="0" smtClean="0"/>
-              <a:t>Approach</a:t>
+              <a:t>Dataset</a:t>
             </a:r>
             <a:endParaRPr lang="en-US" dirty="0"/>
           </a:p>
@@ -10320,10 +10264,10 @@
           <a:lstStyle/>
           <a:p>
             <a:r>
-              <a:rPr lang="en-US" dirty="0" smtClean="0"/>
+              <a:rPr lang="en-US" smtClean="0"/>
               <a:t>Optical Character Recognition</a:t>
             </a:r>
-            <a:endParaRPr lang="en-US" dirty="0"/>
+            <a:endParaRPr lang="en-US"/>
           </a:p>
         </p:txBody>
       </p:sp>
@@ -10366,145 +10310,56 @@
           <a:bodyPr/>
           <a:lstStyle/>
           <a:p>
-            <a:pPr marL="0" indent="0">
-              <a:buNone/>
-            </a:pPr>
             <a:r>
               <a:rPr lang="en-US" dirty="0" smtClean="0"/>
-              <a:t>OpenCV for contour finding and bounding boxes</a:t>
-            </a:r>
-          </a:p>
-          <a:p>
-            <a:pPr marL="233983" lvl="1" indent="0">
-              <a:buNone/>
-            </a:pPr>
-            <a:endParaRPr lang="en-US" dirty="0"/>
-          </a:p>
-          <a:p>
-            <a:pPr marL="0" indent="-21598">
-              <a:buNone/>
-            </a:pPr>
+              <a:t>Digits (0-9) : MNIST (28 * 28)</a:t>
+            </a:r>
+          </a:p>
+          <a:p>
             <a:r>
               <a:rPr lang="en-US" dirty="0" smtClean="0"/>
-              <a:t>Model : Deep Columnar Convolutional Neural Network</a:t>
-            </a:r>
-          </a:p>
-          <a:p>
-            <a:pPr lvl="1">
-              <a:buFont typeface="Arial" panose="020B0604020202020204" pitchFamily="34" charset="0"/>
-              <a:buChar char="•"/>
-            </a:pPr>
+              <a:t>Symbols ( ‘(’ , ‘)’, ‘-’, ‘+’, ‘*’ ): Kaggle Handwritten Mathematical Symbols Dataset (45*45)</a:t>
+            </a:r>
+          </a:p>
+          <a:p>
             <a:r>
               <a:rPr lang="en-US" dirty="0" smtClean="0"/>
-              <a:t>Based on the paper </a:t>
-            </a:r>
-            <a:r>
-              <a:rPr lang="en-US" dirty="0">
-                <a:hlinkClick r:id="rId2"/>
-              </a:rPr>
-              <a:t>"Deep Columnar Convolutional Neural </a:t>
-            </a:r>
-            <a:r>
-              <a:rPr lang="en-US" dirty="0" smtClean="0">
-                <a:hlinkClick r:id="rId2"/>
-              </a:rPr>
-              <a:t>Network“</a:t>
-            </a:r>
-            <a:endParaRPr lang="en-US" dirty="0" smtClean="0"/>
-          </a:p>
-          <a:p>
-            <a:pPr marL="233983" lvl="1" indent="0">
-              <a:buNone/>
-            </a:pPr>
-            <a:r>
-              <a:rPr lang="en-US" sz="1050" dirty="0" smtClean="0"/>
-              <a:t>        [1]</a:t>
-            </a:r>
-            <a:r>
-              <a:rPr lang="en-US" sz="1050" dirty="0"/>
-              <a:t> </a:t>
-            </a:r>
-            <a:r>
-              <a:rPr lang="en-US" sz="1050" dirty="0" err="1"/>
-              <a:t>Somshubra</a:t>
-            </a:r>
-            <a:r>
-              <a:rPr lang="en-US" sz="1050" dirty="0"/>
-              <a:t> </a:t>
-            </a:r>
-            <a:r>
-              <a:rPr lang="en-US" sz="1050" dirty="0" err="1"/>
-              <a:t>Majumdar</a:t>
-            </a:r>
-            <a:r>
-              <a:rPr lang="en-US" sz="1050" dirty="0"/>
-              <a:t> and Ishaan Jain. Deep Columnar Convolutional Neural Network. </a:t>
-            </a:r>
-            <a:r>
-              <a:rPr lang="en-US" sz="1050" i="1" dirty="0"/>
-              <a:t>International Journal of Computer Applications</a:t>
-            </a:r>
-            <a:r>
-              <a:rPr lang="en-US" sz="1050" dirty="0"/>
-              <a:t> 145(12):25-32, July </a:t>
-            </a:r>
-            <a:r>
-              <a:rPr lang="en-US" sz="1050" dirty="0" smtClean="0"/>
-              <a:t>2016</a:t>
-            </a:r>
-            <a:endParaRPr lang="en-US" dirty="0" smtClean="0"/>
-          </a:p>
-          <a:p>
-            <a:pPr lvl="1">
-              <a:buFont typeface="Arial" panose="020B0604020202020204" pitchFamily="34" charset="0"/>
-              <a:buChar char="•"/>
-            </a:pPr>
+              <a:t>Preprocessing of symbols to match MNIST digits</a:t>
+            </a:r>
+          </a:p>
+          <a:p>
+            <a:pPr lvl="2"/>
             <a:r>
               <a:rPr lang="en-US" dirty="0" smtClean="0"/>
-              <a:t>Trained </a:t>
-            </a:r>
-            <a:r>
-              <a:rPr lang="en-US" dirty="0"/>
-              <a:t>on &gt; 50,000 images of digits and </a:t>
-            </a:r>
+              <a:t>Converted to Binary </a:t>
+            </a:r>
+          </a:p>
+          <a:p>
+            <a:pPr lvl="2"/>
             <a:r>
               <a:rPr lang="en-US" dirty="0" smtClean="0"/>
-              <a:t>symbol</a:t>
-            </a:r>
-            <a:endParaRPr lang="en-US" dirty="0"/>
-          </a:p>
-          <a:p>
-            <a:pPr lvl="1">
-              <a:buFont typeface="Arial" panose="020B0604020202020204" pitchFamily="34" charset="0"/>
-              <a:buChar char="•"/>
-            </a:pPr>
-            <a:r>
-              <a:rPr lang="en-US" b="1" dirty="0" smtClean="0"/>
-              <a:t>Classification </a:t>
-            </a:r>
-            <a:r>
-              <a:rPr lang="en-US" b="1" dirty="0" smtClean="0"/>
-              <a:t>&gt; 96% accuracy</a:t>
-            </a:r>
-          </a:p>
-          <a:p>
-            <a:pPr marL="233983" lvl="1" indent="0">
-              <a:buNone/>
-            </a:pPr>
-            <a:endParaRPr lang="en-US" dirty="0" smtClean="0"/>
+              <a:t>Padded to 20 * 20 (preserving the aspect ratio)</a:t>
+            </a:r>
+          </a:p>
+          <a:p>
+            <a:pPr lvl="2"/>
+            <a:r>
+              <a:rPr lang="en-US" dirty="0" smtClean="0"/>
+              <a:t>Padded to 28 * 28 using Centre of mass</a:t>
+            </a:r>
           </a:p>
         </p:txBody>
       </p:sp>
       <p:pic>
         <p:nvPicPr>
-          <p:cNvPr id="6" name="Content Placeholder 5"/>
+          <p:cNvPr id="8" name="Picture 7"/>
           <p:cNvPicPr>
             <a:picLocks noChangeAspect="1"/>
           </p:cNvPicPr>
           <p:nvPr/>
         </p:nvPicPr>
         <p:blipFill>
-          <a:blip r:embed="rId3" cstate="print">
+          <a:blip r:embed="rId2">
             <a:extLst>
               <a:ext uri="{28A0092B-C50C-407E-A947-70E740481C1C}">
                 <a14:useLocalDpi xmlns:a14="http://schemas.microsoft.com/office/drawing/2010/main" val="0"/>
@@ -10517,18 +10372,73 @@
         </p:blipFill>
         <p:spPr>
           <a:xfrm>
-            <a:off x="5154110" y="2986086"/>
-            <a:ext cx="5066683" cy="2642553"/>
+            <a:off x="1623975" y="3468749"/>
+            <a:ext cx="4037991" cy="1605335"/>
           </a:xfrm>
           <a:prstGeom prst="rect">
             <a:avLst/>
           </a:prstGeom>
         </p:spPr>
       </p:pic>
+      <p:sp>
+        <p:nvSpPr>
+          <p:cNvPr id="9" name="TextBox 8"/>
+          <p:cNvSpPr txBox="1"/>
+          <p:nvPr/>
+        </p:nvSpPr>
+        <p:spPr>
+          <a:xfrm>
+            <a:off x="2318918" y="5203684"/>
+            <a:ext cx="3569818" cy="163840"/>
+          </a:xfrm>
+          <a:prstGeom prst="rect">
+            <a:avLst/>
+          </a:prstGeom>
+          <a:noFill/>
+        </p:spPr>
+        <p:txBody>
+          <a:bodyPr wrap="square" lIns="0" tIns="0" rIns="0" bIns="0" rtlCol="0">
+            <a:noAutofit/>
+          </a:bodyPr>
+          <a:lstStyle/>
+          <a:p>
+            <a:pPr marR="0" defTabSz="914400" eaLnBrk="1" fontAlgn="auto" latinLnBrk="0" hangingPunct="1">
+              <a:lnSpc>
+                <a:spcPts val="2300"/>
+              </a:lnSpc>
+              <a:spcBef>
+                <a:spcPts val="500"/>
+              </a:spcBef>
+              <a:spcAft>
+                <a:spcPts val="0"/>
+              </a:spcAft>
+              <a:buClrTx/>
+              <a:buSzTx/>
+              <a:buFontTx/>
+              <a:buNone/>
+              <a:tabLst/>
+            </a:pPr>
+            <a:r>
+              <a:rPr kumimoji="0" lang="en-US" sz="1000" b="1" i="0" u="none" strike="noStrike" kern="0" cap="none" spc="0" normalizeH="0" baseline="0" noProof="0" dirty="0" smtClean="0">
+                <a:ln>
+                  <a:noFill/>
+                </a:ln>
+                <a:solidFill>
+                  <a:srgbClr val="000000"/>
+                </a:solidFill>
+                <a:effectLst/>
+                <a:uLnTx/>
+                <a:uFillTx/>
+              </a:rPr>
+              <a:t>Crop and centered single math symbols</a:t>
+            </a:r>
+          </a:p>
+        </p:txBody>
+      </p:sp>
     </p:spTree>
     <p:extLst>
       <p:ext uri="{BB962C8B-B14F-4D97-AF65-F5344CB8AC3E}">
-        <p14:creationId xmlns:p14="http://schemas.microsoft.com/office/powerpoint/2010/main" val="1169740459"/>
+        <p14:creationId xmlns:p14="http://schemas.microsoft.com/office/powerpoint/2010/main" val="2778843449"/>
       </p:ext>
     </p:extLst>
   </p:cSld>
@@ -10564,7 +10474,30 @@
       </p:grpSpPr>
       <p:sp>
         <p:nvSpPr>
-          <p:cNvPr id="2" name="Text Placeholder 1"/>
+          <p:cNvPr id="2" name="Title 1"/>
+          <p:cNvSpPr>
+            <a:spLocks noGrp="1"/>
+          </p:cNvSpPr>
+          <p:nvPr>
+            <p:ph type="title"/>
+          </p:nvPr>
+        </p:nvSpPr>
+        <p:spPr/>
+        <p:txBody>
+          <a:bodyPr/>
+          <a:lstStyle/>
+          <a:p>
+            <a:r>
+              <a:rPr lang="en-US" dirty="0" smtClean="0"/>
+              <a:t>Approach</a:t>
+            </a:r>
+            <a:endParaRPr lang="en-US" dirty="0"/>
+          </a:p>
+        </p:txBody>
+      </p:sp>
+      <p:sp>
+        <p:nvSpPr>
+          <p:cNvPr id="3" name="Text Placeholder 2"/>
           <p:cNvSpPr>
             <a:spLocks noGrp="1"/>
           </p:cNvSpPr>
@@ -10579,7 +10512,7 @@
           <a:p>
             <a:r>
               <a:rPr lang="en-US" dirty="0" smtClean="0"/>
-              <a:t>Line Box Coloring</a:t>
+              <a:t>Optical Character Recognition</a:t>
             </a:r>
             <a:endParaRPr lang="en-US" dirty="0"/>
           </a:p>
@@ -10587,91 +10520,7 @@
       </p:sp>
       <p:sp>
         <p:nvSpPr>
-          <p:cNvPr id="3" name="Title 2"/>
-          <p:cNvSpPr>
-            <a:spLocks noGrp="1"/>
-          </p:cNvSpPr>
-          <p:nvPr>
-            <p:ph type="title"/>
-          </p:nvPr>
-        </p:nvSpPr>
-        <p:spPr/>
-        <p:txBody>
-          <a:bodyPr/>
-          <a:lstStyle/>
-          <a:p>
-            <a:r>
-              <a:rPr lang="en-US" dirty="0" smtClean="0"/>
-              <a:t>Evaluation of Expression </a:t>
-            </a:r>
-            <a:endParaRPr lang="en-US" dirty="0"/>
-          </a:p>
-        </p:txBody>
-      </p:sp>
-      <p:sp>
-        <p:nvSpPr>
-          <p:cNvPr id="4" name="Content Placeholder 3"/>
-          <p:cNvSpPr>
-            <a:spLocks noGrp="1"/>
-          </p:cNvSpPr>
-          <p:nvPr>
-            <p:ph sz="half" idx="1"/>
-          </p:nvPr>
-        </p:nvSpPr>
-        <p:spPr>
-          <a:xfrm>
-            <a:off x="239719" y="1967518"/>
-            <a:ext cx="10547344" cy="526673"/>
-          </a:xfrm>
-        </p:spPr>
-        <p:txBody>
-          <a:bodyPr/>
-          <a:lstStyle/>
-          <a:p>
-            <a:r>
-              <a:rPr lang="en-US" sz="1600" dirty="0"/>
-              <a:t>The </a:t>
-            </a:r>
-            <a:r>
-              <a:rPr lang="en-US" sz="1600" b="1" dirty="0" err="1"/>
-              <a:t>eval</a:t>
-            </a:r>
-            <a:r>
-              <a:rPr lang="en-US" sz="1600" b="1" dirty="0"/>
-              <a:t>()</a:t>
-            </a:r>
-            <a:r>
-              <a:rPr lang="en-US" sz="1600" dirty="0"/>
-              <a:t> method parses the expression passed to it and runs python expression(code) within </a:t>
-            </a:r>
-            <a:r>
-              <a:rPr lang="en-US" sz="1600" dirty="0" smtClean="0"/>
-              <a:t>the program</a:t>
-            </a:r>
-          </a:p>
-          <a:p>
-            <a:r>
-              <a:rPr lang="en-US" b="1" dirty="0" smtClean="0"/>
-              <a:t>Equation independent</a:t>
-            </a:r>
-          </a:p>
-          <a:p>
-            <a:endParaRPr lang="en-US" sz="1600" dirty="0" smtClean="0"/>
-          </a:p>
-          <a:p>
-            <a:endParaRPr lang="en-US" dirty="0" smtClean="0"/>
-          </a:p>
-          <a:p>
-            <a:pPr marL="0" indent="0">
-              <a:buNone/>
-            </a:pPr>
-            <a:endParaRPr lang="en-US" dirty="0"/>
-          </a:p>
-        </p:txBody>
-      </p:sp>
-      <p:sp>
-        <p:nvSpPr>
-          <p:cNvPr id="6" name="Slide Number Placeholder 5"/>
+          <p:cNvPr id="4" name="Slide Number Placeholder 3"/>
           <p:cNvSpPr>
             <a:spLocks noGrp="1"/>
           </p:cNvSpPr>
@@ -10695,395 +10544,186 @@
       </p:sp>
       <p:sp>
         <p:nvSpPr>
-          <p:cNvPr id="5" name="Rectangle 4"/>
-          <p:cNvSpPr/>
+          <p:cNvPr id="5" name="Content Placeholder 4"/>
+          <p:cNvSpPr>
+            <a:spLocks noGrp="1"/>
+          </p:cNvSpPr>
+          <p:nvPr>
+            <p:ph sz="quarter" idx="1"/>
+          </p:nvPr>
+        </p:nvSpPr>
+        <p:spPr/>
+        <p:txBody>
+          <a:bodyPr/>
+          <a:lstStyle/>
+          <a:p>
+            <a:pPr marL="0" indent="0">
+              <a:buNone/>
+            </a:pPr>
+            <a:r>
+              <a:rPr lang="en-US" dirty="0" smtClean="0"/>
+              <a:t>OpenCV for contour finding and bounding boxes</a:t>
+            </a:r>
+          </a:p>
+          <a:p>
+            <a:pPr marL="233983" lvl="1" indent="0">
+              <a:buNone/>
+            </a:pPr>
+            <a:endParaRPr lang="en-US" dirty="0"/>
+          </a:p>
+          <a:p>
+            <a:pPr marL="0" indent="-21598">
+              <a:buNone/>
+            </a:pPr>
+            <a:r>
+              <a:rPr lang="en-US" dirty="0" smtClean="0"/>
+              <a:t>Model : Deep Columnar Convolutional Neural Network</a:t>
+            </a:r>
+          </a:p>
+          <a:p>
+            <a:pPr lvl="1">
+              <a:buFont typeface="Arial" panose="020B0604020202020204" pitchFamily="34" charset="0"/>
+              <a:buChar char="•"/>
+            </a:pPr>
+            <a:r>
+              <a:rPr lang="en-US" dirty="0" smtClean="0"/>
+              <a:t>Based on the paper </a:t>
+            </a:r>
+            <a:r>
+              <a:rPr lang="en-US" dirty="0">
+                <a:hlinkClick r:id="rId2"/>
+              </a:rPr>
+              <a:t>"Deep Columnar Convolutional Neural </a:t>
+            </a:r>
+            <a:r>
+              <a:rPr lang="en-US" dirty="0" smtClean="0">
+                <a:hlinkClick r:id="rId2"/>
+              </a:rPr>
+              <a:t>Network“</a:t>
+            </a:r>
+            <a:endParaRPr lang="en-US" dirty="0" smtClean="0"/>
+          </a:p>
+          <a:p>
+            <a:pPr marL="233983" lvl="1" indent="0">
+              <a:buNone/>
+            </a:pPr>
+            <a:r>
+              <a:rPr lang="en-US" sz="1050" dirty="0" smtClean="0"/>
+              <a:t>        [1]</a:t>
+            </a:r>
+            <a:r>
+              <a:rPr lang="en-US" sz="1050" dirty="0"/>
+              <a:t> </a:t>
+            </a:r>
+            <a:r>
+              <a:rPr lang="en-US" sz="1050" dirty="0" err="1"/>
+              <a:t>Somshubra</a:t>
+            </a:r>
+            <a:r>
+              <a:rPr lang="en-US" sz="1050" dirty="0"/>
+              <a:t> </a:t>
+            </a:r>
+            <a:r>
+              <a:rPr lang="en-US" sz="1050" dirty="0" err="1"/>
+              <a:t>Majumdar</a:t>
+            </a:r>
+            <a:r>
+              <a:rPr lang="en-US" sz="1050" dirty="0"/>
+              <a:t> and Ishaan Jain. Deep Columnar Convolutional Neural Network. </a:t>
+            </a:r>
+            <a:r>
+              <a:rPr lang="en-US" sz="1050" i="1" dirty="0"/>
+              <a:t>International Journal of Computer Applications</a:t>
+            </a:r>
+            <a:r>
+              <a:rPr lang="en-US" sz="1050" dirty="0"/>
+              <a:t> 145(12):25-32, July </a:t>
+            </a:r>
+            <a:r>
+              <a:rPr lang="en-US" sz="1050" dirty="0" smtClean="0"/>
+              <a:t>2016</a:t>
+            </a:r>
+            <a:endParaRPr lang="en-US" dirty="0" smtClean="0"/>
+          </a:p>
+          <a:p>
+            <a:pPr lvl="1">
+              <a:buFont typeface="Arial" panose="020B0604020202020204" pitchFamily="34" charset="0"/>
+              <a:buChar char="•"/>
+            </a:pPr>
+            <a:r>
+              <a:rPr lang="en-US" dirty="0" smtClean="0"/>
+              <a:t>Trained </a:t>
+            </a:r>
+            <a:r>
+              <a:rPr lang="en-US" dirty="0"/>
+              <a:t>on &gt; 50,000 images of digits and </a:t>
+            </a:r>
+            <a:r>
+              <a:rPr lang="en-US" dirty="0" smtClean="0"/>
+              <a:t>symbol</a:t>
+            </a:r>
+            <a:endParaRPr lang="en-US" dirty="0"/>
+          </a:p>
+          <a:p>
+            <a:pPr lvl="1">
+              <a:buFont typeface="Arial" panose="020B0604020202020204" pitchFamily="34" charset="0"/>
+              <a:buChar char="•"/>
+            </a:pPr>
+            <a:r>
+              <a:rPr lang="en-US" b="1" dirty="0" smtClean="0"/>
+              <a:t>Classification &gt; </a:t>
+            </a:r>
+            <a:r>
+              <a:rPr lang="en-US" b="1" dirty="0" smtClean="0"/>
+              <a:t>97% </a:t>
+            </a:r>
+            <a:r>
+              <a:rPr lang="en-US" b="1" dirty="0" smtClean="0"/>
+              <a:t>accuracy</a:t>
+            </a:r>
+          </a:p>
+          <a:p>
+            <a:pPr marL="233983" lvl="1" indent="0">
+              <a:buNone/>
+            </a:pPr>
+            <a:endParaRPr lang="en-US" dirty="0" smtClean="0"/>
+          </a:p>
+        </p:txBody>
+      </p:sp>
+      <p:pic>
+        <p:nvPicPr>
+          <p:cNvPr id="6" name="Content Placeholder 5"/>
+          <p:cNvPicPr>
+            <a:picLocks noChangeAspect="1"/>
+          </p:cNvPicPr>
           <p:nvPr/>
-        </p:nvSpPr>
-        <p:spPr>
-          <a:xfrm>
-            <a:off x="169432" y="1482872"/>
-            <a:ext cx="1813317" cy="369332"/>
+        </p:nvPicPr>
+        <p:blipFill>
+          <a:blip r:embed="rId3" cstate="print">
+            <a:extLst>
+              <a:ext uri="{28A0092B-C50C-407E-A947-70E740481C1C}">
+                <a14:useLocalDpi xmlns:a14="http://schemas.microsoft.com/office/drawing/2010/main" val="0"/>
+              </a:ext>
+            </a:extLst>
+          </a:blip>
+          <a:stretch>
+            <a:fillRect/>
+          </a:stretch>
+        </p:blipFill>
+        <p:spPr>
+          <a:xfrm>
+            <a:off x="5154110" y="2986086"/>
+            <a:ext cx="5066683" cy="2642553"/>
           </a:xfrm>
           <a:prstGeom prst="rect">
             <a:avLst/>
           </a:prstGeom>
         </p:spPr>
-        <p:txBody>
-          <a:bodyPr wrap="none">
-            <a:spAutoFit/>
-          </a:bodyPr>
-          <a:lstStyle/>
-          <a:p>
-            <a:pPr algn="just"/>
-            <a:r>
-              <a:rPr lang="en-US" b="1" dirty="0" err="1">
-                <a:latin typeface="Roboto"/>
-              </a:rPr>
-              <a:t>e</a:t>
-            </a:r>
-            <a:r>
-              <a:rPr lang="en-US" b="1" dirty="0" err="1" smtClean="0">
-                <a:latin typeface="Roboto"/>
-              </a:rPr>
-              <a:t>val</a:t>
-            </a:r>
-            <a:r>
-              <a:rPr lang="en-US" b="1" dirty="0" smtClean="0">
-                <a:latin typeface="Roboto"/>
-              </a:rPr>
-              <a:t>()</a:t>
-            </a:r>
-            <a:r>
-              <a:rPr lang="en-US" dirty="0" smtClean="0">
-                <a:latin typeface="Roboto"/>
-              </a:rPr>
-              <a:t> </a:t>
-            </a:r>
-            <a:r>
-              <a:rPr lang="en-US" dirty="0">
-                <a:latin typeface="Roboto"/>
-              </a:rPr>
-              <a:t>in Python</a:t>
-            </a:r>
-            <a:endParaRPr lang="en-US" b="0" i="0" dirty="0">
-              <a:effectLst/>
-              <a:latin typeface="Roboto"/>
-            </a:endParaRPr>
-          </a:p>
-        </p:txBody>
-      </p:sp>
-      <p:sp>
-        <p:nvSpPr>
-          <p:cNvPr id="10" name="Rectangle 2"/>
-          <p:cNvSpPr>
-            <a:spLocks noChangeArrowheads="1"/>
-          </p:cNvSpPr>
-          <p:nvPr/>
-        </p:nvSpPr>
-        <p:spPr bwMode="auto">
-          <a:xfrm>
-            <a:off x="266700" y="3280629"/>
-            <a:ext cx="4676775" cy="1781239"/>
-          </a:xfrm>
-          <a:prstGeom prst="rect">
-            <a:avLst/>
-          </a:prstGeom>
-          <a:solidFill>
-            <a:srgbClr val="E0E0E0"/>
-          </a:solidFill>
-          <a:ln>
-            <a:noFill/>
-          </a:ln>
-          <a:effectLst/>
-          <a:extLst>
-            <a:ext uri="{91240B29-F687-4F45-9708-019B960494DF}">
-              <a14:hiddenLine xmlns:a14="http://schemas.microsoft.com/office/drawing/2010/main" w="9525">
-                <a:solidFill>
-                  <a:schemeClr val="tx1"/>
-                </a:solidFill>
-                <a:miter lim="800000"/>
-                <a:headEnd/>
-                <a:tailEnd/>
-              </a14:hiddenLine>
-            </a:ext>
-            <a:ext uri="{AF507438-7753-43E0-B8FC-AC1667EBCBE1}">
-              <a14:hiddenEffects xmlns:a14="http://schemas.microsoft.com/office/drawing/2010/main">
-                <a:effectLst>
-                  <a:outerShdw dist="35921" dir="2700000" algn="ctr" rotWithShape="0">
-                    <a:schemeClr val="bg2"/>
-                  </a:outerShdw>
-                </a:effectLst>
-              </a14:hiddenEffects>
-            </a:ext>
-          </a:extLst>
-        </p:spPr>
-        <p:txBody>
-          <a:bodyPr vert="horz" wrap="square" lIns="0" tIns="0" rIns="0" bIns="57132" numCol="1" anchor="ctr" anchorCtr="0" compatLnSpc="1">
-            <a:prstTxWarp prst="textNoShape">
-              <a:avLst/>
-            </a:prstTxWarp>
-            <a:spAutoFit/>
-          </a:bodyPr>
-          <a:lstStyle/>
-          <a:p>
-            <a:pPr marL="0" marR="0" lvl="0" indent="0" algn="l" defTabSz="914400" rtl="0" eaLnBrk="0" fontAlgn="base" latinLnBrk="0" hangingPunct="0">
-              <a:lnSpc>
-                <a:spcPct val="100000"/>
-              </a:lnSpc>
-              <a:spcBef>
-                <a:spcPct val="0"/>
-              </a:spcBef>
-              <a:spcAft>
-                <a:spcPct val="0"/>
-              </a:spcAft>
-              <a:buClrTx/>
-              <a:buSzTx/>
-              <a:buFontTx/>
-              <a:buNone/>
-              <a:tabLst/>
-            </a:pPr>
-            <a:r>
-              <a:rPr kumimoji="0" lang="en-US" altLang="en-US" sz="1400" b="1" i="0" u="none" strike="noStrike" cap="none" normalizeH="0" baseline="0" dirty="0" smtClean="0">
-                <a:ln>
-                  <a:noFill/>
-                </a:ln>
-                <a:solidFill>
-                  <a:schemeClr val="tx1"/>
-                </a:solidFill>
-                <a:effectLst/>
-                <a:latin typeface="Consolas" panose="020B0609020204030204" pitchFamily="49" charset="0"/>
-              </a:rPr>
-              <a:t>Example:</a:t>
-            </a:r>
-          </a:p>
-          <a:p>
-            <a:pPr marL="0" marR="0" lvl="0" indent="0" algn="l" defTabSz="914400" rtl="0" eaLnBrk="0" fontAlgn="base" latinLnBrk="0" hangingPunct="0">
-              <a:lnSpc>
-                <a:spcPct val="100000"/>
-              </a:lnSpc>
-              <a:spcBef>
-                <a:spcPct val="0"/>
-              </a:spcBef>
-              <a:spcAft>
-                <a:spcPct val="0"/>
-              </a:spcAft>
-              <a:buClrTx/>
-              <a:buSzTx/>
-              <a:buFontTx/>
-              <a:buNone/>
-              <a:tabLst/>
-            </a:pPr>
-            <a:endParaRPr kumimoji="0" lang="en-US" altLang="en-US" sz="1400" b="1" i="0" u="none" strike="noStrike" cap="none" normalizeH="0" baseline="0" dirty="0" smtClean="0">
-              <a:ln>
-                <a:noFill/>
-              </a:ln>
-              <a:solidFill>
-                <a:schemeClr val="tx1"/>
-              </a:solidFill>
-              <a:effectLst/>
-              <a:latin typeface="Consolas" panose="020B0609020204030204" pitchFamily="49" charset="0"/>
-            </a:endParaRPr>
-          </a:p>
-          <a:p>
-            <a:pPr marL="0" marR="0" lvl="0" indent="0" algn="l" defTabSz="914400" rtl="0" eaLnBrk="0" fontAlgn="base" latinLnBrk="0" hangingPunct="0">
-              <a:lnSpc>
-                <a:spcPct val="100000"/>
-              </a:lnSpc>
-              <a:spcBef>
-                <a:spcPct val="0"/>
-              </a:spcBef>
-              <a:spcAft>
-                <a:spcPct val="0"/>
-              </a:spcAft>
-              <a:buClrTx/>
-              <a:buSzTx/>
-              <a:buFontTx/>
-              <a:buNone/>
-              <a:tabLst/>
-            </a:pPr>
-            <a:r>
-              <a:rPr kumimoji="0" lang="en-US" altLang="en-US" sz="1400" b="0" i="0" u="none" strike="noStrike" cap="none" normalizeH="0" baseline="0" dirty="0" smtClean="0">
-                <a:ln>
-                  <a:noFill/>
-                </a:ln>
-                <a:solidFill>
-                  <a:schemeClr val="tx1"/>
-                </a:solidFill>
-                <a:effectLst/>
-                <a:latin typeface="Consolas" panose="020B0609020204030204" pitchFamily="49" charset="0"/>
-              </a:rPr>
-              <a:t>&gt;&gt;Enter the function(in terms of x):</a:t>
-            </a:r>
-          </a:p>
-          <a:p>
-            <a:pPr marL="0" marR="0" lvl="0" indent="0" algn="l" defTabSz="914400" rtl="0" eaLnBrk="0" fontAlgn="base" latinLnBrk="0" hangingPunct="0">
-              <a:lnSpc>
-                <a:spcPct val="100000"/>
-              </a:lnSpc>
-              <a:spcBef>
-                <a:spcPct val="0"/>
-              </a:spcBef>
-              <a:spcAft>
-                <a:spcPct val="0"/>
-              </a:spcAft>
-              <a:buClrTx/>
-              <a:buSzTx/>
-              <a:buFontTx/>
-              <a:buNone/>
-              <a:tabLst/>
-            </a:pPr>
-            <a:r>
-              <a:rPr lang="en-US" altLang="en-US" sz="1400" dirty="0" smtClean="0">
-                <a:latin typeface="Consolas" panose="020B0609020204030204" pitchFamily="49" charset="0"/>
-              </a:rPr>
-              <a:t>‘</a:t>
-            </a:r>
-            <a:r>
-              <a:rPr kumimoji="0" lang="en-US" altLang="en-US" sz="1400" b="0" i="0" u="none" strike="noStrike" cap="none" normalizeH="0" baseline="0" dirty="0" smtClean="0">
-                <a:ln>
-                  <a:noFill/>
-                </a:ln>
-                <a:solidFill>
-                  <a:schemeClr val="tx1"/>
-                </a:solidFill>
-                <a:effectLst/>
-                <a:latin typeface="Consolas" panose="020B0609020204030204" pitchFamily="49" charset="0"/>
-              </a:rPr>
-              <a:t>x*(x+1)*(x+2)’ </a:t>
-            </a:r>
-          </a:p>
-          <a:p>
-            <a:pPr marL="0" marR="0" lvl="0" indent="0" algn="l" defTabSz="914400" rtl="0" eaLnBrk="0" fontAlgn="base" latinLnBrk="0" hangingPunct="0">
-              <a:lnSpc>
-                <a:spcPct val="100000"/>
-              </a:lnSpc>
-              <a:spcBef>
-                <a:spcPct val="0"/>
-              </a:spcBef>
-              <a:spcAft>
-                <a:spcPct val="0"/>
-              </a:spcAft>
-              <a:buClrTx/>
-              <a:buSzTx/>
-              <a:buFontTx/>
-              <a:buNone/>
-              <a:tabLst/>
-            </a:pPr>
-            <a:r>
-              <a:rPr kumimoji="0" lang="en-US" altLang="en-US" sz="1400" b="0" i="0" u="none" strike="noStrike" cap="none" normalizeH="0" baseline="0" dirty="0" smtClean="0">
-                <a:ln>
-                  <a:noFill/>
-                </a:ln>
-                <a:solidFill>
-                  <a:schemeClr val="tx1"/>
-                </a:solidFill>
-                <a:effectLst/>
-                <a:latin typeface="Consolas" panose="020B0609020204030204" pitchFamily="49" charset="0"/>
-              </a:rPr>
-              <a:t>&gt;&gt;Enter the value of x:</a:t>
-            </a:r>
-          </a:p>
-          <a:p>
-            <a:pPr marL="0" marR="0" lvl="0" indent="0" algn="l" defTabSz="914400" rtl="0" eaLnBrk="0" fontAlgn="base" latinLnBrk="0" hangingPunct="0">
-              <a:lnSpc>
-                <a:spcPct val="100000"/>
-              </a:lnSpc>
-              <a:spcBef>
-                <a:spcPct val="0"/>
-              </a:spcBef>
-              <a:spcAft>
-                <a:spcPct val="0"/>
-              </a:spcAft>
-              <a:buClrTx/>
-              <a:buSzTx/>
-              <a:buFontTx/>
-              <a:buNone/>
-              <a:tabLst/>
-            </a:pPr>
-            <a:r>
-              <a:rPr kumimoji="0" lang="en-US" altLang="en-US" sz="1400" b="0" i="0" u="none" strike="noStrike" cap="none" normalizeH="0" baseline="0" dirty="0" smtClean="0">
-                <a:ln>
-                  <a:noFill/>
-                </a:ln>
-                <a:solidFill>
-                  <a:schemeClr val="tx1"/>
-                </a:solidFill>
-                <a:effectLst/>
-                <a:latin typeface="Consolas" panose="020B0609020204030204" pitchFamily="49" charset="0"/>
-              </a:rPr>
-              <a:t>3 </a:t>
-            </a:r>
-          </a:p>
-          <a:p>
-            <a:pPr marL="0" marR="0" lvl="0" indent="0" algn="l" defTabSz="914400" rtl="0" eaLnBrk="0" fontAlgn="base" latinLnBrk="0" hangingPunct="0">
-              <a:lnSpc>
-                <a:spcPct val="100000"/>
-              </a:lnSpc>
-              <a:spcBef>
-                <a:spcPct val="0"/>
-              </a:spcBef>
-              <a:spcAft>
-                <a:spcPct val="0"/>
-              </a:spcAft>
-              <a:buClrTx/>
-              <a:buSzTx/>
-              <a:buFontTx/>
-              <a:buNone/>
-              <a:tabLst/>
-            </a:pPr>
-            <a:r>
-              <a:rPr kumimoji="0" lang="en-US" altLang="en-US" sz="1400" b="0" i="0" u="none" strike="noStrike" cap="none" normalizeH="0" baseline="0" dirty="0" smtClean="0">
-                <a:ln>
-                  <a:noFill/>
-                </a:ln>
-                <a:solidFill>
-                  <a:schemeClr val="tx1"/>
-                </a:solidFill>
-                <a:effectLst/>
-                <a:latin typeface="Consolas" panose="020B0609020204030204" pitchFamily="49" charset="0"/>
-              </a:rPr>
-              <a:t>&gt;&gt;print(y)</a:t>
-            </a:r>
-          </a:p>
-          <a:p>
-            <a:pPr marL="0" marR="0" lvl="0" indent="0" algn="l" defTabSz="914400" rtl="0" eaLnBrk="0" fontAlgn="base" latinLnBrk="0" hangingPunct="0">
-              <a:lnSpc>
-                <a:spcPct val="100000"/>
-              </a:lnSpc>
-              <a:spcBef>
-                <a:spcPct val="0"/>
-              </a:spcBef>
-              <a:spcAft>
-                <a:spcPct val="0"/>
-              </a:spcAft>
-              <a:buClrTx/>
-              <a:buSzTx/>
-              <a:buFontTx/>
-              <a:buNone/>
-              <a:tabLst/>
-            </a:pPr>
-            <a:r>
-              <a:rPr kumimoji="0" lang="en-US" altLang="en-US" sz="1400" b="0" i="0" u="none" strike="noStrike" cap="none" normalizeH="0" baseline="0" dirty="0" smtClean="0">
-                <a:ln>
-                  <a:noFill/>
-                </a:ln>
-                <a:solidFill>
-                  <a:schemeClr val="tx1"/>
-                </a:solidFill>
-                <a:effectLst/>
-                <a:latin typeface="Consolas" panose="020B0609020204030204" pitchFamily="49" charset="0"/>
-              </a:rPr>
-              <a:t>60</a:t>
-            </a:r>
-            <a:r>
-              <a:rPr kumimoji="0" lang="en-US" altLang="en-US" sz="900" b="0" i="0" u="none" strike="noStrike" cap="none" normalizeH="0" baseline="0" dirty="0" smtClean="0">
-                <a:ln>
-                  <a:noFill/>
-                </a:ln>
-                <a:solidFill>
-                  <a:schemeClr val="tx1"/>
-                </a:solidFill>
-                <a:effectLst/>
-              </a:rPr>
-              <a:t> </a:t>
-            </a:r>
-            <a:endParaRPr kumimoji="0" lang="en-US" altLang="en-US" sz="2400" b="0" i="0" u="none" strike="noStrike" cap="none" normalizeH="0" baseline="0" dirty="0" smtClean="0">
-              <a:ln>
-                <a:noFill/>
-              </a:ln>
-              <a:solidFill>
-                <a:schemeClr val="tx1"/>
-              </a:solidFill>
-              <a:effectLst/>
-              <a:latin typeface="Arial" panose="020B0604020202020204" pitchFamily="34" charset="0"/>
-            </a:endParaRPr>
-          </a:p>
-        </p:txBody>
-      </p:sp>
+      </p:pic>
     </p:spTree>
     <p:extLst>
       <p:ext uri="{BB962C8B-B14F-4D97-AF65-F5344CB8AC3E}">
-        <p14:creationId xmlns:p14="http://schemas.microsoft.com/office/powerpoint/2010/main" val="1361696383"/>
+        <p14:creationId xmlns:p14="http://schemas.microsoft.com/office/powerpoint/2010/main" val="1169740459"/>
       </p:ext>
     </p:extLst>
   </p:cSld>
@@ -11157,7 +10797,7 @@
           <a:p>
             <a:r>
               <a:rPr lang="en-US" dirty="0" smtClean="0"/>
-              <a:t>Color Code</a:t>
+              <a:t>Evaluation of Expression </a:t>
             </a:r>
             <a:endParaRPr lang="en-US" dirty="0"/>
           </a:p>
@@ -11175,8 +10815,8 @@
         </p:nvSpPr>
         <p:spPr>
           <a:xfrm>
-            <a:off x="162656" y="1334303"/>
-            <a:ext cx="10547344" cy="955803"/>
+            <a:off x="239719" y="1967518"/>
+            <a:ext cx="10547344" cy="526673"/>
           </a:xfrm>
         </p:spPr>
         <p:txBody>
@@ -11184,45 +10824,42 @@
           <a:lstStyle/>
           <a:p>
             <a:r>
-              <a:rPr lang="en-US" sz="1600" b="1" dirty="0" smtClean="0"/>
-              <a:t>Green</a:t>
+              <a:rPr lang="en-US" sz="1600" dirty="0"/>
+              <a:t>The </a:t>
+            </a:r>
+            <a:r>
+              <a:rPr lang="en-US" sz="1600" b="1" dirty="0" err="1"/>
+              <a:t>eval</a:t>
+            </a:r>
+            <a:r>
+              <a:rPr lang="en-US" sz="1600" b="1" dirty="0"/>
+              <a:t>()</a:t>
+            </a:r>
+            <a:r>
+              <a:rPr lang="en-US" sz="1600" dirty="0"/>
+              <a:t> method parses the expression passed to it and runs python expression(code) within </a:t>
             </a:r>
             <a:r>
               <a:rPr lang="en-US" sz="1600" dirty="0" smtClean="0"/>
-              <a:t>  : Correct Line</a:t>
-            </a:r>
-          </a:p>
-          <a:p>
-            <a:r>
-              <a:rPr lang="en-US" sz="1600" b="1" dirty="0" smtClean="0"/>
-              <a:t>Red</a:t>
-            </a:r>
-            <a:r>
-              <a:rPr lang="en-US" sz="1600" dirty="0" smtClean="0"/>
-              <a:t>  	 : Wrong Line</a:t>
-            </a:r>
-          </a:p>
-          <a:p>
-            <a:r>
-              <a:rPr lang="en-US" sz="1600" b="1" dirty="0" smtClean="0"/>
-              <a:t>Blue</a:t>
-            </a:r>
-            <a:r>
-              <a:rPr lang="en-US" sz="1600" dirty="0" smtClean="0"/>
-              <a:t> </a:t>
-            </a:r>
-            <a:r>
-              <a:rPr lang="en-US" sz="1600" dirty="0"/>
-              <a:t> </a:t>
-            </a:r>
-            <a:r>
-              <a:rPr lang="en-US" sz="1600" dirty="0" smtClean="0"/>
-              <a:t>   : Undetermined </a:t>
-            </a:r>
-            <a:r>
-              <a:rPr lang="en-US" sz="1050" dirty="0" smtClean="0"/>
-              <a:t>{Something might went wrong in evaluation of expression}</a:t>
-            </a:r>
+              <a:t>the program</a:t>
+            </a:r>
+          </a:p>
+          <a:p>
+            <a:r>
+              <a:rPr lang="en-US" b="1" i="1" u="sng" dirty="0" smtClean="0"/>
+              <a:t>Equation independent</a:t>
+            </a:r>
+          </a:p>
+          <a:p>
+            <a:endParaRPr lang="en-US" sz="1600" dirty="0" smtClean="0"/>
+          </a:p>
+          <a:p>
+            <a:endParaRPr lang="en-US" dirty="0" smtClean="0"/>
+          </a:p>
+          <a:p>
+            <a:pPr marL="0" indent="0">
+              <a:buNone/>
+            </a:pPr>
             <a:endParaRPr lang="en-US" dirty="0"/>
           </a:p>
         </p:txBody>
@@ -11251,51 +10888,397 @@
           </a:p>
         </p:txBody>
       </p:sp>
-      <p:pic>
-        <p:nvPicPr>
-          <p:cNvPr id="7" name="Picture 6"/>
-          <p:cNvPicPr>
-            <a:picLocks noChangeAspect="1"/>
-          </p:cNvPicPr>
+      <p:sp>
+        <p:nvSpPr>
+          <p:cNvPr id="5" name="Rectangle 4"/>
+          <p:cNvSpPr/>
           <p:nvPr/>
-        </p:nvPicPr>
-        <p:blipFill>
-          <a:blip r:embed="rId2" cstate="hqprint">
-            <a:extLst>
-              <a:ext uri="{28A0092B-C50C-407E-A947-70E740481C1C}">
-                <a14:useLocalDpi xmlns:a14="http://schemas.microsoft.com/office/drawing/2010/main" val="0"/>
-              </a:ext>
-            </a:extLst>
-          </a:blip>
-          <a:stretch>
-            <a:fillRect/>
-          </a:stretch>
-        </p:blipFill>
-        <p:spPr>
-          <a:xfrm>
-            <a:off x="266700" y="2970127"/>
-            <a:ext cx="4428210" cy="1978492"/>
+        </p:nvSpPr>
+        <p:spPr>
+          <a:xfrm>
+            <a:off x="169432" y="1482872"/>
+            <a:ext cx="1813317" cy="369332"/>
           </a:xfrm>
           <a:prstGeom prst="rect">
             <a:avLst/>
           </a:prstGeom>
-          <a:effectLst>
-            <a:glow rad="101600">
-              <a:schemeClr val="accent4">
-                <a:satMod val="175000"/>
-                <a:alpha val="40000"/>
-              </a:schemeClr>
-            </a:glow>
-            <a:outerShdw blurRad="50800" dist="50800" dir="5400000" algn="ctr" rotWithShape="0">
-              <a:srgbClr val="000000"/>
-            </a:outerShdw>
-          </a:effectLst>
-        </p:spPr>
-      </p:pic>
+        </p:spPr>
+        <p:txBody>
+          <a:bodyPr wrap="none">
+            <a:spAutoFit/>
+          </a:bodyPr>
+          <a:lstStyle/>
+          <a:p>
+            <a:pPr algn="just"/>
+            <a:r>
+              <a:rPr lang="en-US" b="1" dirty="0" err="1">
+                <a:latin typeface="Roboto"/>
+              </a:rPr>
+              <a:t>e</a:t>
+            </a:r>
+            <a:r>
+              <a:rPr lang="en-US" b="1" dirty="0" err="1" smtClean="0">
+                <a:latin typeface="Roboto"/>
+              </a:rPr>
+              <a:t>val</a:t>
+            </a:r>
+            <a:r>
+              <a:rPr lang="en-US" b="1" dirty="0" smtClean="0">
+                <a:latin typeface="Roboto"/>
+              </a:rPr>
+              <a:t>()</a:t>
+            </a:r>
+            <a:r>
+              <a:rPr lang="en-US" dirty="0" smtClean="0">
+                <a:latin typeface="Roboto"/>
+              </a:rPr>
+              <a:t> </a:t>
+            </a:r>
+            <a:r>
+              <a:rPr lang="en-US" dirty="0">
+                <a:latin typeface="Roboto"/>
+              </a:rPr>
+              <a:t>in Python</a:t>
+            </a:r>
+            <a:endParaRPr lang="en-US" b="0" i="0" dirty="0">
+              <a:effectLst/>
+              <a:latin typeface="Roboto"/>
+            </a:endParaRPr>
+          </a:p>
+        </p:txBody>
+      </p:sp>
+      <p:sp>
+        <p:nvSpPr>
+          <p:cNvPr id="10" name="Rectangle 2"/>
+          <p:cNvSpPr>
+            <a:spLocks noChangeArrowheads="1"/>
+          </p:cNvSpPr>
+          <p:nvPr/>
+        </p:nvSpPr>
+        <p:spPr bwMode="auto">
+          <a:xfrm>
+            <a:off x="266700" y="3280629"/>
+            <a:ext cx="4676775" cy="1781239"/>
+          </a:xfrm>
+          <a:prstGeom prst="rect">
+            <a:avLst/>
+          </a:prstGeom>
+          <a:solidFill>
+            <a:srgbClr val="E0E0E0"/>
+          </a:solidFill>
+          <a:ln>
+            <a:noFill/>
+          </a:ln>
+          <a:effectLst/>
+          <a:extLst>
+            <a:ext uri="{91240B29-F687-4F45-9708-019B960494DF}">
+              <a14:hiddenLine xmlns:a14="http://schemas.microsoft.com/office/drawing/2010/main" w="9525">
+                <a:solidFill>
+                  <a:schemeClr val="tx1"/>
+                </a:solidFill>
+                <a:miter lim="800000"/>
+                <a:headEnd/>
+                <a:tailEnd/>
+              </a14:hiddenLine>
+            </a:ext>
+            <a:ext uri="{AF507438-7753-43E0-B8FC-AC1667EBCBE1}">
+              <a14:hiddenEffects xmlns:a14="http://schemas.microsoft.com/office/drawing/2010/main">
+                <a:effectLst>
+                  <a:outerShdw dist="35921" dir="2700000" algn="ctr" rotWithShape="0">
+                    <a:schemeClr val="bg2"/>
+                  </a:outerShdw>
+                </a:effectLst>
+              </a14:hiddenEffects>
+            </a:ext>
+          </a:extLst>
+        </p:spPr>
+        <p:txBody>
+          <a:bodyPr vert="horz" wrap="square" lIns="0" tIns="0" rIns="0" bIns="57132" numCol="1" anchor="ctr" anchorCtr="0" compatLnSpc="1">
+            <a:prstTxWarp prst="textNoShape">
+              <a:avLst/>
+            </a:prstTxWarp>
+            <a:spAutoFit/>
+          </a:bodyPr>
+          <a:lstStyle/>
+          <a:p>
+            <a:pPr marL="0" marR="0" lvl="0" indent="0" algn="l" defTabSz="914400" rtl="0" eaLnBrk="0" fontAlgn="base" latinLnBrk="0" hangingPunct="0">
+              <a:lnSpc>
+                <a:spcPct val="100000"/>
+              </a:lnSpc>
+              <a:spcBef>
+                <a:spcPct val="0"/>
+              </a:spcBef>
+              <a:spcAft>
+                <a:spcPct val="0"/>
+              </a:spcAft>
+              <a:buClrTx/>
+              <a:buSzTx/>
+              <a:buFontTx/>
+              <a:buNone/>
+              <a:tabLst/>
+            </a:pPr>
+            <a:r>
+              <a:rPr kumimoji="0" lang="en-US" altLang="en-US" sz="1400" b="1" i="0" u="none" strike="noStrike" cap="none" normalizeH="0" baseline="0" dirty="0" smtClean="0">
+                <a:ln>
+                  <a:noFill/>
+                </a:ln>
+                <a:solidFill>
+                  <a:schemeClr val="tx1"/>
+                </a:solidFill>
+                <a:effectLst/>
+                <a:latin typeface="Consolas" panose="020B0609020204030204" pitchFamily="49" charset="0"/>
+              </a:rPr>
+              <a:t>Example:</a:t>
+            </a:r>
+          </a:p>
+          <a:p>
+            <a:pPr marL="0" marR="0" lvl="0" indent="0" algn="l" defTabSz="914400" rtl="0" eaLnBrk="0" fontAlgn="base" latinLnBrk="0" hangingPunct="0">
+              <a:lnSpc>
+                <a:spcPct val="100000"/>
+              </a:lnSpc>
+              <a:spcBef>
+                <a:spcPct val="0"/>
+              </a:spcBef>
+              <a:spcAft>
+                <a:spcPct val="0"/>
+              </a:spcAft>
+              <a:buClrTx/>
+              <a:buSzTx/>
+              <a:buFontTx/>
+              <a:buNone/>
+              <a:tabLst/>
+            </a:pPr>
+            <a:endParaRPr kumimoji="0" lang="en-US" altLang="en-US" sz="1400" b="1" i="0" u="none" strike="noStrike" cap="none" normalizeH="0" baseline="0" dirty="0" smtClean="0">
+              <a:ln>
+                <a:noFill/>
+              </a:ln>
+              <a:solidFill>
+                <a:schemeClr val="tx1"/>
+              </a:solidFill>
+              <a:effectLst/>
+              <a:latin typeface="Consolas" panose="020B0609020204030204" pitchFamily="49" charset="0"/>
+            </a:endParaRPr>
+          </a:p>
+          <a:p>
+            <a:pPr marL="0" marR="0" lvl="0" indent="0" algn="l" defTabSz="914400" rtl="0" eaLnBrk="0" fontAlgn="base" latinLnBrk="0" hangingPunct="0">
+              <a:lnSpc>
+                <a:spcPct val="100000"/>
+              </a:lnSpc>
+              <a:spcBef>
+                <a:spcPct val="0"/>
+              </a:spcBef>
+              <a:spcAft>
+                <a:spcPct val="0"/>
+              </a:spcAft>
+              <a:buClrTx/>
+              <a:buSzTx/>
+              <a:buFontTx/>
+              <a:buNone/>
+              <a:tabLst/>
+            </a:pPr>
+            <a:r>
+              <a:rPr kumimoji="0" lang="en-US" altLang="en-US" sz="1400" b="0" i="0" u="none" strike="noStrike" cap="none" normalizeH="0" baseline="0" dirty="0" smtClean="0">
+                <a:ln>
+                  <a:noFill/>
+                </a:ln>
+                <a:solidFill>
+                  <a:schemeClr val="tx1"/>
+                </a:solidFill>
+                <a:effectLst/>
+                <a:latin typeface="Consolas" panose="020B0609020204030204" pitchFamily="49" charset="0"/>
+              </a:rPr>
+              <a:t>&gt;&gt;Enter the function y(in terms of x):</a:t>
+            </a:r>
+          </a:p>
+          <a:p>
+            <a:pPr marL="0" marR="0" lvl="0" indent="0" algn="l" defTabSz="914400" rtl="0" eaLnBrk="0" fontAlgn="base" latinLnBrk="0" hangingPunct="0">
+              <a:lnSpc>
+                <a:spcPct val="100000"/>
+              </a:lnSpc>
+              <a:spcBef>
+                <a:spcPct val="0"/>
+              </a:spcBef>
+              <a:spcAft>
+                <a:spcPct val="0"/>
+              </a:spcAft>
+              <a:buClrTx/>
+              <a:buSzTx/>
+              <a:buFontTx/>
+              <a:buNone/>
+              <a:tabLst/>
+            </a:pPr>
+            <a:r>
+              <a:rPr lang="en-US" altLang="en-US" sz="1400" dirty="0" smtClean="0">
+                <a:latin typeface="Consolas" panose="020B0609020204030204" pitchFamily="49" charset="0"/>
+              </a:rPr>
+              <a:t>‘</a:t>
+            </a:r>
+            <a:r>
+              <a:rPr kumimoji="0" lang="en-US" altLang="en-US" sz="1400" b="0" i="0" u="none" strike="noStrike" cap="none" normalizeH="0" baseline="0" dirty="0" smtClean="0">
+                <a:ln>
+                  <a:noFill/>
+                </a:ln>
+                <a:solidFill>
+                  <a:schemeClr val="tx1"/>
+                </a:solidFill>
+                <a:effectLst/>
+                <a:latin typeface="Consolas" panose="020B0609020204030204" pitchFamily="49" charset="0"/>
+              </a:rPr>
+              <a:t>x*(x+1)*(x+2)’ </a:t>
+            </a:r>
+          </a:p>
+          <a:p>
+            <a:pPr marL="0" marR="0" lvl="0" indent="0" algn="l" defTabSz="914400" rtl="0" eaLnBrk="0" fontAlgn="base" latinLnBrk="0" hangingPunct="0">
+              <a:lnSpc>
+                <a:spcPct val="100000"/>
+              </a:lnSpc>
+              <a:spcBef>
+                <a:spcPct val="0"/>
+              </a:spcBef>
+              <a:spcAft>
+                <a:spcPct val="0"/>
+              </a:spcAft>
+              <a:buClrTx/>
+              <a:buSzTx/>
+              <a:buFontTx/>
+              <a:buNone/>
+              <a:tabLst/>
+            </a:pPr>
+            <a:r>
+              <a:rPr kumimoji="0" lang="en-US" altLang="en-US" sz="1400" b="0" i="0" u="none" strike="noStrike" cap="none" normalizeH="0" baseline="0" dirty="0" smtClean="0">
+                <a:ln>
+                  <a:noFill/>
+                </a:ln>
+                <a:solidFill>
+                  <a:schemeClr val="tx1"/>
+                </a:solidFill>
+                <a:effectLst/>
+                <a:latin typeface="Consolas" panose="020B0609020204030204" pitchFamily="49" charset="0"/>
+              </a:rPr>
+              <a:t>&gt;&gt;Enter the value of x:</a:t>
+            </a:r>
+          </a:p>
+          <a:p>
+            <a:pPr marL="0" marR="0" lvl="0" indent="0" algn="l" defTabSz="914400" rtl="0" eaLnBrk="0" fontAlgn="base" latinLnBrk="0" hangingPunct="0">
+              <a:lnSpc>
+                <a:spcPct val="100000"/>
+              </a:lnSpc>
+              <a:spcBef>
+                <a:spcPct val="0"/>
+              </a:spcBef>
+              <a:spcAft>
+                <a:spcPct val="0"/>
+              </a:spcAft>
+              <a:buClrTx/>
+              <a:buSzTx/>
+              <a:buFontTx/>
+              <a:buNone/>
+              <a:tabLst/>
+            </a:pPr>
+            <a:r>
+              <a:rPr kumimoji="0" lang="en-US" altLang="en-US" sz="1400" b="0" i="0" u="none" strike="noStrike" cap="none" normalizeH="0" baseline="0" dirty="0" smtClean="0">
+                <a:ln>
+                  <a:noFill/>
+                </a:ln>
+                <a:solidFill>
+                  <a:schemeClr val="tx1"/>
+                </a:solidFill>
+                <a:effectLst/>
+                <a:latin typeface="Consolas" panose="020B0609020204030204" pitchFamily="49" charset="0"/>
+              </a:rPr>
+              <a:t>3 </a:t>
+            </a:r>
+          </a:p>
+          <a:p>
+            <a:pPr marL="0" marR="0" lvl="0" indent="0" algn="l" defTabSz="914400" rtl="0" eaLnBrk="0" fontAlgn="base" latinLnBrk="0" hangingPunct="0">
+              <a:lnSpc>
+                <a:spcPct val="100000"/>
+              </a:lnSpc>
+              <a:spcBef>
+                <a:spcPct val="0"/>
+              </a:spcBef>
+              <a:spcAft>
+                <a:spcPct val="0"/>
+              </a:spcAft>
+              <a:buClrTx/>
+              <a:buSzTx/>
+              <a:buFontTx/>
+              <a:buNone/>
+              <a:tabLst/>
+            </a:pPr>
+            <a:r>
+              <a:rPr kumimoji="0" lang="en-US" altLang="en-US" sz="1400" b="0" i="0" u="none" strike="noStrike" cap="none" normalizeH="0" baseline="0" dirty="0" smtClean="0">
+                <a:ln>
+                  <a:noFill/>
+                </a:ln>
+                <a:solidFill>
+                  <a:schemeClr val="tx1"/>
+                </a:solidFill>
+                <a:effectLst/>
+                <a:latin typeface="Consolas" panose="020B0609020204030204" pitchFamily="49" charset="0"/>
+              </a:rPr>
+              <a:t>&gt;&gt;print(y)</a:t>
+            </a:r>
+          </a:p>
+          <a:p>
+            <a:pPr marL="0" marR="0" lvl="0" indent="0" algn="l" defTabSz="914400" rtl="0" eaLnBrk="0" fontAlgn="base" latinLnBrk="0" hangingPunct="0">
+              <a:lnSpc>
+                <a:spcPct val="100000"/>
+              </a:lnSpc>
+              <a:spcBef>
+                <a:spcPct val="0"/>
+              </a:spcBef>
+              <a:spcAft>
+                <a:spcPct val="0"/>
+              </a:spcAft>
+              <a:buClrTx/>
+              <a:buSzTx/>
+              <a:buFontTx/>
+              <a:buNone/>
+              <a:tabLst/>
+            </a:pPr>
+            <a:r>
+              <a:rPr kumimoji="0" lang="en-US" altLang="en-US" sz="1400" b="0" i="0" u="none" strike="noStrike" cap="none" normalizeH="0" baseline="0" dirty="0" smtClean="0">
+                <a:ln>
+                  <a:noFill/>
+                </a:ln>
+                <a:solidFill>
+                  <a:schemeClr val="tx1"/>
+                </a:solidFill>
+                <a:effectLst/>
+                <a:latin typeface="Consolas" panose="020B0609020204030204" pitchFamily="49" charset="0"/>
+              </a:rPr>
+              <a:t>60</a:t>
+            </a:r>
+            <a:r>
+              <a:rPr kumimoji="0" lang="en-US" altLang="en-US" sz="900" b="0" i="0" u="none" strike="noStrike" cap="none" normalizeH="0" baseline="0" dirty="0" smtClean="0">
+                <a:ln>
+                  <a:noFill/>
+                </a:ln>
+                <a:solidFill>
+                  <a:schemeClr val="tx1"/>
+                </a:solidFill>
+                <a:effectLst/>
+              </a:rPr>
+              <a:t> </a:t>
+            </a:r>
+            <a:endParaRPr kumimoji="0" lang="en-US" altLang="en-US" sz="2400" b="0" i="0" u="none" strike="noStrike" cap="none" normalizeH="0" baseline="0" dirty="0" smtClean="0">
+              <a:ln>
+                <a:noFill/>
+              </a:ln>
+              <a:solidFill>
+                <a:schemeClr val="tx1"/>
+              </a:solidFill>
+              <a:effectLst/>
+              <a:latin typeface="Arial" panose="020B0604020202020204" pitchFamily="34" charset="0"/>
+            </a:endParaRPr>
+          </a:p>
+        </p:txBody>
+      </p:sp>
     </p:spTree>
     <p:extLst>
       <p:ext uri="{BB962C8B-B14F-4D97-AF65-F5344CB8AC3E}">
-        <p14:creationId xmlns:p14="http://schemas.microsoft.com/office/powerpoint/2010/main" val="552871956"/>
+        <p14:creationId xmlns:p14="http://schemas.microsoft.com/office/powerpoint/2010/main" val="1361696383"/>
       </p:ext>
     </p:extLst>
   </p:cSld>
@@ -11346,7 +11329,94 @@
           <a:p>
             <a:r>
               <a:rPr lang="en-US" dirty="0" smtClean="0"/>
-              <a:t>Accuracies</a:t>
+              <a:t>Line Box Coloring</a:t>
+            </a:r>
+            <a:endParaRPr lang="en-US" dirty="0"/>
+          </a:p>
+        </p:txBody>
+      </p:sp>
+      <p:sp>
+        <p:nvSpPr>
+          <p:cNvPr id="3" name="Title 2"/>
+          <p:cNvSpPr>
+            <a:spLocks noGrp="1"/>
+          </p:cNvSpPr>
+          <p:nvPr>
+            <p:ph type="title"/>
+          </p:nvPr>
+        </p:nvSpPr>
+        <p:spPr/>
+        <p:txBody>
+          <a:bodyPr/>
+          <a:lstStyle/>
+          <a:p>
+            <a:r>
+              <a:rPr lang="en-US" dirty="0" smtClean="0"/>
+              <a:t>Color Code</a:t>
+            </a:r>
+            <a:endParaRPr lang="en-US" dirty="0"/>
+          </a:p>
+        </p:txBody>
+      </p:sp>
+      <p:sp>
+        <p:nvSpPr>
+          <p:cNvPr id="4" name="Content Placeholder 3"/>
+          <p:cNvSpPr>
+            <a:spLocks noGrp="1"/>
+          </p:cNvSpPr>
+          <p:nvPr>
+            <p:ph sz="half" idx="1"/>
+          </p:nvPr>
+        </p:nvSpPr>
+        <p:spPr>
+          <a:xfrm>
+            <a:off x="162656" y="1334303"/>
+            <a:ext cx="10547344" cy="955803"/>
+          </a:xfrm>
+        </p:spPr>
+        <p:txBody>
+          <a:bodyPr/>
+          <a:lstStyle/>
+          <a:p>
+            <a:r>
+              <a:rPr lang="en-US" sz="1600" b="1" dirty="0" smtClean="0"/>
+              <a:t>Green</a:t>
+            </a:r>
+            <a:r>
+              <a:rPr lang="en-US" sz="1600" dirty="0" smtClean="0"/>
+              <a:t>  : Correct Line</a:t>
+            </a:r>
+          </a:p>
+          <a:p>
+            <a:r>
+              <a:rPr lang="en-US" sz="1600" b="1" dirty="0" smtClean="0"/>
+              <a:t>Red</a:t>
+            </a:r>
+            <a:r>
+              <a:rPr lang="en-US" sz="1600" dirty="0" smtClean="0"/>
+              <a:t>  	 : Wrong Line</a:t>
+            </a:r>
+          </a:p>
+          <a:p>
+            <a:r>
+              <a:rPr lang="en-US" sz="1600" b="1" dirty="0" smtClean="0"/>
+              <a:t>Blue</a:t>
+            </a:r>
+            <a:r>
+              <a:rPr lang="en-US" sz="1600" dirty="0" smtClean="0"/>
+              <a:t> </a:t>
+            </a:r>
+            <a:r>
+              <a:rPr lang="en-US" sz="1600" dirty="0"/>
+              <a:t> </a:t>
+            </a:r>
+            <a:r>
+              <a:rPr lang="en-US" sz="1600" dirty="0" smtClean="0"/>
+              <a:t>   : Undetermined </a:t>
+            </a:r>
+            <a:r>
+              <a:rPr lang="en-US" sz="1050" dirty="0" smtClean="0"/>
+              <a:t>{Something might went wrong in evaluation of expression}</a:t>
             </a:r>
             <a:endParaRPr lang="en-US" dirty="0"/>
           </a:p>
@@ -11371,6 +11441,131 @@
               <a:rPr lang="de-DE" smtClean="0"/>
               <a:pPr/>
               <a:t>15</a:t>
+            </a:fld>
+            <a:endParaRPr lang="de-DE"/>
+          </a:p>
+        </p:txBody>
+      </p:sp>
+      <p:pic>
+        <p:nvPicPr>
+          <p:cNvPr id="7" name="Picture 6"/>
+          <p:cNvPicPr>
+            <a:picLocks noChangeAspect="1"/>
+          </p:cNvPicPr>
+          <p:nvPr/>
+        </p:nvPicPr>
+        <p:blipFill>
+          <a:blip r:embed="rId2" cstate="hqprint">
+            <a:extLst>
+              <a:ext uri="{28A0092B-C50C-407E-A947-70E740481C1C}">
+                <a14:useLocalDpi xmlns:a14="http://schemas.microsoft.com/office/drawing/2010/main" val="0"/>
+              </a:ext>
+            </a:extLst>
+          </a:blip>
+          <a:stretch>
+            <a:fillRect/>
+          </a:stretch>
+        </p:blipFill>
+        <p:spPr>
+          <a:xfrm>
+            <a:off x="266700" y="2970127"/>
+            <a:ext cx="4428210" cy="1978492"/>
+          </a:xfrm>
+          <a:prstGeom prst="rect">
+            <a:avLst/>
+          </a:prstGeom>
+          <a:effectLst>
+            <a:glow rad="101600">
+              <a:schemeClr val="accent4">
+                <a:satMod val="175000"/>
+                <a:alpha val="40000"/>
+              </a:schemeClr>
+            </a:glow>
+            <a:outerShdw blurRad="50800" dist="50800" dir="5400000" algn="ctr" rotWithShape="0">
+              <a:srgbClr val="000000"/>
+            </a:outerShdw>
+          </a:effectLst>
+        </p:spPr>
+      </p:pic>
+    </p:spTree>
+    <p:extLst>
+      <p:ext uri="{BB962C8B-B14F-4D97-AF65-F5344CB8AC3E}">
+        <p14:creationId xmlns:p14="http://schemas.microsoft.com/office/powerpoint/2010/main" val="552871956"/>
+      </p:ext>
+    </p:extLst>
+  </p:cSld>
+  <p:clrMapOvr>
+    <a:masterClrMapping/>
+  </p:clrMapOvr>
+  <p:timing>
+    <p:tnLst>
+      <p:par>
+        <p:cTn id="1" dur="indefinite" restart="never" nodeType="tmRoot"/>
+      </p:par>
+    </p:tnLst>
+  </p:timing>
+</p:sld>
+</file>
+
+<file path=ppt/slides/slide16.xml><?xml version="1.0" encoding="utf-8"?>
+<p:sld xmlns:a="http://schemas.openxmlformats.org/drawingml/2006/main" xmlns:r="http://schemas.openxmlformats.org/officeDocument/2006/relationships" xmlns:p="http://schemas.openxmlformats.org/presentationml/2006/main">
+  <p:cSld>
+    <p:spTree>
+      <p:nvGrpSpPr>
+        <p:cNvPr id="1" name=""/>
+        <p:cNvGrpSpPr/>
+        <p:nvPr/>
+      </p:nvGrpSpPr>
+      <p:grpSpPr>
+        <a:xfrm>
+          <a:off x="0" y="0"/>
+          <a:ext cx="0" cy="0"/>
+          <a:chOff x="0" y="0"/>
+          <a:chExt cx="0" cy="0"/>
+        </a:xfrm>
+      </p:grpSpPr>
+      <p:sp>
+        <p:nvSpPr>
+          <p:cNvPr id="2" name="Text Placeholder 1"/>
+          <p:cNvSpPr>
+            <a:spLocks noGrp="1"/>
+          </p:cNvSpPr>
+          <p:nvPr>
+            <p:ph type="body" sz="quarter" idx="15"/>
+          </p:nvPr>
+        </p:nvSpPr>
+        <p:spPr/>
+        <p:txBody>
+          <a:bodyPr/>
+          <a:lstStyle/>
+          <a:p>
+            <a:r>
+              <a:rPr lang="en-US" dirty="0" smtClean="0"/>
+              <a:t>Accuracies</a:t>
+            </a:r>
+            <a:endParaRPr lang="en-US" dirty="0"/>
+          </a:p>
+        </p:txBody>
+      </p:sp>
+      <p:sp>
+        <p:nvSpPr>
+          <p:cNvPr id="6" name="Slide Number Placeholder 5"/>
+          <p:cNvSpPr>
+            <a:spLocks noGrp="1"/>
+          </p:cNvSpPr>
+          <p:nvPr>
+            <p:ph type="sldNum" sz="quarter" idx="12"/>
+          </p:nvPr>
+        </p:nvSpPr>
+        <p:spPr/>
+        <p:txBody>
+          <a:bodyPr/>
+          <a:lstStyle/>
+          <a:p>
+            <a:fld id="{4898AEC0-503E-4FA4-859C-D0F72D6E3F79}" type="slidenum">
+              <a:rPr lang="de-DE" smtClean="0"/>
+              <a:pPr/>
+              <a:t>16</a:t>
             </a:fld>
             <a:endParaRPr lang="de-DE"/>
           </a:p>
@@ -11477,7 +11672,7 @@
           <p:nvPr>
             <p:extLst>
               <p:ext uri="{D42A27DB-BD31-4B8C-83A1-F6EECF244321}">
-                <p14:modId xmlns:p14="http://schemas.microsoft.com/office/powerpoint/2010/main" val="2714558489"/>
+                <p14:modId xmlns:p14="http://schemas.microsoft.com/office/powerpoint/2010/main" val="809659649"/>
               </p:ext>
             </p:extLst>
           </p:nvPr>
@@ -11942,7 +12137,7 @@
                       <a:pPr algn="ctr"/>
                       <a:r>
                         <a:rPr lang="en-US" sz="1000" dirty="0" smtClean="0"/>
-                        <a:t>99.3</a:t>
+                        <a:t>98.9</a:t>
                       </a:r>
                       <a:endParaRPr lang="en-US" sz="1000" dirty="0"/>
                     </a:p>
@@ -13284,7 +13479,7 @@
 </p:sld>
 </file>
 
-<file path=ppt/slides/slide16.xml><?xml version="1.0" encoding="utf-8"?>
+<file path=ppt/slides/slide17.xml><?xml version="1.0" encoding="utf-8"?>
 <p:sld xmlns:a="http://schemas.openxmlformats.org/drawingml/2006/main" xmlns:r="http://schemas.openxmlformats.org/officeDocument/2006/relationships" xmlns:p="http://schemas.openxmlformats.org/presentationml/2006/main">
   <p:cSld>
     <p:spTree>
@@ -13339,10 +13534,6 @@
           <a:bodyPr/>
           <a:lstStyle/>
           <a:p>
-            <a:r>
-              <a:rPr lang="en-GB" dirty="0" smtClean="0"/>
-              <a:t>Beta Version</a:t>
-            </a:r>
             <a:endParaRPr lang="en-GB" dirty="0"/>
           </a:p>
         </p:txBody>
@@ -13365,7 +13556,7 @@
             <a:fld id="{4898AEC0-503E-4FA4-859C-D0F72D6E3F79}" type="slidenum">
               <a:rPr lang="de-DE" smtClean="0"/>
               <a:pPr/>
-              <a:t>16</a:t>
+              <a:t>17</a:t>
             </a:fld>
             <a:endParaRPr lang="de-DE"/>
           </a:p>
@@ -13715,7 +13906,7 @@
 </p:sld>
 </file>
 
-<file path=ppt/slides/slide17.xml><?xml version="1.0" encoding="utf-8"?>
+<file path=ppt/slides/slide18.xml><?xml version="1.0" encoding="utf-8"?>
 <p:sld xmlns:a="http://schemas.openxmlformats.org/drawingml/2006/main" xmlns:r="http://schemas.openxmlformats.org/officeDocument/2006/relationships" xmlns:p="http://schemas.openxmlformats.org/presentationml/2006/main">
   <p:cSld>
     <p:spTree>
@@ -14051,11 +14242,7 @@
             </a:r>
             <a:r>
               <a:rPr lang="en-US" sz="1400" dirty="0" smtClean="0"/>
-              <a:t>Character, Exponential </a:t>
-            </a:r>
-            <a:r>
-              <a:rPr lang="en-US" sz="1400" dirty="0" smtClean="0"/>
-              <a:t>Detection</a:t>
+              <a:t>Character, Exponential Detection</a:t>
             </a:r>
           </a:p>
           <a:p>
@@ -14134,64 +14321,35 @@
             </a:r>
             <a:r>
               <a:rPr lang="en-US" sz="1400" dirty="0" smtClean="0"/>
-              <a:t>2.1 </a:t>
-            </a:r>
-            <a:r>
-              <a:rPr lang="en-US" sz="1400" dirty="0" smtClean="0"/>
-              <a:t>API+GUI </a:t>
-            </a:r>
-            <a:r>
-              <a:rPr lang="en-US" sz="1400" dirty="0" smtClean="0"/>
-              <a:t>Improvisation</a:t>
+              <a:t>2.2 Fixing bracket bug of Line Evaluation</a:t>
             </a:r>
           </a:p>
           <a:p>
             <a:pPr marL="0" indent="0">
               <a:buNone/>
             </a:pPr>
-            <a:r>
-              <a:rPr lang="en-US" sz="1400" dirty="0" smtClean="0"/>
-              <a:t>	2.2 Fixing bugs of Line Evaluation</a:t>
-            </a:r>
+            <a:endParaRPr lang="en-US" sz="1400" dirty="0" smtClean="0"/>
           </a:p>
           <a:p>
             <a:pPr marL="0" indent="0">
               <a:buNone/>
             </a:pPr>
             <a:r>
-              <a:rPr lang="en-US" sz="1400" dirty="0"/>
-              <a:t>	</a:t>
-            </a:r>
-            <a:r>
-              <a:rPr lang="en-US" sz="1400" dirty="0" smtClean="0"/>
-              <a:t>2.3 Tuning Parameters</a:t>
-            </a:r>
-            <a:endParaRPr lang="en-US" sz="1400" dirty="0" smtClean="0"/>
+              <a:rPr lang="en-US" dirty="0" smtClean="0"/>
+              <a:t>3. Inputs from customer</a:t>
+            </a:r>
           </a:p>
           <a:p>
             <a:pPr marL="0" indent="0">
               <a:buNone/>
             </a:pPr>
             <a:r>
-              <a:rPr lang="en-US" dirty="0" smtClean="0"/>
-              <a:t>3. Upcoming Tasks</a:t>
-            </a:r>
-          </a:p>
-          <a:p>
-            <a:pPr marL="0" indent="0">
-              <a:buNone/>
-            </a:pPr>
+              <a:rPr lang="en-US" sz="1400" dirty="0"/>
+              <a:t>	</a:t>
+            </a:r>
             <a:r>
               <a:rPr lang="en-US" sz="1400" dirty="0" smtClean="0"/>
-              <a:t>	3.2 </a:t>
-            </a:r>
-            <a:r>
-              <a:rPr lang="en-US" sz="1400" dirty="0" smtClean="0"/>
-              <a:t>Python Package </a:t>
-            </a:r>
-            <a:r>
-              <a:rPr lang="en-US" sz="1400" dirty="0" err="1" smtClean="0"/>
-              <a:t>Finalisation</a:t>
+              <a:t>3.1 Sample Image Testing</a:t>
             </a:r>
             <a:endParaRPr lang="en-US" sz="1400" dirty="0"/>
           </a:p>
@@ -14301,7 +14459,7 @@
         </p:nvSpPr>
         <p:spPr>
           <a:xfrm>
-            <a:off x="835820" y="1950244"/>
+            <a:off x="835820" y="1935956"/>
             <a:ext cx="214312" cy="311344"/>
           </a:xfrm>
           <a:prstGeom prst="rect">
@@ -14379,7 +14537,7 @@
         </p:nvSpPr>
         <p:spPr>
           <a:xfrm>
-            <a:off x="835820" y="2259274"/>
+            <a:off x="835820" y="2237842"/>
             <a:ext cx="214312" cy="311344"/>
           </a:xfrm>
           <a:prstGeom prst="rect">
@@ -14457,7 +14615,7 @@
         </p:nvSpPr>
         <p:spPr>
           <a:xfrm>
-            <a:off x="835820" y="2502878"/>
+            <a:off x="835820" y="2517166"/>
             <a:ext cx="214312" cy="311344"/>
           </a:xfrm>
           <a:prstGeom prst="rect">
@@ -14577,106 +14735,6 @@
           </a:extLst>
         </p:spPr>
       </p:pic>
-      <p:pic>
-        <p:nvPicPr>
-          <p:cNvPr id="16" name="Picture 2" descr="Image result for icon to use for ongoing work"/>
-          <p:cNvPicPr>
-            <a:picLocks noChangeAspect="1" noChangeArrowheads="1"/>
-          </p:cNvPicPr>
-          <p:nvPr/>
-        </p:nvPicPr>
-        <p:blipFill>
-          <a:blip r:embed="rId2" cstate="hqprint">
-            <a:extLst>
-              <a:ext uri="{BEBA8EAE-BF5A-486C-A8C5-ECC9F3942E4B}">
-                <a14:imgProps xmlns:a14="http://schemas.microsoft.com/office/drawing/2010/main">
-                  <a14:imgLayer r:embed="rId3">
-                    <a14:imgEffect>
-                      <a14:brightnessContrast bright="40000" contrast="40000"/>
-                    </a14:imgEffect>
-                  </a14:imgLayer>
-                </a14:imgProps>
-              </a:ext>
-              <a:ext uri="{28A0092B-C50C-407E-A947-70E740481C1C}">
-                <a14:useLocalDpi xmlns:a14="http://schemas.microsoft.com/office/drawing/2010/main" val="0"/>
-              </a:ext>
-            </a:extLst>
-          </a:blip>
-          <a:srcRect/>
-          <a:stretch>
-            <a:fillRect/>
-          </a:stretch>
-        </p:blipFill>
-        <p:spPr bwMode="auto">
-          <a:xfrm flipH="1">
-            <a:off x="847133" y="3795481"/>
-            <a:ext cx="181568" cy="181570"/>
-          </a:xfrm>
-          <a:prstGeom prst="rect">
-            <a:avLst/>
-          </a:prstGeom>
-          <a:noFill/>
-          <a:extLst>
-            <a:ext uri="{909E8E84-426E-40DD-AFC4-6F175D3DCCD1}">
-              <a14:hiddenFill xmlns:a14="http://schemas.microsoft.com/office/drawing/2010/main">
-                <a:solidFill>
-                  <a:srgbClr val="FFFFFF"/>
-                </a:solidFill>
-              </a14:hiddenFill>
-            </a:ext>
-          </a:extLst>
-        </p:spPr>
-      </p:pic>
-      <p:pic>
-        <p:nvPicPr>
-          <p:cNvPr id="17" name="Picture 2" descr="Image result for icon to use for ongoing work"/>
-          <p:cNvPicPr>
-            <a:picLocks noChangeAspect="1" noChangeArrowheads="1"/>
-          </p:cNvPicPr>
-          <p:nvPr/>
-        </p:nvPicPr>
-        <p:blipFill>
-          <a:blip r:embed="rId2" cstate="hqprint">
-            <a:extLst>
-              <a:ext uri="{BEBA8EAE-BF5A-486C-A8C5-ECC9F3942E4B}">
-                <a14:imgProps xmlns:a14="http://schemas.microsoft.com/office/drawing/2010/main">
-                  <a14:imgLayer r:embed="rId3">
-                    <a14:imgEffect>
-                      <a14:brightnessContrast bright="40000" contrast="40000"/>
-                    </a14:imgEffect>
-                  </a14:imgLayer>
-                </a14:imgProps>
-              </a:ext>
-              <a:ext uri="{28A0092B-C50C-407E-A947-70E740481C1C}">
-                <a14:useLocalDpi xmlns:a14="http://schemas.microsoft.com/office/drawing/2010/main" val="0"/>
-              </a:ext>
-            </a:extLst>
-          </a:blip>
-          <a:srcRect/>
-          <a:stretch>
-            <a:fillRect/>
-          </a:stretch>
-        </p:blipFill>
-        <p:spPr bwMode="auto">
-          <a:xfrm flipH="1">
-            <a:off x="847134" y="4094870"/>
-            <a:ext cx="181568" cy="181570"/>
-          </a:xfrm>
-          <a:prstGeom prst="rect">
-            <a:avLst/>
-          </a:prstGeom>
-          <a:noFill/>
-          <a:extLst>
-            <a:ext uri="{909E8E84-426E-40DD-AFC4-6F175D3DCCD1}">
-              <a14:hiddenFill xmlns:a14="http://schemas.microsoft.com/office/drawing/2010/main">
-                <a:solidFill>
-                  <a:srgbClr val="FFFFFF"/>
-                </a:solidFill>
-              </a14:hiddenFill>
-            </a:ext>
-          </a:extLst>
-        </p:spPr>
-      </p:pic>
     </p:spTree>
     <p:extLst>
       <p:ext uri="{BB962C8B-B14F-4D97-AF65-F5344CB8AC3E}">
@@ -14698,7 +14756,7 @@
 </file>
 
 <file path=ppt/slides/slide4.xml><?xml version="1.0" encoding="utf-8"?>
-<p:sld xmlns:a="http://schemas.openxmlformats.org/drawingml/2006/main" xmlns:r="http://schemas.openxmlformats.org/officeDocument/2006/relationships" xmlns:p="http://schemas.openxmlformats.org/presentationml/2006/main" show="0">
+<p:sld xmlns:a="http://schemas.openxmlformats.org/drawingml/2006/main" xmlns:r="http://schemas.openxmlformats.org/officeDocument/2006/relationships" xmlns:p="http://schemas.openxmlformats.org/presentationml/2006/main">
   <p:cSld>
     <p:spTree>
       <p:nvGrpSpPr>
@@ -14716,7 +14774,30 @@
       </p:grpSpPr>
       <p:sp>
         <p:nvSpPr>
-          <p:cNvPr id="2" name="Text Placeholder 1"/>
+          <p:cNvPr id="2" name="Title 1"/>
+          <p:cNvSpPr>
+            <a:spLocks noGrp="1"/>
+          </p:cNvSpPr>
+          <p:nvPr>
+            <p:ph type="title"/>
+          </p:nvPr>
+        </p:nvSpPr>
+        <p:spPr/>
+        <p:txBody>
+          <a:bodyPr/>
+          <a:lstStyle/>
+          <a:p>
+            <a:r>
+              <a:rPr lang="en-US" dirty="0" smtClean="0"/>
+              <a:t> </a:t>
+            </a:r>
+            <a:endParaRPr lang="en-US" dirty="0"/>
+          </a:p>
+        </p:txBody>
+      </p:sp>
+      <p:sp>
+        <p:nvSpPr>
+          <p:cNvPr id="3" name="Text Placeholder 2"/>
           <p:cNvSpPr>
             <a:spLocks noGrp="1"/>
           </p:cNvSpPr>
@@ -14724,120 +14805,34 @@
             <p:ph type="body" sz="quarter" idx="15"/>
           </p:nvPr>
         </p:nvSpPr>
-        <p:spPr/>
+        <p:spPr>
+          <a:xfrm>
+            <a:off x="259199" y="366912"/>
+            <a:ext cx="10450800" cy="388800"/>
+          </a:xfrm>
+        </p:spPr>
         <p:txBody>
           <a:bodyPr/>
           <a:lstStyle/>
           <a:p>
             <a:r>
               <a:rPr lang="en-US" dirty="0" smtClean="0"/>
-              <a:t>Workspace Detection</a:t>
-            </a:r>
-            <a:br>
-              <a:rPr lang="en-US" dirty="0" smtClean="0"/>
-            </a:br>
-            <a:endParaRPr lang="en-US" dirty="0"/>
-          </a:p>
-        </p:txBody>
-      </p:sp>
-      <p:sp>
-        <p:nvSpPr>
-          <p:cNvPr id="4" name="Content Placeholder 3"/>
-          <p:cNvSpPr>
-            <a:spLocks noGrp="1"/>
-          </p:cNvSpPr>
-          <p:nvPr>
-            <p:ph sz="half" idx="1"/>
-          </p:nvPr>
-        </p:nvSpPr>
-        <p:spPr/>
-        <p:txBody>
-          <a:bodyPr/>
-          <a:lstStyle/>
-          <a:p>
-            <a:pPr marL="0" indent="0">
-              <a:buNone/>
-            </a:pPr>
-            <a:r>
-              <a:rPr lang="en-US" dirty="0" smtClean="0"/>
-              <a:t>OpenCV for finding closed object contours</a:t>
-            </a:r>
-          </a:p>
-          <a:p>
-            <a:pPr>
-              <a:buFont typeface="Wingdings" panose="05000000000000000000" pitchFamily="2" charset="2"/>
-              <a:buChar char="§"/>
-            </a:pPr>
-            <a:r>
-              <a:rPr lang="en-US" dirty="0" smtClean="0"/>
-              <a:t>Detect all the boxes </a:t>
-            </a:r>
-          </a:p>
-          <a:p>
-            <a:pPr>
-              <a:buFont typeface="Wingdings" panose="05000000000000000000" pitchFamily="2" charset="2"/>
-              <a:buChar char="§"/>
-            </a:pPr>
-            <a:r>
-              <a:rPr lang="en-US" dirty="0" smtClean="0"/>
-              <a:t>Sort them (Top-to-Bottom) </a:t>
-            </a:r>
-          </a:p>
-          <a:p>
-            <a:pPr>
-              <a:buFont typeface="Wingdings" panose="05000000000000000000" pitchFamily="2" charset="2"/>
-              <a:buChar char="§"/>
-            </a:pPr>
-            <a:r>
-              <a:rPr lang="en-US" dirty="0" smtClean="0"/>
-              <a:t>Choose the desired boxes based on the area</a:t>
-            </a:r>
-          </a:p>
-          <a:p>
-            <a:pPr marL="0" indent="0">
-              <a:buNone/>
-            </a:pPr>
-            <a:endParaRPr lang="en-US" dirty="0" smtClean="0"/>
-          </a:p>
-          <a:p>
-            <a:pPr marL="0" indent="0">
-              <a:buNone/>
-            </a:pPr>
-            <a:r>
-              <a:rPr lang="en-US" dirty="0" smtClean="0"/>
-              <a:t>Assumptions :</a:t>
-            </a:r>
-          </a:p>
-          <a:p>
-            <a:pPr>
-              <a:buFont typeface="Wingdings" panose="05000000000000000000" pitchFamily="2" charset="2"/>
-              <a:buChar char="§"/>
-            </a:pPr>
-            <a:r>
-              <a:rPr lang="en-US" dirty="0" smtClean="0"/>
-              <a:t>Valid Rectangular boxes present</a:t>
-            </a:r>
-          </a:p>
-          <a:p>
-            <a:pPr marL="0" indent="0">
-              <a:buNone/>
-            </a:pPr>
+              <a:t>Sample Test Images</a:t>
+            </a:r>
             <a:endParaRPr lang="en-US" dirty="0"/>
           </a:p>
         </p:txBody>
       </p:sp>
       <p:pic>
         <p:nvPicPr>
-          <p:cNvPr id="7" name="Content Placeholder 6"/>
+          <p:cNvPr id="7" name="Picture 6"/>
           <p:cNvPicPr>
-            <a:picLocks noGrp="1" noChangeAspect="1"/>
+            <a:picLocks noChangeAspect="1"/>
           </p:cNvPicPr>
-          <p:nvPr>
-            <p:ph sz="half" idx="2"/>
-          </p:nvPr>
+          <p:nvPr/>
         </p:nvPicPr>
         <p:blipFill>
-          <a:blip r:embed="rId2">
+          <a:blip r:embed="rId2" cstate="hqprint">
             <a:extLst>
               <a:ext uri="{28A0092B-C50C-407E-A947-70E740481C1C}">
                 <a14:useLocalDpi xmlns:a14="http://schemas.microsoft.com/office/drawing/2010/main" val="0"/>
@@ -14850,45 +14845,144 @@
         </p:blipFill>
         <p:spPr>
           <a:xfrm>
-            <a:off x="6967673" y="1296000"/>
-            <a:ext cx="2983404" cy="4168775"/>
-          </a:xfrm>
+            <a:off x="135736" y="957260"/>
+            <a:ext cx="2100263" cy="2969710"/>
+          </a:xfrm>
+          <a:prstGeom prst="rect">
+            <a:avLst/>
+          </a:prstGeom>
+        </p:spPr>
+      </p:pic>
+      <p:pic>
+        <p:nvPicPr>
+          <p:cNvPr id="8" name="Picture 7"/>
+          <p:cNvPicPr>
+            <a:picLocks noChangeAspect="1"/>
+          </p:cNvPicPr>
+          <p:nvPr/>
+        </p:nvPicPr>
+        <p:blipFill>
+          <a:blip r:embed="rId3" cstate="hqprint">
+            <a:extLst>
+              <a:ext uri="{28A0092B-C50C-407E-A947-70E740481C1C}">
+                <a14:useLocalDpi xmlns:a14="http://schemas.microsoft.com/office/drawing/2010/main" val="0"/>
+              </a:ext>
+            </a:extLst>
+          </a:blip>
+          <a:stretch>
+            <a:fillRect/>
+          </a:stretch>
+        </p:blipFill>
+        <p:spPr>
+          <a:xfrm>
+            <a:off x="2235999" y="942964"/>
+            <a:ext cx="2110374" cy="2984006"/>
+          </a:xfrm>
+          <a:prstGeom prst="rect">
+            <a:avLst/>
+          </a:prstGeom>
+        </p:spPr>
+      </p:pic>
+      <p:pic>
+        <p:nvPicPr>
+          <p:cNvPr id="9" name="Picture 8"/>
+          <p:cNvPicPr>
+            <a:picLocks noChangeAspect="1"/>
+          </p:cNvPicPr>
+          <p:nvPr/>
+        </p:nvPicPr>
+        <p:blipFill>
+          <a:blip r:embed="rId4" cstate="hqprint">
+            <a:extLst>
+              <a:ext uri="{28A0092B-C50C-407E-A947-70E740481C1C}">
+                <a14:useLocalDpi xmlns:a14="http://schemas.microsoft.com/office/drawing/2010/main" val="0"/>
+              </a:ext>
+            </a:extLst>
+          </a:blip>
+          <a:stretch>
+            <a:fillRect/>
+          </a:stretch>
+        </p:blipFill>
+        <p:spPr>
+          <a:xfrm>
+            <a:off x="4336262" y="957260"/>
+            <a:ext cx="2100264" cy="2969710"/>
+          </a:xfrm>
+          <a:prstGeom prst="rect">
+            <a:avLst/>
+          </a:prstGeom>
+        </p:spPr>
+      </p:pic>
+      <p:pic>
+        <p:nvPicPr>
+          <p:cNvPr id="10" name="Picture 9"/>
+          <p:cNvPicPr>
+            <a:picLocks noChangeAspect="1"/>
+          </p:cNvPicPr>
+          <p:nvPr/>
+        </p:nvPicPr>
+        <p:blipFill>
+          <a:blip r:embed="rId5" cstate="hqprint">
+            <a:extLst>
+              <a:ext uri="{28A0092B-C50C-407E-A947-70E740481C1C}">
+                <a14:useLocalDpi xmlns:a14="http://schemas.microsoft.com/office/drawing/2010/main" val="0"/>
+              </a:ext>
+            </a:extLst>
+          </a:blip>
+          <a:stretch>
+            <a:fillRect/>
+          </a:stretch>
+        </p:blipFill>
+        <p:spPr>
+          <a:xfrm>
+            <a:off x="6588925" y="942964"/>
+            <a:ext cx="2112167" cy="2986541"/>
+          </a:xfrm>
+          <a:prstGeom prst="rect">
+            <a:avLst/>
+          </a:prstGeom>
+        </p:spPr>
+      </p:pic>
+      <p:pic>
+        <p:nvPicPr>
+          <p:cNvPr id="11" name="Picture 10"/>
+          <p:cNvPicPr>
+            <a:picLocks noChangeAspect="1"/>
+          </p:cNvPicPr>
+          <p:nvPr/>
+        </p:nvPicPr>
+        <p:blipFill>
+          <a:blip r:embed="rId6" cstate="hqprint">
+            <a:extLst>
+              <a:ext uri="{28A0092B-C50C-407E-A947-70E740481C1C}">
+                <a14:useLocalDpi xmlns:a14="http://schemas.microsoft.com/office/drawing/2010/main" val="0"/>
+              </a:ext>
+            </a:extLst>
+          </a:blip>
+          <a:stretch>
+            <a:fillRect/>
+          </a:stretch>
+        </p:blipFill>
+        <p:spPr>
+          <a:xfrm>
+            <a:off x="8714702" y="957260"/>
+            <a:ext cx="2105316" cy="2976854"/>
+          </a:xfrm>
+          <a:prstGeom prst="rect">
+            <a:avLst/>
+          </a:prstGeom>
         </p:spPr>
       </p:pic>
       <p:sp>
         <p:nvSpPr>
-          <p:cNvPr id="6" name="Slide Number Placeholder 5"/>
-          <p:cNvSpPr>
-            <a:spLocks noGrp="1"/>
-          </p:cNvSpPr>
-          <p:nvPr>
-            <p:ph type="sldNum" sz="quarter" idx="12"/>
-          </p:nvPr>
-        </p:nvSpPr>
-        <p:spPr/>
-        <p:txBody>
-          <a:bodyPr/>
-          <a:lstStyle/>
-          <a:p>
-            <a:fld id="{4898AEC0-503E-4FA4-859C-D0F72D6E3F79}" type="slidenum">
-              <a:rPr lang="de-DE" smtClean="0"/>
-              <a:pPr/>
-              <a:t>4</a:t>
-            </a:fld>
-            <a:endParaRPr lang="de-DE"/>
-          </a:p>
-        </p:txBody>
-      </p:sp>
-      <p:sp>
-        <p:nvSpPr>
-          <p:cNvPr id="8" name="TextBox 7"/>
+          <p:cNvPr id="13" name="TextBox 12"/>
           <p:cNvSpPr txBox="1"/>
           <p:nvPr/>
         </p:nvSpPr>
         <p:spPr>
           <a:xfrm>
-            <a:off x="7329177" y="820512"/>
-            <a:ext cx="2260396" cy="302976"/>
+            <a:off x="259199" y="4057650"/>
+            <a:ext cx="10277832" cy="914400"/>
           </a:xfrm>
           <a:prstGeom prst="rect">
             <a:avLst/>
@@ -14896,12 +14990,12 @@
           <a:noFill/>
         </p:spPr>
         <p:txBody>
-          <a:bodyPr wrap="square" lIns="0" tIns="0" rIns="0" bIns="0" rtlCol="0">
+          <a:bodyPr wrap="none" lIns="0" tIns="0" rIns="0" bIns="0" rtlCol="0">
             <a:noAutofit/>
           </a:bodyPr>
           <a:lstStyle/>
           <a:p>
-            <a:pPr marR="0" defTabSz="914400" eaLnBrk="1" fontAlgn="auto" latinLnBrk="0" hangingPunct="1">
+            <a:pPr marL="342900" marR="0" indent="-342900" defTabSz="914400" eaLnBrk="1" fontAlgn="auto" latinLnBrk="0" hangingPunct="1">
               <a:lnSpc>
                 <a:spcPts val="2300"/>
               </a:lnSpc>
@@ -14914,11 +15008,11 @@
               <a:buClrTx/>
               <a:buSzTx/>
               <a:buFontTx/>
-              <a:buNone/>
+              <a:buAutoNum type="arabicPeriod"/>
               <a:tabLst/>
             </a:pPr>
             <a:r>
-              <a:rPr kumimoji="0" lang="en-US" sz="1800" b="0" i="0" u="none" strike="noStrike" kern="0" cap="none" spc="0" normalizeH="0" baseline="0" noProof="0" dirty="0" smtClean="0">
+              <a:rPr kumimoji="0" lang="en-US" sz="1200" b="0" i="0" u="none" strike="noStrike" kern="0" cap="none" spc="0" normalizeH="0" baseline="0" noProof="0" dirty="0" smtClean="0">
                 <a:ln>
                   <a:noFill/>
                 </a:ln>
@@ -14929,57 +15023,138 @@
                 <a:uLnTx/>
                 <a:uFillTx/>
               </a:rPr>
-              <a:t>Sample Worksheet</a:t>
-            </a:r>
-          </a:p>
-        </p:txBody>
-      </p:sp>
-      <p:sp>
-        <p:nvSpPr>
-          <p:cNvPr id="9" name="Title 1"/>
-          <p:cNvSpPr>
-            <a:spLocks noGrp="1"/>
-          </p:cNvSpPr>
-          <p:nvPr>
-            <p:ph type="title"/>
-          </p:nvPr>
-        </p:nvSpPr>
-        <p:spPr>
-          <a:xfrm>
-            <a:off x="259200" y="648000"/>
-            <a:ext cx="10450800" cy="388800"/>
-          </a:xfrm>
-        </p:spPr>
-        <p:txBody>
-          <a:bodyPr/>
-          <a:lstStyle/>
-          <a:p>
-            <a:r>
-              <a:rPr lang="en-US" dirty="0" smtClean="0"/>
-              <a:t>Approach</a:t>
-            </a:r>
-            <a:endParaRPr lang="en-US" dirty="0"/>
+              <a:t>Handwritten Text Images</a:t>
+            </a:r>
+          </a:p>
+          <a:p>
+            <a:pPr marL="342900" marR="0" indent="-342900" defTabSz="914400" eaLnBrk="1" fontAlgn="auto" latinLnBrk="0" hangingPunct="1">
+              <a:lnSpc>
+                <a:spcPts val="2300"/>
+              </a:lnSpc>
+              <a:spcBef>
+                <a:spcPts val="500"/>
+              </a:spcBef>
+              <a:spcAft>
+                <a:spcPts val="0"/>
+              </a:spcAft>
+              <a:buClrTx/>
+              <a:buSzTx/>
+              <a:buFontTx/>
+              <a:buAutoNum type="arabicPeriod"/>
+              <a:tabLst/>
+            </a:pPr>
+            <a:r>
+              <a:rPr lang="en-US" sz="1200" kern="0" dirty="0" smtClean="0">
+                <a:solidFill>
+                  <a:srgbClr val="000000"/>
+                </a:solidFill>
+              </a:rPr>
+              <a:t>Variations:</a:t>
+            </a:r>
+            <a:r>
+              <a:rPr lang="en-US" sz="1200" kern="0" dirty="0">
+                <a:solidFill>
+                  <a:srgbClr val="000000"/>
+                </a:solidFill>
+              </a:rPr>
+              <a:t> </a:t>
+            </a:r>
+            <a:r>
+              <a:rPr kumimoji="0" lang="en-US" sz="1200" b="0" i="0" u="none" strike="noStrike" kern="0" cap="none" spc="0" normalizeH="0" baseline="0" noProof="0" dirty="0" smtClean="0">
+                <a:ln>
+                  <a:noFill/>
+                </a:ln>
+                <a:solidFill>
+                  <a:srgbClr val="000000"/>
+                </a:solidFill>
+                <a:effectLst/>
+                <a:uLnTx/>
+                <a:uFillTx/>
+              </a:rPr>
+              <a:t>Different Person</a:t>
+            </a:r>
+            <a:r>
+              <a:rPr kumimoji="0" lang="en-US" sz="1200" b="0" i="0" u="none" strike="noStrike" kern="0" cap="none" spc="0" normalizeH="0" noProof="0" dirty="0" smtClean="0">
+                <a:ln>
+                  <a:noFill/>
+                </a:ln>
+                <a:solidFill>
+                  <a:srgbClr val="000000"/>
+                </a:solidFill>
+                <a:effectLst/>
+                <a:uLnTx/>
+                <a:uFillTx/>
+              </a:rPr>
+              <a:t> , </a:t>
+            </a:r>
+            <a:r>
+              <a:rPr lang="en-US" sz="1200" kern="0" dirty="0" smtClean="0">
+                <a:solidFill>
+                  <a:srgbClr val="000000"/>
+                </a:solidFill>
+              </a:rPr>
+              <a:t>Different line width, </a:t>
+            </a:r>
+            <a:r>
+              <a:rPr kumimoji="0" lang="en-US" sz="1200" b="0" i="0" u="none" strike="noStrike" kern="0" cap="none" spc="0" normalizeH="0" baseline="0" noProof="0" dirty="0" smtClean="0">
+                <a:ln>
+                  <a:noFill/>
+                </a:ln>
+                <a:solidFill>
+                  <a:srgbClr val="000000"/>
+                </a:solidFill>
+                <a:effectLst/>
+                <a:uLnTx/>
+                <a:uFillTx/>
+              </a:rPr>
+              <a:t>Different</a:t>
+            </a:r>
+            <a:r>
+              <a:rPr kumimoji="0" lang="en-US" sz="1200" b="0" i="0" u="none" strike="noStrike" kern="0" cap="none" spc="0" normalizeH="0" noProof="0" dirty="0" smtClean="0">
+                <a:ln>
+                  <a:noFill/>
+                </a:ln>
+                <a:solidFill>
+                  <a:srgbClr val="000000"/>
+                </a:solidFill>
+                <a:effectLst/>
+                <a:uLnTx/>
+                <a:uFillTx/>
+              </a:rPr>
+              <a:t> character style in same page</a:t>
+            </a:r>
+            <a:r>
+              <a:rPr lang="en-US" sz="1200" kern="0" dirty="0" smtClean="0">
+                <a:solidFill>
+                  <a:srgbClr val="000000"/>
+                </a:solidFill>
+              </a:rPr>
+              <a:t>, Different pen nib width, Different Character spacing</a:t>
+            </a:r>
+            <a:endParaRPr kumimoji="0" lang="en-US" sz="1200" b="0" i="0" u="none" strike="noStrike" kern="0" cap="none" spc="0" normalizeH="0" baseline="0" noProof="0" dirty="0" smtClean="0">
+              <a:ln>
+                <a:noFill/>
+              </a:ln>
+              <a:solidFill>
+                <a:srgbClr val="000000"/>
+              </a:solidFill>
+              <a:effectLst/>
+              <a:uLnTx/>
+              <a:uFillTx/>
+            </a:endParaRPr>
           </a:p>
         </p:txBody>
       </p:sp>
     </p:spTree>
     <p:extLst>
       <p:ext uri="{BB962C8B-B14F-4D97-AF65-F5344CB8AC3E}">
-        <p14:creationId xmlns:p14="http://schemas.microsoft.com/office/powerpoint/2010/main" val="4004097676"/>
+        <p14:creationId xmlns:p14="http://schemas.microsoft.com/office/powerpoint/2010/main" val="2815006555"/>
       </p:ext>
     </p:extLst>
   </p:cSld>
   <p:clrMapOvr>
     <a:masterClrMapping/>
   </p:clrMapOvr>
-  <mc:AlternateContent xmlns:mc="http://schemas.openxmlformats.org/markup-compatibility/2006">
-    <mc:Choice xmlns:p14="http://schemas.microsoft.com/office/powerpoint/2010/main" Requires="p14">
-      <p:transition spd="slow" p14:dur="2000"/>
-    </mc:Choice>
-    <mc:Fallback>
-      <p:transition spd="slow"/>
-    </mc:Fallback>
-  </mc:AlternateContent>
   <p:timing>
     <p:tnLst>
       <p:par>
@@ -15024,6 +15199,299 @@
           <a:p>
             <a:r>
               <a:rPr lang="en-US" dirty="0" smtClean="0"/>
+              <a:t>Workspace Detection</a:t>
+            </a:r>
+            <a:br>
+              <a:rPr lang="en-US" dirty="0" smtClean="0"/>
+            </a:br>
+            <a:endParaRPr lang="en-US" dirty="0"/>
+          </a:p>
+        </p:txBody>
+      </p:sp>
+      <p:sp>
+        <p:nvSpPr>
+          <p:cNvPr id="4" name="Content Placeholder 3"/>
+          <p:cNvSpPr>
+            <a:spLocks noGrp="1"/>
+          </p:cNvSpPr>
+          <p:nvPr>
+            <p:ph sz="half" idx="1"/>
+          </p:nvPr>
+        </p:nvSpPr>
+        <p:spPr/>
+        <p:txBody>
+          <a:bodyPr/>
+          <a:lstStyle/>
+          <a:p>
+            <a:pPr marL="0" indent="0">
+              <a:buNone/>
+            </a:pPr>
+            <a:r>
+              <a:rPr lang="en-US" dirty="0" smtClean="0"/>
+              <a:t>OpenCV for finding closed object contours</a:t>
+            </a:r>
+          </a:p>
+          <a:p>
+            <a:pPr>
+              <a:buFont typeface="Wingdings" panose="05000000000000000000" pitchFamily="2" charset="2"/>
+              <a:buChar char="§"/>
+            </a:pPr>
+            <a:r>
+              <a:rPr lang="en-US" dirty="0" smtClean="0"/>
+              <a:t>Detect all the boxes </a:t>
+            </a:r>
+          </a:p>
+          <a:p>
+            <a:pPr>
+              <a:buFont typeface="Wingdings" panose="05000000000000000000" pitchFamily="2" charset="2"/>
+              <a:buChar char="§"/>
+            </a:pPr>
+            <a:r>
+              <a:rPr lang="en-US" dirty="0" smtClean="0"/>
+              <a:t>Sort them (Top-to-Bottom) </a:t>
+            </a:r>
+          </a:p>
+          <a:p>
+            <a:pPr>
+              <a:buFont typeface="Wingdings" panose="05000000000000000000" pitchFamily="2" charset="2"/>
+              <a:buChar char="§"/>
+            </a:pPr>
+            <a:r>
+              <a:rPr lang="en-US" dirty="0" smtClean="0"/>
+              <a:t>Choose the desired boxes based on the area</a:t>
+            </a:r>
+          </a:p>
+          <a:p>
+            <a:pPr marL="0" indent="0">
+              <a:buNone/>
+            </a:pPr>
+            <a:endParaRPr lang="en-US" dirty="0" smtClean="0"/>
+          </a:p>
+          <a:p>
+            <a:pPr marL="0" indent="0">
+              <a:buNone/>
+            </a:pPr>
+            <a:r>
+              <a:rPr lang="en-US" dirty="0" smtClean="0"/>
+              <a:t>Assumptions :</a:t>
+            </a:r>
+          </a:p>
+          <a:p>
+            <a:pPr>
+              <a:buFont typeface="Wingdings" panose="05000000000000000000" pitchFamily="2" charset="2"/>
+              <a:buChar char="§"/>
+            </a:pPr>
+            <a:r>
+              <a:rPr lang="en-US" dirty="0" smtClean="0"/>
+              <a:t>Valid Rectangular boxes present</a:t>
+            </a:r>
+          </a:p>
+          <a:p>
+            <a:pPr marL="0" indent="0">
+              <a:buNone/>
+            </a:pPr>
+            <a:endParaRPr lang="en-US" dirty="0"/>
+          </a:p>
+        </p:txBody>
+      </p:sp>
+      <p:pic>
+        <p:nvPicPr>
+          <p:cNvPr id="7" name="Content Placeholder 6"/>
+          <p:cNvPicPr>
+            <a:picLocks noGrp="1" noChangeAspect="1"/>
+          </p:cNvPicPr>
+          <p:nvPr>
+            <p:ph sz="half" idx="2"/>
+          </p:nvPr>
+        </p:nvPicPr>
+        <p:blipFill>
+          <a:blip r:embed="rId2">
+            <a:extLst>
+              <a:ext uri="{28A0092B-C50C-407E-A947-70E740481C1C}">
+                <a14:useLocalDpi xmlns:a14="http://schemas.microsoft.com/office/drawing/2010/main" val="0"/>
+              </a:ext>
+            </a:extLst>
+          </a:blip>
+          <a:stretch>
+            <a:fillRect/>
+          </a:stretch>
+        </p:blipFill>
+        <p:spPr>
+          <a:xfrm>
+            <a:off x="6967673" y="1296000"/>
+            <a:ext cx="2983404" cy="4168775"/>
+          </a:xfrm>
+        </p:spPr>
+      </p:pic>
+      <p:sp>
+        <p:nvSpPr>
+          <p:cNvPr id="6" name="Slide Number Placeholder 5"/>
+          <p:cNvSpPr>
+            <a:spLocks noGrp="1"/>
+          </p:cNvSpPr>
+          <p:nvPr>
+            <p:ph type="sldNum" sz="quarter" idx="12"/>
+          </p:nvPr>
+        </p:nvSpPr>
+        <p:spPr/>
+        <p:txBody>
+          <a:bodyPr/>
+          <a:lstStyle/>
+          <a:p>
+            <a:fld id="{4898AEC0-503E-4FA4-859C-D0F72D6E3F79}" type="slidenum">
+              <a:rPr lang="de-DE" smtClean="0"/>
+              <a:pPr/>
+              <a:t>5</a:t>
+            </a:fld>
+            <a:endParaRPr lang="de-DE"/>
+          </a:p>
+        </p:txBody>
+      </p:sp>
+      <p:sp>
+        <p:nvSpPr>
+          <p:cNvPr id="8" name="TextBox 7"/>
+          <p:cNvSpPr txBox="1"/>
+          <p:nvPr/>
+        </p:nvSpPr>
+        <p:spPr>
+          <a:xfrm>
+            <a:off x="7329177" y="820512"/>
+            <a:ext cx="2260396" cy="302976"/>
+          </a:xfrm>
+          <a:prstGeom prst="rect">
+            <a:avLst/>
+          </a:prstGeom>
+          <a:noFill/>
+        </p:spPr>
+        <p:txBody>
+          <a:bodyPr wrap="square" lIns="0" tIns="0" rIns="0" bIns="0" rtlCol="0">
+            <a:noAutofit/>
+          </a:bodyPr>
+          <a:lstStyle/>
+          <a:p>
+            <a:pPr marR="0" defTabSz="914400" eaLnBrk="1" fontAlgn="auto" latinLnBrk="0" hangingPunct="1">
+              <a:lnSpc>
+                <a:spcPts val="2300"/>
+              </a:lnSpc>
+              <a:spcBef>
+                <a:spcPts val="500"/>
+              </a:spcBef>
+              <a:spcAft>
+                <a:spcPts val="0"/>
+              </a:spcAft>
+              <a:buClrTx/>
+              <a:buSzTx/>
+              <a:buFontTx/>
+              <a:buNone/>
+              <a:tabLst/>
+            </a:pPr>
+            <a:r>
+              <a:rPr kumimoji="0" lang="en-US" sz="1800" b="0" i="0" u="none" strike="noStrike" kern="0" cap="none" spc="0" normalizeH="0" baseline="0" noProof="0" dirty="0" smtClean="0">
+                <a:ln>
+                  <a:noFill/>
+                </a:ln>
+                <a:solidFill>
+                  <a:srgbClr val="000000"/>
+                </a:solidFill>
+                <a:effectLst/>
+                <a:uLnTx/>
+                <a:uFillTx/>
+              </a:rPr>
+              <a:t>Sample Worksheet</a:t>
+            </a:r>
+          </a:p>
+        </p:txBody>
+      </p:sp>
+      <p:sp>
+        <p:nvSpPr>
+          <p:cNvPr id="9" name="Title 1"/>
+          <p:cNvSpPr>
+            <a:spLocks noGrp="1"/>
+          </p:cNvSpPr>
+          <p:nvPr>
+            <p:ph type="title"/>
+          </p:nvPr>
+        </p:nvSpPr>
+        <p:spPr>
+          <a:xfrm>
+            <a:off x="259200" y="648000"/>
+            <a:ext cx="10450800" cy="388800"/>
+          </a:xfrm>
+        </p:spPr>
+        <p:txBody>
+          <a:bodyPr/>
+          <a:lstStyle/>
+          <a:p>
+            <a:r>
+              <a:rPr lang="en-US" dirty="0" smtClean="0"/>
+              <a:t>Approach</a:t>
+            </a:r>
+            <a:endParaRPr lang="en-US" dirty="0"/>
+          </a:p>
+        </p:txBody>
+      </p:sp>
+    </p:spTree>
+    <p:extLst>
+      <p:ext uri="{BB962C8B-B14F-4D97-AF65-F5344CB8AC3E}">
+        <p14:creationId xmlns:p14="http://schemas.microsoft.com/office/powerpoint/2010/main" val="4004097676"/>
+      </p:ext>
+    </p:extLst>
+  </p:cSld>
+  <p:clrMapOvr>
+    <a:masterClrMapping/>
+  </p:clrMapOvr>
+  <mc:AlternateContent xmlns:mc="http://schemas.openxmlformats.org/markup-compatibility/2006" xmlns:p14="http://schemas.microsoft.com/office/powerpoint/2010/main">
+    <mc:Choice Requires="p14">
+      <p:transition spd="slow" p14:dur="2000"/>
+    </mc:Choice>
+    <mc:Fallback xmlns="">
+      <p:transition spd="slow"/>
+    </mc:Fallback>
+  </mc:AlternateContent>
+  <p:timing>
+    <p:tnLst>
+      <p:par>
+        <p:cTn id="1" dur="indefinite" restart="never" nodeType="tmRoot"/>
+      </p:par>
+    </p:tnLst>
+  </p:timing>
+</p:sld>
+</file>
+
+<file path=ppt/slides/slide6.xml><?xml version="1.0" encoding="utf-8"?>
+<p:sld xmlns:a="http://schemas.openxmlformats.org/drawingml/2006/main" xmlns:r="http://schemas.openxmlformats.org/officeDocument/2006/relationships" xmlns:p="http://schemas.openxmlformats.org/presentationml/2006/main" show="0">
+  <p:cSld>
+    <p:spTree>
+      <p:nvGrpSpPr>
+        <p:cNvPr id="1" name=""/>
+        <p:cNvGrpSpPr/>
+        <p:nvPr/>
+      </p:nvGrpSpPr>
+      <p:grpSpPr>
+        <a:xfrm>
+          <a:off x="0" y="0"/>
+          <a:ext cx="0" cy="0"/>
+          <a:chOff x="0" y="0"/>
+          <a:chExt cx="0" cy="0"/>
+        </a:xfrm>
+      </p:grpSpPr>
+      <p:sp>
+        <p:nvSpPr>
+          <p:cNvPr id="2" name="Text Placeholder 1"/>
+          <p:cNvSpPr>
+            <a:spLocks noGrp="1"/>
+          </p:cNvSpPr>
+          <p:nvPr>
+            <p:ph type="body" sz="quarter" idx="15"/>
+          </p:nvPr>
+        </p:nvSpPr>
+        <p:spPr/>
+        <p:txBody>
+          <a:bodyPr/>
+          <a:lstStyle/>
+          <a:p>
+            <a:r>
+              <a:rPr lang="en-US" dirty="0" smtClean="0"/>
               <a:t>Worksheet Detection</a:t>
             </a:r>
             <a:endParaRPr lang="en-US" dirty="0"/>
@@ -15048,7 +15516,7 @@
             <a:fld id="{4898AEC0-503E-4FA4-859C-D0F72D6E3F79}" type="slidenum">
               <a:rPr lang="de-DE" smtClean="0"/>
               <a:pPr/>
-              <a:t>5</a:t>
+              <a:t>6</a:t>
             </a:fld>
             <a:endParaRPr lang="de-DE"/>
           </a:p>
@@ -15675,11 +16143,11 @@
   <p:clrMapOvr>
     <a:masterClrMapping/>
   </p:clrMapOvr>
-  <mc:AlternateContent xmlns:mc="http://schemas.openxmlformats.org/markup-compatibility/2006">
-    <mc:Choice xmlns:p14="http://schemas.microsoft.com/office/powerpoint/2010/main" Requires="p14">
+  <mc:AlternateContent xmlns:mc="http://schemas.openxmlformats.org/markup-compatibility/2006" xmlns:p14="http://schemas.microsoft.com/office/powerpoint/2010/main">
+    <mc:Choice Requires="p14">
       <p:transition spd="slow" p14:dur="2000"/>
     </mc:Choice>
-    <mc:Fallback>
+    <mc:Fallback xmlns="">
       <p:transition spd="slow"/>
     </mc:Fallback>
   </mc:AlternateContent>
@@ -15693,7 +16161,7 @@
 </p:sld>
 </file>
 
-<file path=ppt/slides/slide6.xml><?xml version="1.0" encoding="utf-8"?>
+<file path=ppt/slides/slide7.xml><?xml version="1.0" encoding="utf-8"?>
 <p:sld xmlns:a="http://schemas.openxmlformats.org/drawingml/2006/main" xmlns:r="http://schemas.openxmlformats.org/officeDocument/2006/relationships" xmlns:p="http://schemas.openxmlformats.org/presentationml/2006/main" show="0">
   <p:cSld>
     <p:spTree>
@@ -15774,7 +16242,7 @@
             <a:fld id="{4898AEC0-503E-4FA4-859C-D0F72D6E3F79}" type="slidenum">
               <a:rPr lang="de-DE" smtClean="0"/>
               <a:pPr/>
-              <a:t>6</a:t>
+              <a:t>7</a:t>
             </a:fld>
             <a:endParaRPr lang="de-DE"/>
           </a:p>
@@ -16148,11 +16616,11 @@
   <p:clrMapOvr>
     <a:masterClrMapping/>
   </p:clrMapOvr>
-  <mc:AlternateContent xmlns:mc="http://schemas.openxmlformats.org/markup-compatibility/2006">
-    <mc:Choice xmlns:p14="http://schemas.microsoft.com/office/powerpoint/2010/main" Requires="p14">
+  <mc:AlternateContent xmlns:mc="http://schemas.openxmlformats.org/markup-compatibility/2006" xmlns:p14="http://schemas.microsoft.com/office/powerpoint/2010/main">
+    <mc:Choice Requires="p14">
       <p:transition spd="slow" p14:dur="2000"/>
     </mc:Choice>
-    <mc:Fallback>
+    <mc:Fallback xmlns="">
       <p:transition spd="slow"/>
     </mc:Fallback>
   </mc:AlternateContent>
@@ -16166,7 +16634,7 @@
 </p:sld>
 </file>
 
-<file path=ppt/slides/slide7.xml><?xml version="1.0" encoding="utf-8"?>
+<file path=ppt/slides/slide8.xml><?xml version="1.0" encoding="utf-8"?>
 <p:sld xmlns:a="http://schemas.openxmlformats.org/drawingml/2006/main" xmlns:r="http://schemas.openxmlformats.org/officeDocument/2006/relationships" xmlns:p="http://schemas.openxmlformats.org/presentationml/2006/main" show="0">
   <p:cSld>
     <p:spTree>
@@ -16348,7 +16816,7 @@
             <a:fld id="{4898AEC0-503E-4FA4-859C-D0F72D6E3F79}" type="slidenum">
               <a:rPr lang="de-DE" smtClean="0"/>
               <a:pPr/>
-              <a:t>7</a:t>
+              <a:t>8</a:t>
             </a:fld>
             <a:endParaRPr lang="de-DE"/>
           </a:p>
@@ -16744,11 +17212,11 @@
   <p:clrMapOvr>
     <a:masterClrMapping/>
   </p:clrMapOvr>
-  <mc:AlternateContent xmlns:mc="http://schemas.openxmlformats.org/markup-compatibility/2006">
-    <mc:Choice xmlns:p14="http://schemas.microsoft.com/office/powerpoint/2010/main" Requires="p14">
+  <mc:AlternateContent xmlns:mc="http://schemas.openxmlformats.org/markup-compatibility/2006" xmlns:p14="http://schemas.microsoft.com/office/powerpoint/2010/main">
+    <mc:Choice Requires="p14">
       <p:transition spd="slow" p14:dur="2000"/>
     </mc:Choice>
-    <mc:Fallback>
+    <mc:Fallback xmlns="">
       <p:transition spd="slow"/>
     </mc:Fallback>
   </mc:AlternateContent>
@@ -16762,7 +17230,7 @@
 </p:sld>
 </file>
 
-<file path=ppt/slides/slide8.xml><?xml version="1.0" encoding="utf-8"?>
+<file path=ppt/slides/slide9.xml><?xml version="1.0" encoding="utf-8"?>
 <p:sld xmlns:a="http://schemas.openxmlformats.org/drawingml/2006/main" xmlns:r="http://schemas.openxmlformats.org/officeDocument/2006/relationships" xmlns:p="http://schemas.openxmlformats.org/presentationml/2006/main" show="0">
   <p:cSld>
     <p:spTree>
@@ -16842,7 +17310,7 @@
             <a:fld id="{4898AEC0-503E-4FA4-859C-D0F72D6E3F79}" type="slidenum">
               <a:rPr lang="de-DE" smtClean="0"/>
               <a:pPr/>
-              <a:t>8</a:t>
+              <a:t>9</a:t>
             </a:fld>
             <a:endParaRPr lang="de-DE"/>
           </a:p>
@@ -17293,201 +17761,11 @@
   <p:clrMapOvr>
     <a:masterClrMapping/>
   </p:clrMapOvr>
-  <mc:AlternateContent xmlns:mc="http://schemas.openxmlformats.org/markup-compatibility/2006">
-    <mc:Choice xmlns:p14="http://schemas.microsoft.com/office/powerpoint/2010/main" Requires="p14">
+  <mc:AlternateContent xmlns:mc="http://schemas.openxmlformats.org/markup-compatibility/2006" xmlns:p14="http://schemas.microsoft.com/office/powerpoint/2010/main">
+    <mc:Choice Requires="p14">
       <p:transition spd="slow" p14:dur="2000"/>
     </mc:Choice>
-    <mc:Fallback>
-      <p:transition spd="slow"/>
-    </mc:Fallback>
-  </mc:AlternateContent>
-  <p:timing>
-    <p:tnLst>
-      <p:par>
-        <p:cTn id="1" dur="indefinite" restart="never" nodeType="tmRoot"/>
-      </p:par>
-    </p:tnLst>
-  </p:timing>
-</p:sld>
-</file>
-
-<file path=ppt/slides/slide9.xml><?xml version="1.0" encoding="utf-8"?>
-<p:sld xmlns:a="http://schemas.openxmlformats.org/drawingml/2006/main" xmlns:r="http://schemas.openxmlformats.org/officeDocument/2006/relationships" xmlns:p="http://schemas.openxmlformats.org/presentationml/2006/main" show="0">
-  <p:cSld>
-    <p:spTree>
-      <p:nvGrpSpPr>
-        <p:cNvPr id="1" name=""/>
-        <p:cNvGrpSpPr/>
-        <p:nvPr/>
-      </p:nvGrpSpPr>
-      <p:grpSpPr>
-        <a:xfrm>
-          <a:off x="0" y="0"/>
-          <a:ext cx="0" cy="0"/>
-          <a:chOff x="0" y="0"/>
-          <a:chExt cx="0" cy="0"/>
-        </a:xfrm>
-      </p:grpSpPr>
-      <p:sp>
-        <p:nvSpPr>
-          <p:cNvPr id="2" name="Text Placeholder 1"/>
-          <p:cNvSpPr>
-            <a:spLocks noGrp="1"/>
-          </p:cNvSpPr>
-          <p:nvPr>
-            <p:ph type="body" sz="quarter" idx="15"/>
-          </p:nvPr>
-        </p:nvSpPr>
-        <p:spPr/>
-        <p:txBody>
-          <a:bodyPr/>
-          <a:lstStyle/>
-          <a:p>
-            <a:r>
-              <a:rPr lang="en-US" smtClean="0"/>
-              <a:t>Character Segmentation</a:t>
-            </a:r>
-            <a:endParaRPr lang="en-US"/>
-          </a:p>
-        </p:txBody>
-      </p:sp>
-      <p:sp>
-        <p:nvSpPr>
-          <p:cNvPr id="3" name="Title 2"/>
-          <p:cNvSpPr>
-            <a:spLocks noGrp="1"/>
-          </p:cNvSpPr>
-          <p:nvPr>
-            <p:ph type="title"/>
-          </p:nvPr>
-        </p:nvSpPr>
-        <p:spPr/>
-        <p:txBody>
-          <a:bodyPr/>
-          <a:lstStyle/>
-          <a:p>
-            <a:r>
-              <a:rPr lang="en-US" dirty="0" smtClean="0"/>
-              <a:t>Exponents Detection</a:t>
-            </a:r>
-            <a:endParaRPr lang="en-US" dirty="0"/>
-          </a:p>
-        </p:txBody>
-      </p:sp>
-      <p:sp>
-        <p:nvSpPr>
-          <p:cNvPr id="4" name="Content Placeholder 3"/>
-          <p:cNvSpPr>
-            <a:spLocks noGrp="1"/>
-          </p:cNvSpPr>
-          <p:nvPr>
-            <p:ph sz="half" idx="1"/>
-          </p:nvPr>
-        </p:nvSpPr>
-        <p:spPr>
-          <a:xfrm>
-            <a:off x="259199" y="1296000"/>
-            <a:ext cx="5377219" cy="4168800"/>
-          </a:xfrm>
-        </p:spPr>
-        <p:txBody>
-          <a:bodyPr/>
-          <a:lstStyle/>
-          <a:p>
-            <a:r>
-              <a:rPr lang="en-US" dirty="0" smtClean="0"/>
-              <a:t>Green line divides the image in the ratio of 0.5</a:t>
-            </a:r>
-          </a:p>
-          <a:p>
-            <a:r>
-              <a:rPr lang="en-US" dirty="0" smtClean="0"/>
-              <a:t>Any </a:t>
-            </a:r>
-            <a:r>
-              <a:rPr lang="en-US" dirty="0"/>
-              <a:t>character lying above baseline and starting above previous </a:t>
-            </a:r>
-            <a:r>
-              <a:rPr lang="en-US" dirty="0" smtClean="0"/>
-              <a:t>character is taken as exponential</a:t>
-            </a:r>
-            <a:endParaRPr lang="en-US" dirty="0"/>
-          </a:p>
-          <a:p>
-            <a:endParaRPr lang="en-US" dirty="0" smtClean="0"/>
-          </a:p>
-          <a:p>
-            <a:pPr marL="0" indent="0">
-              <a:buNone/>
-            </a:pPr>
-            <a:endParaRPr lang="en-US" dirty="0"/>
-          </a:p>
-        </p:txBody>
-      </p:sp>
-      <p:sp>
-        <p:nvSpPr>
-          <p:cNvPr id="6" name="Slide Number Placeholder 5"/>
-          <p:cNvSpPr>
-            <a:spLocks noGrp="1"/>
-          </p:cNvSpPr>
-          <p:nvPr>
-            <p:ph type="sldNum" sz="quarter" idx="12"/>
-          </p:nvPr>
-        </p:nvSpPr>
-        <p:spPr/>
-        <p:txBody>
-          <a:bodyPr/>
-          <a:lstStyle/>
-          <a:p>
-            <a:fld id="{4898AEC0-503E-4FA4-859C-D0F72D6E3F79}" type="slidenum">
-              <a:rPr lang="de-DE" smtClean="0"/>
-              <a:pPr/>
-              <a:t>9</a:t>
-            </a:fld>
-            <a:endParaRPr lang="de-DE"/>
-          </a:p>
-        </p:txBody>
-      </p:sp>
-      <p:pic>
-        <p:nvPicPr>
-          <p:cNvPr id="9" name="Picture 8"/>
-          <p:cNvPicPr>
-            <a:picLocks noChangeAspect="1"/>
-          </p:cNvPicPr>
-          <p:nvPr/>
-        </p:nvPicPr>
-        <p:blipFill>
-          <a:blip r:embed="rId2"/>
-          <a:stretch>
-            <a:fillRect/>
-          </a:stretch>
-        </p:blipFill>
-        <p:spPr>
-          <a:xfrm>
-            <a:off x="266700" y="2645534"/>
-            <a:ext cx="5369718" cy="1657143"/>
-          </a:xfrm>
-          <a:prstGeom prst="rect">
-            <a:avLst/>
-          </a:prstGeom>
-        </p:spPr>
-      </p:pic>
-    </p:spTree>
-    <p:extLst>
-      <p:ext uri="{BB962C8B-B14F-4D97-AF65-F5344CB8AC3E}">
-        <p14:creationId xmlns:p14="http://schemas.microsoft.com/office/powerpoint/2010/main" val="3818632879"/>
-      </p:ext>
-    </p:extLst>
-  </p:cSld>
-  <p:clrMapOvr>
-    <a:masterClrMapping/>
-  </p:clrMapOvr>
-  <mc:AlternateContent xmlns:mc="http://schemas.openxmlformats.org/markup-compatibility/2006">
-    <mc:Choice xmlns:p14="http://schemas.microsoft.com/office/powerpoint/2010/main" Requires="p14">
-      <p:transition spd="slow" p14:dur="2000"/>
-    </mc:Choice>
-    <mc:Fallback>
+    <mc:Fallback xmlns="">
       <p:transition spd="slow"/>
     </mc:Fallback>
   </mc:AlternateContent>

--- a/intel_ocr/docs/intel_review_5thNov_V2.0.pptx
+++ b/intel_ocr/docs/intel_review_5thNov_V2.0.pptx
@@ -6,7 +6,7 @@
     <p:sldMasterId id="2147483748" r:id="rId4"/>
   </p:sldMasterIdLst>
   <p:notesMasterIdLst>
-    <p:notesMasterId r:id="rId23"/>
+    <p:notesMasterId r:id="rId24"/>
   </p:notesMasterIdLst>
   <p:sldIdLst>
     <p:sldId id="256" r:id="rId5"/>
@@ -26,12 +26,13 @@
     <p:sldId id="276" r:id="rId19"/>
     <p:sldId id="277" r:id="rId20"/>
     <p:sldId id="268" r:id="rId21"/>
-    <p:sldId id="267" r:id="rId22"/>
+    <p:sldId id="279" r:id="rId22"/>
+    <p:sldId id="267" r:id="rId23"/>
   </p:sldIdLst>
   <p:sldSz cx="10969625" cy="6170613"/>
   <p:notesSz cx="6858000" cy="9144000"/>
   <p:custDataLst>
-    <p:tags r:id="rId24"/>
+    <p:tags r:id="rId25"/>
   </p:custDataLst>
   <p:defaultTextStyle>
     <a:defPPr>
@@ -248,7 +249,7 @@
           <a:p>
             <a:fld id="{6007911F-CEAF-4F0B-98BD-EFB38C6572AA}" type="datetimeFigureOut">
               <a:rPr lang="de-DE" smtClean="0"/>
-              <a:t>05.11.2019</a:t>
+              <a:t>21.11.2019</a:t>
             </a:fld>
             <a:endParaRPr lang="de-DE"/>
           </a:p>
@@ -10671,15 +10672,7 @@
             </a:pPr>
             <a:r>
               <a:rPr lang="en-US" b="1" dirty="0" smtClean="0"/>
-              <a:t>Classification &gt; </a:t>
-            </a:r>
-            <a:r>
-              <a:rPr lang="en-US" b="1" dirty="0" smtClean="0"/>
-              <a:t>97% </a:t>
-            </a:r>
-            <a:r>
-              <a:rPr lang="en-US" b="1" dirty="0" smtClean="0"/>
-              <a:t>accuracy</a:t>
+              <a:t>Classification &gt; 97% accuracy</a:t>
             </a:r>
           </a:p>
           <a:p>
@@ -13925,6 +13918,1005 @@
       </p:grpSpPr>
       <p:sp>
         <p:nvSpPr>
+          <p:cNvPr id="2" name="Text Placeholder 1"/>
+          <p:cNvSpPr>
+            <a:spLocks noGrp="1"/>
+          </p:cNvSpPr>
+          <p:nvPr>
+            <p:ph type="body" sz="quarter" idx="15"/>
+          </p:nvPr>
+        </p:nvSpPr>
+        <p:spPr/>
+        <p:txBody>
+          <a:bodyPr/>
+          <a:lstStyle/>
+          <a:p>
+            <a:r>
+              <a:rPr lang="en-US" smtClean="0"/>
+              <a:t>GUI</a:t>
+            </a:r>
+            <a:endParaRPr lang="en-US"/>
+          </a:p>
+        </p:txBody>
+      </p:sp>
+      <p:sp>
+        <p:nvSpPr>
+          <p:cNvPr id="6" name="Slide Number Placeholder 5"/>
+          <p:cNvSpPr>
+            <a:spLocks noGrp="1"/>
+          </p:cNvSpPr>
+          <p:nvPr>
+            <p:ph type="sldNum" sz="quarter" idx="12"/>
+          </p:nvPr>
+        </p:nvSpPr>
+        <p:spPr/>
+        <p:txBody>
+          <a:bodyPr/>
+          <a:lstStyle/>
+          <a:p>
+            <a:fld id="{4898AEC0-503E-4FA4-859C-D0F72D6E3F79}" type="slidenum">
+              <a:rPr lang="de-DE" smtClean="0"/>
+              <a:pPr/>
+              <a:t>18</a:t>
+            </a:fld>
+            <a:endParaRPr lang="de-DE"/>
+          </a:p>
+        </p:txBody>
+      </p:sp>
+      <p:sp>
+        <p:nvSpPr>
+          <p:cNvPr id="7" name="Rectangle 6"/>
+          <p:cNvSpPr/>
+          <p:nvPr/>
+        </p:nvSpPr>
+        <p:spPr>
+          <a:xfrm>
+            <a:off x="266700" y="772510"/>
+            <a:ext cx="10443300" cy="4658711"/>
+          </a:xfrm>
+          <a:prstGeom prst="rect">
+            <a:avLst/>
+          </a:prstGeom>
+          <a:noFill/>
+          <a:ln w="9525" cap="flat" cmpd="sng" algn="ctr">
+            <a:solidFill>
+              <a:srgbClr val="3F136C"/>
+            </a:solidFill>
+            <a:prstDash val="solid"/>
+          </a:ln>
+          <a:effectLst/>
+        </p:spPr>
+        <p:txBody>
+          <a:bodyPr rtlCol="0" anchor="ctr"/>
+          <a:lstStyle/>
+          <a:p>
+            <a:pPr marL="0" marR="0" indent="0" algn="ctr" defTabSz="914400" eaLnBrk="1" fontAlgn="auto" latinLnBrk="0" hangingPunct="1">
+              <a:lnSpc>
+                <a:spcPct val="100000"/>
+              </a:lnSpc>
+              <a:spcBef>
+                <a:spcPts val="0"/>
+              </a:spcBef>
+              <a:spcAft>
+                <a:spcPts val="0"/>
+              </a:spcAft>
+              <a:buClrTx/>
+              <a:buSzTx/>
+              <a:buFontTx/>
+              <a:buNone/>
+              <a:tabLst/>
+            </a:pPr>
+            <a:endParaRPr kumimoji="0" lang="en-US" sz="1800" b="0" i="0" u="none" strike="noStrike" kern="0" cap="none" spc="0" normalizeH="0" baseline="0" noProof="0" dirty="0" smtClean="0">
+              <a:ln>
+                <a:noFill/>
+              </a:ln>
+              <a:solidFill>
+                <a:srgbClr val="000000"/>
+              </a:solidFill>
+              <a:effectLst/>
+              <a:uLnTx/>
+              <a:uFillTx/>
+              <a:latin typeface="Bosch Office Sans"/>
+              <a:ea typeface="+mn-ea"/>
+              <a:cs typeface="+mn-cs"/>
+            </a:endParaRPr>
+          </a:p>
+        </p:txBody>
+      </p:sp>
+      <p:sp>
+        <p:nvSpPr>
+          <p:cNvPr id="8" name="Rectangle 7"/>
+          <p:cNvSpPr/>
+          <p:nvPr/>
+        </p:nvSpPr>
+        <p:spPr>
+          <a:xfrm>
+            <a:off x="410845" y="1008993"/>
+            <a:ext cx="2166817" cy="441435"/>
+          </a:xfrm>
+          <a:prstGeom prst="rect">
+            <a:avLst/>
+          </a:prstGeom>
+          <a:noFill/>
+          <a:ln w="9525" cap="flat" cmpd="sng" algn="ctr">
+            <a:solidFill>
+              <a:srgbClr val="3F136C"/>
+            </a:solidFill>
+            <a:prstDash val="solid"/>
+          </a:ln>
+          <a:effectLst/>
+        </p:spPr>
+        <p:txBody>
+          <a:bodyPr rtlCol="0" anchor="ctr"/>
+          <a:lstStyle/>
+          <a:p>
+            <a:pPr marL="0" marR="0" indent="0" algn="ctr" defTabSz="914400" eaLnBrk="1" fontAlgn="auto" latinLnBrk="0" hangingPunct="1">
+              <a:lnSpc>
+                <a:spcPct val="100000"/>
+              </a:lnSpc>
+              <a:spcBef>
+                <a:spcPts val="0"/>
+              </a:spcBef>
+              <a:spcAft>
+                <a:spcPts val="0"/>
+              </a:spcAft>
+              <a:buClrTx/>
+              <a:buSzTx/>
+              <a:buFontTx/>
+              <a:buNone/>
+              <a:tabLst/>
+            </a:pPr>
+            <a:r>
+              <a:rPr kumimoji="0" lang="en-US" sz="1800" b="0" i="0" u="none" strike="noStrike" kern="0" cap="none" spc="0" normalizeH="0" baseline="0" noProof="0" dirty="0" smtClean="0">
+                <a:ln>
+                  <a:noFill/>
+                </a:ln>
+                <a:solidFill>
+                  <a:srgbClr val="000000"/>
+                </a:solidFill>
+                <a:effectLst/>
+                <a:uLnTx/>
+                <a:uFillTx/>
+                <a:latin typeface="Bosch Office Sans"/>
+                <a:ea typeface="+mn-ea"/>
+                <a:cs typeface="+mn-cs"/>
+              </a:rPr>
+              <a:t>Equation</a:t>
+            </a:r>
+            <a:r>
+              <a:rPr kumimoji="0" lang="en-US" sz="1800" b="0" i="0" u="none" strike="noStrike" kern="0" cap="none" spc="0" normalizeH="0" noProof="0" dirty="0" smtClean="0">
+                <a:ln>
+                  <a:noFill/>
+                </a:ln>
+                <a:solidFill>
+                  <a:srgbClr val="000000"/>
+                </a:solidFill>
+                <a:effectLst/>
+                <a:uLnTx/>
+                <a:uFillTx/>
+                <a:latin typeface="Bosch Office Sans"/>
+                <a:ea typeface="+mn-ea"/>
+                <a:cs typeface="+mn-cs"/>
+              </a:rPr>
+              <a:t> 1&lt;Static&gt;</a:t>
+            </a:r>
+            <a:endParaRPr kumimoji="0" lang="en-US" sz="1800" b="0" i="0" u="none" strike="noStrike" kern="0" cap="none" spc="0" normalizeH="0" baseline="0" noProof="0" dirty="0" smtClean="0">
+              <a:ln>
+                <a:noFill/>
+              </a:ln>
+              <a:solidFill>
+                <a:srgbClr val="000000"/>
+              </a:solidFill>
+              <a:effectLst/>
+              <a:uLnTx/>
+              <a:uFillTx/>
+              <a:latin typeface="Bosch Office Sans"/>
+              <a:ea typeface="+mn-ea"/>
+              <a:cs typeface="+mn-cs"/>
+            </a:endParaRPr>
+          </a:p>
+        </p:txBody>
+      </p:sp>
+      <p:sp>
+        <p:nvSpPr>
+          <p:cNvPr id="9" name="Rectangle 8"/>
+          <p:cNvSpPr/>
+          <p:nvPr/>
+        </p:nvSpPr>
+        <p:spPr>
+          <a:xfrm>
+            <a:off x="410845" y="1702677"/>
+            <a:ext cx="2166817" cy="441435"/>
+          </a:xfrm>
+          <a:prstGeom prst="rect">
+            <a:avLst/>
+          </a:prstGeom>
+          <a:noFill/>
+          <a:ln w="9525" cap="flat" cmpd="sng" algn="ctr">
+            <a:solidFill>
+              <a:srgbClr val="3F136C"/>
+            </a:solidFill>
+            <a:prstDash val="solid"/>
+          </a:ln>
+          <a:effectLst/>
+        </p:spPr>
+        <p:txBody>
+          <a:bodyPr rtlCol="0" anchor="ctr"/>
+          <a:lstStyle/>
+          <a:p>
+            <a:pPr marL="0" marR="0" indent="0" algn="ctr" defTabSz="914400" eaLnBrk="1" fontAlgn="auto" latinLnBrk="0" hangingPunct="1">
+              <a:lnSpc>
+                <a:spcPct val="100000"/>
+              </a:lnSpc>
+              <a:spcBef>
+                <a:spcPts val="0"/>
+              </a:spcBef>
+              <a:spcAft>
+                <a:spcPts val="0"/>
+              </a:spcAft>
+              <a:buClrTx/>
+              <a:buSzTx/>
+              <a:buFontTx/>
+              <a:buNone/>
+              <a:tabLst/>
+            </a:pPr>
+            <a:r>
+              <a:rPr lang="en-US" kern="0" dirty="0">
+                <a:solidFill>
+                  <a:srgbClr val="000000"/>
+                </a:solidFill>
+                <a:latin typeface="Bosch Office Sans"/>
+              </a:rPr>
+              <a:t>Equation </a:t>
+            </a:r>
+            <a:r>
+              <a:rPr lang="en-US" kern="0" dirty="0" smtClean="0">
+                <a:solidFill>
+                  <a:srgbClr val="000000"/>
+                </a:solidFill>
+                <a:latin typeface="Bosch Office Sans"/>
+              </a:rPr>
+              <a:t>2&lt;Static</a:t>
+            </a:r>
+            <a:r>
+              <a:rPr lang="en-US" kern="0" dirty="0">
+                <a:solidFill>
+                  <a:srgbClr val="000000"/>
+                </a:solidFill>
+                <a:latin typeface="Bosch Office Sans"/>
+              </a:rPr>
+              <a:t>&gt;</a:t>
+            </a:r>
+          </a:p>
+        </p:txBody>
+      </p:sp>
+      <p:sp>
+        <p:nvSpPr>
+          <p:cNvPr id="10" name="Rectangle 9"/>
+          <p:cNvSpPr/>
+          <p:nvPr/>
+        </p:nvSpPr>
+        <p:spPr>
+          <a:xfrm>
+            <a:off x="410845" y="2442009"/>
+            <a:ext cx="2166817" cy="441435"/>
+          </a:xfrm>
+          <a:prstGeom prst="rect">
+            <a:avLst/>
+          </a:prstGeom>
+          <a:noFill/>
+          <a:ln w="9525" cap="flat" cmpd="sng" algn="ctr">
+            <a:solidFill>
+              <a:srgbClr val="3F136C"/>
+            </a:solidFill>
+            <a:prstDash val="solid"/>
+          </a:ln>
+          <a:effectLst/>
+        </p:spPr>
+        <p:txBody>
+          <a:bodyPr rtlCol="0" anchor="ctr"/>
+          <a:lstStyle/>
+          <a:p>
+            <a:pPr marL="0" marR="0" indent="0" algn="ctr" defTabSz="914400" eaLnBrk="1" fontAlgn="auto" latinLnBrk="0" hangingPunct="1">
+              <a:lnSpc>
+                <a:spcPct val="100000"/>
+              </a:lnSpc>
+              <a:spcBef>
+                <a:spcPts val="0"/>
+              </a:spcBef>
+              <a:spcAft>
+                <a:spcPts val="0"/>
+              </a:spcAft>
+              <a:buClrTx/>
+              <a:buSzTx/>
+              <a:buFontTx/>
+              <a:buNone/>
+              <a:tabLst/>
+            </a:pPr>
+            <a:r>
+              <a:rPr lang="en-US" kern="0" dirty="0">
+                <a:solidFill>
+                  <a:srgbClr val="000000"/>
+                </a:solidFill>
+                <a:latin typeface="Bosch Office Sans"/>
+              </a:rPr>
+              <a:t>Equation </a:t>
+            </a:r>
+            <a:r>
+              <a:rPr lang="en-US" kern="0" dirty="0" smtClean="0">
+                <a:solidFill>
+                  <a:srgbClr val="000000"/>
+                </a:solidFill>
+                <a:latin typeface="Bosch Office Sans"/>
+              </a:rPr>
+              <a:t>3&lt;Static</a:t>
+            </a:r>
+            <a:r>
+              <a:rPr lang="en-US" kern="0" dirty="0">
+                <a:solidFill>
+                  <a:srgbClr val="000000"/>
+                </a:solidFill>
+                <a:latin typeface="Bosch Office Sans"/>
+              </a:rPr>
+              <a:t>&gt;</a:t>
+            </a:r>
+          </a:p>
+        </p:txBody>
+      </p:sp>
+      <p:sp>
+        <p:nvSpPr>
+          <p:cNvPr id="11" name="Rectangle 10"/>
+          <p:cNvSpPr/>
+          <p:nvPr/>
+        </p:nvSpPr>
+        <p:spPr>
+          <a:xfrm>
+            <a:off x="2956032" y="1008993"/>
+            <a:ext cx="3318641" cy="4300220"/>
+          </a:xfrm>
+          <a:prstGeom prst="rect">
+            <a:avLst/>
+          </a:prstGeom>
+          <a:noFill/>
+          <a:ln w="9525" cap="flat" cmpd="sng" algn="ctr">
+            <a:solidFill>
+              <a:srgbClr val="3F136C"/>
+            </a:solidFill>
+            <a:prstDash val="solid"/>
+          </a:ln>
+          <a:effectLst/>
+        </p:spPr>
+        <p:txBody>
+          <a:bodyPr rtlCol="0" anchor="ctr"/>
+          <a:lstStyle/>
+          <a:p>
+            <a:pPr marL="0" marR="0" indent="0" algn="ctr" defTabSz="914400" eaLnBrk="1" fontAlgn="auto" latinLnBrk="0" hangingPunct="1">
+              <a:lnSpc>
+                <a:spcPct val="100000"/>
+              </a:lnSpc>
+              <a:spcBef>
+                <a:spcPts val="0"/>
+              </a:spcBef>
+              <a:spcAft>
+                <a:spcPts val="0"/>
+              </a:spcAft>
+              <a:buClrTx/>
+              <a:buSzTx/>
+              <a:buFontTx/>
+              <a:buNone/>
+              <a:tabLst/>
+            </a:pPr>
+            <a:endParaRPr kumimoji="0" lang="en-US" sz="1800" b="0" i="0" u="none" strike="noStrike" kern="0" cap="none" spc="0" normalizeH="0" baseline="0" noProof="0" dirty="0" smtClean="0">
+              <a:ln>
+                <a:noFill/>
+              </a:ln>
+              <a:solidFill>
+                <a:srgbClr val="000000"/>
+              </a:solidFill>
+              <a:effectLst/>
+              <a:uLnTx/>
+              <a:uFillTx/>
+              <a:latin typeface="Bosch Office Sans"/>
+              <a:ea typeface="+mn-ea"/>
+              <a:cs typeface="+mn-cs"/>
+            </a:endParaRPr>
+          </a:p>
+        </p:txBody>
+      </p:sp>
+      <p:sp>
+        <p:nvSpPr>
+          <p:cNvPr id="12" name="Rectangle 11"/>
+          <p:cNvSpPr/>
+          <p:nvPr/>
+        </p:nvSpPr>
+        <p:spPr>
+          <a:xfrm>
+            <a:off x="6395544" y="1008993"/>
+            <a:ext cx="3318641" cy="1381541"/>
+          </a:xfrm>
+          <a:prstGeom prst="rect">
+            <a:avLst/>
+          </a:prstGeom>
+          <a:noFill/>
+          <a:ln w="9525" cap="flat" cmpd="sng" algn="ctr">
+            <a:solidFill>
+              <a:srgbClr val="3F136C"/>
+            </a:solidFill>
+            <a:prstDash val="solid"/>
+          </a:ln>
+          <a:effectLst/>
+        </p:spPr>
+        <p:txBody>
+          <a:bodyPr rtlCol="0" anchor="ctr"/>
+          <a:lstStyle/>
+          <a:p>
+            <a:pPr marL="0" marR="0" indent="0" algn="ctr" defTabSz="914400" eaLnBrk="1" fontAlgn="auto" latinLnBrk="0" hangingPunct="1">
+              <a:lnSpc>
+                <a:spcPct val="100000"/>
+              </a:lnSpc>
+              <a:spcBef>
+                <a:spcPts val="0"/>
+              </a:spcBef>
+              <a:spcAft>
+                <a:spcPts val="0"/>
+              </a:spcAft>
+              <a:buClrTx/>
+              <a:buSzTx/>
+              <a:buFontTx/>
+              <a:buNone/>
+              <a:tabLst/>
+            </a:pPr>
+            <a:r>
+              <a:rPr lang="en-US" kern="0" dirty="0" smtClean="0">
+                <a:solidFill>
+                  <a:srgbClr val="000000"/>
+                </a:solidFill>
+                <a:latin typeface="Bosch Office Sans"/>
+              </a:rPr>
+              <a:t>Output 1 Image&lt;Dynamic&gt;</a:t>
+            </a:r>
+            <a:endParaRPr lang="en-US" kern="0" dirty="0">
+              <a:solidFill>
+                <a:srgbClr val="000000"/>
+              </a:solidFill>
+              <a:latin typeface="Bosch Office Sans"/>
+            </a:endParaRPr>
+          </a:p>
+        </p:txBody>
+      </p:sp>
+      <p:sp>
+        <p:nvSpPr>
+          <p:cNvPr id="13" name="Rectangle 12"/>
+          <p:cNvSpPr/>
+          <p:nvPr/>
+        </p:nvSpPr>
+        <p:spPr>
+          <a:xfrm>
+            <a:off x="6395542" y="2390534"/>
+            <a:ext cx="3318641" cy="1448369"/>
+          </a:xfrm>
+          <a:prstGeom prst="rect">
+            <a:avLst/>
+          </a:prstGeom>
+          <a:noFill/>
+          <a:ln w="9525" cap="flat" cmpd="sng" algn="ctr">
+            <a:solidFill>
+              <a:srgbClr val="3F136C"/>
+            </a:solidFill>
+            <a:prstDash val="solid"/>
+          </a:ln>
+          <a:effectLst/>
+        </p:spPr>
+        <p:txBody>
+          <a:bodyPr rtlCol="0" anchor="ctr"/>
+          <a:lstStyle/>
+          <a:p>
+            <a:pPr marL="0" marR="0" indent="0" algn="ctr" defTabSz="914400" eaLnBrk="1" fontAlgn="auto" latinLnBrk="0" hangingPunct="1">
+              <a:lnSpc>
+                <a:spcPct val="100000"/>
+              </a:lnSpc>
+              <a:spcBef>
+                <a:spcPts val="0"/>
+              </a:spcBef>
+              <a:spcAft>
+                <a:spcPts val="0"/>
+              </a:spcAft>
+              <a:buClrTx/>
+              <a:buSzTx/>
+              <a:buFontTx/>
+              <a:buNone/>
+              <a:tabLst/>
+            </a:pPr>
+            <a:r>
+              <a:rPr lang="en-US" kern="0" dirty="0">
+                <a:solidFill>
+                  <a:srgbClr val="000000"/>
+                </a:solidFill>
+                <a:latin typeface="Bosch Office Sans"/>
+              </a:rPr>
+              <a:t>Output </a:t>
+            </a:r>
+            <a:r>
+              <a:rPr lang="en-US" kern="0" dirty="0" smtClean="0">
+                <a:solidFill>
+                  <a:srgbClr val="000000"/>
+                </a:solidFill>
+                <a:latin typeface="Bosch Office Sans"/>
+              </a:rPr>
+              <a:t>2 Image&lt;Dynamic</a:t>
+            </a:r>
+            <a:r>
+              <a:rPr lang="en-US" kern="0" dirty="0">
+                <a:solidFill>
+                  <a:srgbClr val="000000"/>
+                </a:solidFill>
+                <a:latin typeface="Bosch Office Sans"/>
+              </a:rPr>
+              <a:t>&gt;</a:t>
+            </a:r>
+            <a:endParaRPr lang="en-US" kern="0" dirty="0">
+              <a:solidFill>
+                <a:srgbClr val="000000"/>
+              </a:solidFill>
+              <a:latin typeface="Bosch Office Sans"/>
+            </a:endParaRPr>
+          </a:p>
+        </p:txBody>
+      </p:sp>
+      <p:sp>
+        <p:nvSpPr>
+          <p:cNvPr id="14" name="Rectangle 13"/>
+          <p:cNvSpPr/>
+          <p:nvPr/>
+        </p:nvSpPr>
+        <p:spPr>
+          <a:xfrm>
+            <a:off x="6395543" y="3838903"/>
+            <a:ext cx="3318641" cy="1468664"/>
+          </a:xfrm>
+          <a:prstGeom prst="rect">
+            <a:avLst/>
+          </a:prstGeom>
+          <a:noFill/>
+          <a:ln w="9525" cap="flat" cmpd="sng" algn="ctr">
+            <a:solidFill>
+              <a:srgbClr val="3F136C"/>
+            </a:solidFill>
+            <a:prstDash val="solid"/>
+          </a:ln>
+          <a:effectLst/>
+        </p:spPr>
+        <p:txBody>
+          <a:bodyPr rtlCol="0" anchor="ctr"/>
+          <a:lstStyle/>
+          <a:p>
+            <a:pPr marL="0" marR="0" indent="0" algn="ctr" defTabSz="914400" eaLnBrk="1" fontAlgn="auto" latinLnBrk="0" hangingPunct="1">
+              <a:lnSpc>
+                <a:spcPct val="100000"/>
+              </a:lnSpc>
+              <a:spcBef>
+                <a:spcPts val="0"/>
+              </a:spcBef>
+              <a:spcAft>
+                <a:spcPts val="0"/>
+              </a:spcAft>
+              <a:buClrTx/>
+              <a:buSzTx/>
+              <a:buFontTx/>
+              <a:buNone/>
+              <a:tabLst/>
+            </a:pPr>
+            <a:r>
+              <a:rPr lang="en-US" kern="0" dirty="0">
+                <a:solidFill>
+                  <a:srgbClr val="000000"/>
+                </a:solidFill>
+                <a:latin typeface="Bosch Office Sans"/>
+              </a:rPr>
+              <a:t>Output </a:t>
+            </a:r>
+            <a:r>
+              <a:rPr lang="en-US" kern="0" dirty="0" smtClean="0">
+                <a:solidFill>
+                  <a:srgbClr val="000000"/>
+                </a:solidFill>
+                <a:latin typeface="Bosch Office Sans"/>
+              </a:rPr>
+              <a:t>3 Image&lt;Dynamic</a:t>
+            </a:r>
+            <a:r>
+              <a:rPr lang="en-US" kern="0" dirty="0">
+                <a:solidFill>
+                  <a:srgbClr val="000000"/>
+                </a:solidFill>
+                <a:latin typeface="Bosch Office Sans"/>
+              </a:rPr>
+              <a:t>&gt;</a:t>
+            </a:r>
+            <a:endParaRPr lang="en-US" kern="0" dirty="0">
+              <a:solidFill>
+                <a:srgbClr val="000000"/>
+              </a:solidFill>
+              <a:latin typeface="Bosch Office Sans"/>
+            </a:endParaRPr>
+          </a:p>
+        </p:txBody>
+      </p:sp>
+      <p:sp>
+        <p:nvSpPr>
+          <p:cNvPr id="15" name="Rectangle 14"/>
+          <p:cNvSpPr/>
+          <p:nvPr/>
+        </p:nvSpPr>
+        <p:spPr>
+          <a:xfrm>
+            <a:off x="9800485" y="1251631"/>
+            <a:ext cx="817592" cy="541284"/>
+          </a:xfrm>
+          <a:prstGeom prst="rect">
+            <a:avLst/>
+          </a:prstGeom>
+          <a:noFill/>
+          <a:ln w="9525" cap="flat" cmpd="sng" algn="ctr">
+            <a:solidFill>
+              <a:srgbClr val="3F136C"/>
+            </a:solidFill>
+            <a:prstDash val="solid"/>
+          </a:ln>
+          <a:effectLst/>
+        </p:spPr>
+        <p:txBody>
+          <a:bodyPr rtlCol="0" anchor="ctr"/>
+          <a:lstStyle/>
+          <a:p>
+            <a:pPr marL="0" marR="0" indent="0" algn="ctr" defTabSz="914400" eaLnBrk="1" fontAlgn="auto" latinLnBrk="0" hangingPunct="1">
+              <a:lnSpc>
+                <a:spcPct val="100000"/>
+              </a:lnSpc>
+              <a:spcBef>
+                <a:spcPts val="0"/>
+              </a:spcBef>
+              <a:spcAft>
+                <a:spcPts val="0"/>
+              </a:spcAft>
+              <a:buClrTx/>
+              <a:buSzTx/>
+              <a:buFontTx/>
+              <a:buNone/>
+              <a:tabLst/>
+            </a:pPr>
+            <a:r>
+              <a:rPr kumimoji="0" lang="en-US" sz="1000" b="0" i="0" u="none" strike="noStrike" kern="0" cap="none" spc="0" normalizeH="0" baseline="0" noProof="0" dirty="0" smtClean="0">
+                <a:ln>
+                  <a:noFill/>
+                </a:ln>
+                <a:solidFill>
+                  <a:srgbClr val="000000"/>
+                </a:solidFill>
+                <a:effectLst/>
+                <a:uLnTx/>
+                <a:uFillTx/>
+                <a:latin typeface="Bosch Office Sans"/>
+                <a:ea typeface="+mn-ea"/>
+                <a:cs typeface="+mn-cs"/>
+              </a:rPr>
+              <a:t>Text1&lt;Dynamic&gt;</a:t>
+            </a:r>
+            <a:endParaRPr kumimoji="0" lang="en-US" sz="1000" b="0" i="0" u="none" strike="noStrike" kern="0" cap="none" spc="0" normalizeH="0" baseline="0" noProof="0" dirty="0" smtClean="0">
+              <a:ln>
+                <a:noFill/>
+              </a:ln>
+              <a:solidFill>
+                <a:srgbClr val="000000"/>
+              </a:solidFill>
+              <a:effectLst/>
+              <a:uLnTx/>
+              <a:uFillTx/>
+              <a:latin typeface="Bosch Office Sans"/>
+              <a:ea typeface="+mn-ea"/>
+              <a:cs typeface="+mn-cs"/>
+            </a:endParaRPr>
+          </a:p>
+        </p:txBody>
+      </p:sp>
+      <p:sp>
+        <p:nvSpPr>
+          <p:cNvPr id="16" name="Rectangle 15"/>
+          <p:cNvSpPr/>
+          <p:nvPr/>
+        </p:nvSpPr>
+        <p:spPr>
+          <a:xfrm>
+            <a:off x="9800485" y="2860700"/>
+            <a:ext cx="817592" cy="541284"/>
+          </a:xfrm>
+          <a:prstGeom prst="rect">
+            <a:avLst/>
+          </a:prstGeom>
+          <a:noFill/>
+          <a:ln w="9525" cap="flat" cmpd="sng" algn="ctr">
+            <a:solidFill>
+              <a:srgbClr val="3F136C"/>
+            </a:solidFill>
+            <a:prstDash val="solid"/>
+          </a:ln>
+          <a:effectLst/>
+        </p:spPr>
+        <p:txBody>
+          <a:bodyPr rtlCol="0" anchor="ctr"/>
+          <a:lstStyle/>
+          <a:p>
+            <a:pPr marL="0" marR="0" indent="0" algn="ctr" defTabSz="914400" eaLnBrk="1" fontAlgn="auto" latinLnBrk="0" hangingPunct="1">
+              <a:lnSpc>
+                <a:spcPct val="100000"/>
+              </a:lnSpc>
+              <a:spcBef>
+                <a:spcPts val="0"/>
+              </a:spcBef>
+              <a:spcAft>
+                <a:spcPts val="0"/>
+              </a:spcAft>
+              <a:buClrTx/>
+              <a:buSzTx/>
+              <a:buFontTx/>
+              <a:buNone/>
+              <a:tabLst/>
+            </a:pPr>
+            <a:r>
+              <a:rPr lang="en-US" sz="1050" kern="0" dirty="0" smtClean="0">
+                <a:solidFill>
+                  <a:srgbClr val="000000"/>
+                </a:solidFill>
+                <a:latin typeface="Bosch Office Sans"/>
+              </a:rPr>
+              <a:t>Text2&lt;Dynamic</a:t>
+            </a:r>
+            <a:r>
+              <a:rPr lang="en-US" sz="1050" kern="0" dirty="0">
+                <a:solidFill>
+                  <a:srgbClr val="000000"/>
+                </a:solidFill>
+                <a:latin typeface="Bosch Office Sans"/>
+              </a:rPr>
+              <a:t>&gt;</a:t>
+            </a:r>
+          </a:p>
+        </p:txBody>
+      </p:sp>
+      <p:sp>
+        <p:nvSpPr>
+          <p:cNvPr id="17" name="Rectangle 16"/>
+          <p:cNvSpPr/>
+          <p:nvPr/>
+        </p:nvSpPr>
+        <p:spPr>
+          <a:xfrm>
+            <a:off x="9800485" y="4400465"/>
+            <a:ext cx="817592" cy="541284"/>
+          </a:xfrm>
+          <a:prstGeom prst="rect">
+            <a:avLst/>
+          </a:prstGeom>
+          <a:noFill/>
+          <a:ln w="9525" cap="flat" cmpd="sng" algn="ctr">
+            <a:solidFill>
+              <a:srgbClr val="3F136C"/>
+            </a:solidFill>
+            <a:prstDash val="solid"/>
+          </a:ln>
+          <a:effectLst/>
+        </p:spPr>
+        <p:txBody>
+          <a:bodyPr rtlCol="0" anchor="ctr"/>
+          <a:lstStyle/>
+          <a:p>
+            <a:pPr marL="0" marR="0" indent="0" algn="ctr" defTabSz="914400" eaLnBrk="1" fontAlgn="auto" latinLnBrk="0" hangingPunct="1">
+              <a:lnSpc>
+                <a:spcPct val="100000"/>
+              </a:lnSpc>
+              <a:spcBef>
+                <a:spcPts val="0"/>
+              </a:spcBef>
+              <a:spcAft>
+                <a:spcPts val="0"/>
+              </a:spcAft>
+              <a:buClrTx/>
+              <a:buSzTx/>
+              <a:buFontTx/>
+              <a:buNone/>
+              <a:tabLst/>
+            </a:pPr>
+            <a:r>
+              <a:rPr lang="en-US" sz="1000" kern="0" dirty="0" smtClean="0">
+                <a:solidFill>
+                  <a:srgbClr val="000000"/>
+                </a:solidFill>
+                <a:latin typeface="Bosch Office Sans"/>
+              </a:rPr>
+              <a:t>Text3&lt;Dynamic</a:t>
+            </a:r>
+            <a:r>
+              <a:rPr lang="en-US" sz="1000" kern="0" dirty="0">
+                <a:solidFill>
+                  <a:srgbClr val="000000"/>
+                </a:solidFill>
+                <a:latin typeface="Bosch Office Sans"/>
+              </a:rPr>
+              <a:t>&gt;</a:t>
+            </a:r>
+            <a:endParaRPr lang="en-US" sz="1000" kern="0" dirty="0">
+              <a:solidFill>
+                <a:srgbClr val="000000"/>
+              </a:solidFill>
+              <a:latin typeface="Bosch Office Sans"/>
+            </a:endParaRPr>
+          </a:p>
+        </p:txBody>
+      </p:sp>
+      <p:sp>
+        <p:nvSpPr>
+          <p:cNvPr id="19" name="Rectangle 18"/>
+          <p:cNvSpPr/>
+          <p:nvPr/>
+        </p:nvSpPr>
+        <p:spPr>
+          <a:xfrm>
+            <a:off x="3707463" y="2860700"/>
+            <a:ext cx="2056973" cy="369332"/>
+          </a:xfrm>
+          <a:prstGeom prst="rect">
+            <a:avLst/>
+          </a:prstGeom>
+        </p:spPr>
+        <p:txBody>
+          <a:bodyPr wrap="none">
+            <a:spAutoFit/>
+          </a:bodyPr>
+          <a:lstStyle/>
+          <a:p>
+            <a:pPr marL="0" marR="0" indent="0" algn="ctr" defTabSz="914400" eaLnBrk="1" fontAlgn="auto" latinLnBrk="0" hangingPunct="1">
+              <a:lnSpc>
+                <a:spcPct val="100000"/>
+              </a:lnSpc>
+              <a:spcBef>
+                <a:spcPts val="0"/>
+              </a:spcBef>
+              <a:spcAft>
+                <a:spcPts val="0"/>
+              </a:spcAft>
+              <a:buClrTx/>
+              <a:buSzTx/>
+              <a:buFontTx/>
+              <a:buNone/>
+              <a:tabLst/>
+            </a:pPr>
+            <a:r>
+              <a:rPr lang="en-US" kern="0" dirty="0" smtClean="0">
+                <a:solidFill>
+                  <a:srgbClr val="000000"/>
+                </a:solidFill>
+                <a:latin typeface="Bosch Office Sans"/>
+              </a:rPr>
+              <a:t>Image &lt;Dynamic&gt;</a:t>
+            </a:r>
+            <a:endParaRPr lang="en-US" kern="0" dirty="0">
+              <a:solidFill>
+                <a:srgbClr val="000000"/>
+              </a:solidFill>
+              <a:latin typeface="Bosch Office Sans"/>
+            </a:endParaRPr>
+          </a:p>
+        </p:txBody>
+      </p:sp>
+      <p:sp>
+        <p:nvSpPr>
+          <p:cNvPr id="21" name="Rectangle 20"/>
+          <p:cNvSpPr/>
+          <p:nvPr/>
+        </p:nvSpPr>
+        <p:spPr>
+          <a:xfrm>
+            <a:off x="828160" y="3720413"/>
+            <a:ext cx="1332186" cy="436919"/>
+          </a:xfrm>
+          <a:prstGeom prst="rect">
+            <a:avLst/>
+          </a:prstGeom>
+          <a:noFill/>
+          <a:ln w="9525" cap="flat" cmpd="sng" algn="ctr">
+            <a:solidFill>
+              <a:srgbClr val="3F136C"/>
+            </a:solidFill>
+            <a:prstDash val="solid"/>
+          </a:ln>
+          <a:effectLst/>
+        </p:spPr>
+        <p:txBody>
+          <a:bodyPr rtlCol="0" anchor="ctr"/>
+          <a:lstStyle/>
+          <a:p>
+            <a:pPr marL="0" marR="0" indent="0" algn="ctr" defTabSz="914400" eaLnBrk="1" fontAlgn="auto" latinLnBrk="0" hangingPunct="1">
+              <a:lnSpc>
+                <a:spcPct val="100000"/>
+              </a:lnSpc>
+              <a:spcBef>
+                <a:spcPts val="0"/>
+              </a:spcBef>
+              <a:spcAft>
+                <a:spcPts val="0"/>
+              </a:spcAft>
+              <a:buClrTx/>
+              <a:buSzTx/>
+              <a:buFontTx/>
+              <a:buNone/>
+              <a:tabLst/>
+            </a:pPr>
+            <a:r>
+              <a:rPr kumimoji="0" lang="en-US" sz="1800" b="0" i="0" u="none" strike="noStrike" kern="0" cap="none" spc="0" normalizeH="0" baseline="0" noProof="0" dirty="0" smtClean="0">
+                <a:ln>
+                  <a:noFill/>
+                </a:ln>
+                <a:solidFill>
+                  <a:srgbClr val="000000"/>
+                </a:solidFill>
+                <a:effectLst/>
+                <a:uLnTx/>
+                <a:uFillTx/>
+                <a:latin typeface="Bosch Office Sans"/>
+                <a:ea typeface="+mn-ea"/>
+                <a:cs typeface="+mn-cs"/>
+              </a:rPr>
+              <a:t>Evaluate</a:t>
+            </a:r>
+            <a:endParaRPr kumimoji="0" lang="en-US" sz="1800" b="0" i="0" u="none" strike="noStrike" kern="0" cap="none" spc="0" normalizeH="0" baseline="0" noProof="0" dirty="0" smtClean="0">
+              <a:ln>
+                <a:noFill/>
+              </a:ln>
+              <a:solidFill>
+                <a:srgbClr val="000000"/>
+              </a:solidFill>
+              <a:effectLst/>
+              <a:uLnTx/>
+              <a:uFillTx/>
+              <a:latin typeface="Bosch Office Sans"/>
+              <a:ea typeface="+mn-ea"/>
+              <a:cs typeface="+mn-cs"/>
+            </a:endParaRPr>
+          </a:p>
+        </p:txBody>
+      </p:sp>
+    </p:spTree>
+    <p:extLst>
+      <p:ext uri="{BB962C8B-B14F-4D97-AF65-F5344CB8AC3E}">
+        <p14:creationId xmlns:p14="http://schemas.microsoft.com/office/powerpoint/2010/main" val="3661694646"/>
+      </p:ext>
+    </p:extLst>
+  </p:cSld>
+  <p:clrMapOvr>
+    <a:masterClrMapping/>
+  </p:clrMapOvr>
+</p:sld>
+</file>
+
+<file path=ppt/slides/slide19.xml><?xml version="1.0" encoding="utf-8"?>
+<p:sld xmlns:a="http://schemas.openxmlformats.org/drawingml/2006/main" xmlns:r="http://schemas.openxmlformats.org/officeDocument/2006/relationships" xmlns:p="http://schemas.openxmlformats.org/presentationml/2006/main">
+  <p:cSld>
+    <p:spTree>
+      <p:nvGrpSpPr>
+        <p:cNvPr id="1" name=""/>
+        <p:cNvGrpSpPr/>
+        <p:nvPr/>
+      </p:nvGrpSpPr>
+      <p:grpSpPr>
+        <a:xfrm>
+          <a:off x="0" y="0"/>
+          <a:ext cx="0" cy="0"/>
+          <a:chOff x="0" y="0"/>
+          <a:chExt cx="0" cy="0"/>
+        </a:xfrm>
+      </p:grpSpPr>
+      <p:sp>
+        <p:nvSpPr>
           <p:cNvPr id="2" name="Title 1"/>
           <p:cNvSpPr>
             <a:spLocks noGrp="1"/>
@@ -18943,6 +19935,33 @@
 </file>
 
 <file path=customXml/item1.xml><?xml version="1.0" encoding="utf-8"?>
+<sax_ColorSelect>
+  <Line>
+    <Color val="D70012"/>
+    <Color val="EA6876"/>
+    <Color val="a80163"/>
+    <Color val="D067AD"/>
+    <Color val="3f136c"/>
+    <Color val="967CB1"/>
+    <Color val="08427e"/>
+    <Color val="6D9ABC"/>
+    <Color val="0e78c5"/>
+    <Color val="6FB9E2"/>
+    <Color val="1399a0"/>
+    <Color val="6FC9CC"/>
+    <Color val="67b419"/>
+    <Color val="AEDB7D"/>
+    <Color val="0a5139"/>
+    <Color val="6EA293"/>
+    <Color val="999FA6"/>
+    <Color val="D7D7D7"/>
+    <Color val="000000"/>
+    <Color val="FFFFFF"/>
+  </Line>
+</sax_ColorSelect>
+</file>
+
+<file path=customXml/item2.xml><?xml version="1.0" encoding="utf-8"?>
 <saxML>
   <saxMLTemplate>presentation_169</saxMLTemplate>
   <Variablen>
@@ -19091,41 +20110,14 @@
 </saxML>
 </file>
 
-<file path=customXml/item2.xml><?xml version="1.0" encoding="utf-8"?>
-<sax_ColorSelect>
-  <Line>
-    <Color val="D70012"/>
-    <Color val="EA6876"/>
-    <Color val="a80163"/>
-    <Color val="D067AD"/>
-    <Color val="3f136c"/>
-    <Color val="967CB1"/>
-    <Color val="08427e"/>
-    <Color val="6D9ABC"/>
-    <Color val="0e78c5"/>
-    <Color val="6FB9E2"/>
-    <Color val="1399a0"/>
-    <Color val="6FC9CC"/>
-    <Color val="67b419"/>
-    <Color val="AEDB7D"/>
-    <Color val="0a5139"/>
-    <Color val="6EA293"/>
-    <Color val="999FA6"/>
-    <Color val="D7D7D7"/>
-    <Color val="000000"/>
-    <Color val="FFFFFF"/>
-  </Line>
-</sax_ColorSelect>
-</file>
-
 <file path=customXml/itemProps1.xml><?xml version="1.0" encoding="utf-8"?>
-<ds:datastoreItem xmlns:ds="http://schemas.openxmlformats.org/officeDocument/2006/customXml" ds:itemID="{D0252559-44F8-474C-B66D-E357B88E32C2}">
+<ds:datastoreItem xmlns:ds="http://schemas.openxmlformats.org/officeDocument/2006/customXml" ds:itemID="{304CF217-3C90-4AA0-B541-CE45F9BD305E}">
   <ds:schemaRefs/>
 </ds:datastoreItem>
 </file>
 
 <file path=customXml/itemProps2.xml><?xml version="1.0" encoding="utf-8"?>
-<ds:datastoreItem xmlns:ds="http://schemas.openxmlformats.org/officeDocument/2006/customXml" ds:itemID="{304CF217-3C90-4AA0-B541-CE45F9BD305E}">
+<ds:datastoreItem xmlns:ds="http://schemas.openxmlformats.org/officeDocument/2006/customXml" ds:itemID="{D0252559-44F8-474C-B66D-E357B88E32C2}">
   <ds:schemaRefs/>
 </ds:datastoreItem>
 </file>
--- a/intel_ocr/docs/intel_review_5thNov_V2.0.pptx
+++ b/intel_ocr/docs/intel_review_5thNov_V2.0.pptx
@@ -6,7 +6,7 @@
     <p:sldMasterId id="2147483748" r:id="rId4"/>
   </p:sldMasterIdLst>
   <p:notesMasterIdLst>
-    <p:notesMasterId r:id="rId24"/>
+    <p:notesMasterId r:id="rId23"/>
   </p:notesMasterIdLst>
   <p:sldIdLst>
     <p:sldId id="256" r:id="rId5"/>
@@ -26,13 +26,12 @@
     <p:sldId id="276" r:id="rId19"/>
     <p:sldId id="277" r:id="rId20"/>
     <p:sldId id="268" r:id="rId21"/>
-    <p:sldId id="279" r:id="rId22"/>
-    <p:sldId id="267" r:id="rId23"/>
+    <p:sldId id="267" r:id="rId22"/>
   </p:sldIdLst>
   <p:sldSz cx="10969625" cy="6170613"/>
   <p:notesSz cx="6858000" cy="9144000"/>
   <p:custDataLst>
-    <p:tags r:id="rId25"/>
+    <p:tags r:id="rId24"/>
   </p:custDataLst>
   <p:defaultTextStyle>
     <a:defPPr>
@@ -249,7 +248,7 @@
           <a:p>
             <a:fld id="{6007911F-CEAF-4F0B-98BD-EFB38C6572AA}" type="datetimeFigureOut">
               <a:rPr lang="de-DE" smtClean="0"/>
-              <a:t>21.11.2019</a:t>
+              <a:t>10.12.2019</a:t>
             </a:fld>
             <a:endParaRPr lang="de-DE"/>
           </a:p>
@@ -13918,1005 +13917,6 @@
       </p:grpSpPr>
       <p:sp>
         <p:nvSpPr>
-          <p:cNvPr id="2" name="Text Placeholder 1"/>
-          <p:cNvSpPr>
-            <a:spLocks noGrp="1"/>
-          </p:cNvSpPr>
-          <p:nvPr>
-            <p:ph type="body" sz="quarter" idx="15"/>
-          </p:nvPr>
-        </p:nvSpPr>
-        <p:spPr/>
-        <p:txBody>
-          <a:bodyPr/>
-          <a:lstStyle/>
-          <a:p>
-            <a:r>
-              <a:rPr lang="en-US" smtClean="0"/>
-              <a:t>GUI</a:t>
-            </a:r>
-            <a:endParaRPr lang="en-US"/>
-          </a:p>
-        </p:txBody>
-      </p:sp>
-      <p:sp>
-        <p:nvSpPr>
-          <p:cNvPr id="6" name="Slide Number Placeholder 5"/>
-          <p:cNvSpPr>
-            <a:spLocks noGrp="1"/>
-          </p:cNvSpPr>
-          <p:nvPr>
-            <p:ph type="sldNum" sz="quarter" idx="12"/>
-          </p:nvPr>
-        </p:nvSpPr>
-        <p:spPr/>
-        <p:txBody>
-          <a:bodyPr/>
-          <a:lstStyle/>
-          <a:p>
-            <a:fld id="{4898AEC0-503E-4FA4-859C-D0F72D6E3F79}" type="slidenum">
-              <a:rPr lang="de-DE" smtClean="0"/>
-              <a:pPr/>
-              <a:t>18</a:t>
-            </a:fld>
-            <a:endParaRPr lang="de-DE"/>
-          </a:p>
-        </p:txBody>
-      </p:sp>
-      <p:sp>
-        <p:nvSpPr>
-          <p:cNvPr id="7" name="Rectangle 6"/>
-          <p:cNvSpPr/>
-          <p:nvPr/>
-        </p:nvSpPr>
-        <p:spPr>
-          <a:xfrm>
-            <a:off x="266700" y="772510"/>
-            <a:ext cx="10443300" cy="4658711"/>
-          </a:xfrm>
-          <a:prstGeom prst="rect">
-            <a:avLst/>
-          </a:prstGeom>
-          <a:noFill/>
-          <a:ln w="9525" cap="flat" cmpd="sng" algn="ctr">
-            <a:solidFill>
-              <a:srgbClr val="3F136C"/>
-            </a:solidFill>
-            <a:prstDash val="solid"/>
-          </a:ln>
-          <a:effectLst/>
-        </p:spPr>
-        <p:txBody>
-          <a:bodyPr rtlCol="0" anchor="ctr"/>
-          <a:lstStyle/>
-          <a:p>
-            <a:pPr marL="0" marR="0" indent="0" algn="ctr" defTabSz="914400" eaLnBrk="1" fontAlgn="auto" latinLnBrk="0" hangingPunct="1">
-              <a:lnSpc>
-                <a:spcPct val="100000"/>
-              </a:lnSpc>
-              <a:spcBef>
-                <a:spcPts val="0"/>
-              </a:spcBef>
-              <a:spcAft>
-                <a:spcPts val="0"/>
-              </a:spcAft>
-              <a:buClrTx/>
-              <a:buSzTx/>
-              <a:buFontTx/>
-              <a:buNone/>
-              <a:tabLst/>
-            </a:pPr>
-            <a:endParaRPr kumimoji="0" lang="en-US" sz="1800" b="0" i="0" u="none" strike="noStrike" kern="0" cap="none" spc="0" normalizeH="0" baseline="0" noProof="0" dirty="0" smtClean="0">
-              <a:ln>
-                <a:noFill/>
-              </a:ln>
-              <a:solidFill>
-                <a:srgbClr val="000000"/>
-              </a:solidFill>
-              <a:effectLst/>
-              <a:uLnTx/>
-              <a:uFillTx/>
-              <a:latin typeface="Bosch Office Sans"/>
-              <a:ea typeface="+mn-ea"/>
-              <a:cs typeface="+mn-cs"/>
-            </a:endParaRPr>
-          </a:p>
-        </p:txBody>
-      </p:sp>
-      <p:sp>
-        <p:nvSpPr>
-          <p:cNvPr id="8" name="Rectangle 7"/>
-          <p:cNvSpPr/>
-          <p:nvPr/>
-        </p:nvSpPr>
-        <p:spPr>
-          <a:xfrm>
-            <a:off x="410845" y="1008993"/>
-            <a:ext cx="2166817" cy="441435"/>
-          </a:xfrm>
-          <a:prstGeom prst="rect">
-            <a:avLst/>
-          </a:prstGeom>
-          <a:noFill/>
-          <a:ln w="9525" cap="flat" cmpd="sng" algn="ctr">
-            <a:solidFill>
-              <a:srgbClr val="3F136C"/>
-            </a:solidFill>
-            <a:prstDash val="solid"/>
-          </a:ln>
-          <a:effectLst/>
-        </p:spPr>
-        <p:txBody>
-          <a:bodyPr rtlCol="0" anchor="ctr"/>
-          <a:lstStyle/>
-          <a:p>
-            <a:pPr marL="0" marR="0" indent="0" algn="ctr" defTabSz="914400" eaLnBrk="1" fontAlgn="auto" latinLnBrk="0" hangingPunct="1">
-              <a:lnSpc>
-                <a:spcPct val="100000"/>
-              </a:lnSpc>
-              <a:spcBef>
-                <a:spcPts val="0"/>
-              </a:spcBef>
-              <a:spcAft>
-                <a:spcPts val="0"/>
-              </a:spcAft>
-              <a:buClrTx/>
-              <a:buSzTx/>
-              <a:buFontTx/>
-              <a:buNone/>
-              <a:tabLst/>
-            </a:pPr>
-            <a:r>
-              <a:rPr kumimoji="0" lang="en-US" sz="1800" b="0" i="0" u="none" strike="noStrike" kern="0" cap="none" spc="0" normalizeH="0" baseline="0" noProof="0" dirty="0" smtClean="0">
-                <a:ln>
-                  <a:noFill/>
-                </a:ln>
-                <a:solidFill>
-                  <a:srgbClr val="000000"/>
-                </a:solidFill>
-                <a:effectLst/>
-                <a:uLnTx/>
-                <a:uFillTx/>
-                <a:latin typeface="Bosch Office Sans"/>
-                <a:ea typeface="+mn-ea"/>
-                <a:cs typeface="+mn-cs"/>
-              </a:rPr>
-              <a:t>Equation</a:t>
-            </a:r>
-            <a:r>
-              <a:rPr kumimoji="0" lang="en-US" sz="1800" b="0" i="0" u="none" strike="noStrike" kern="0" cap="none" spc="0" normalizeH="0" noProof="0" dirty="0" smtClean="0">
-                <a:ln>
-                  <a:noFill/>
-                </a:ln>
-                <a:solidFill>
-                  <a:srgbClr val="000000"/>
-                </a:solidFill>
-                <a:effectLst/>
-                <a:uLnTx/>
-                <a:uFillTx/>
-                <a:latin typeface="Bosch Office Sans"/>
-                <a:ea typeface="+mn-ea"/>
-                <a:cs typeface="+mn-cs"/>
-              </a:rPr>
-              <a:t> 1&lt;Static&gt;</a:t>
-            </a:r>
-            <a:endParaRPr kumimoji="0" lang="en-US" sz="1800" b="0" i="0" u="none" strike="noStrike" kern="0" cap="none" spc="0" normalizeH="0" baseline="0" noProof="0" dirty="0" smtClean="0">
-              <a:ln>
-                <a:noFill/>
-              </a:ln>
-              <a:solidFill>
-                <a:srgbClr val="000000"/>
-              </a:solidFill>
-              <a:effectLst/>
-              <a:uLnTx/>
-              <a:uFillTx/>
-              <a:latin typeface="Bosch Office Sans"/>
-              <a:ea typeface="+mn-ea"/>
-              <a:cs typeface="+mn-cs"/>
-            </a:endParaRPr>
-          </a:p>
-        </p:txBody>
-      </p:sp>
-      <p:sp>
-        <p:nvSpPr>
-          <p:cNvPr id="9" name="Rectangle 8"/>
-          <p:cNvSpPr/>
-          <p:nvPr/>
-        </p:nvSpPr>
-        <p:spPr>
-          <a:xfrm>
-            <a:off x="410845" y="1702677"/>
-            <a:ext cx="2166817" cy="441435"/>
-          </a:xfrm>
-          <a:prstGeom prst="rect">
-            <a:avLst/>
-          </a:prstGeom>
-          <a:noFill/>
-          <a:ln w="9525" cap="flat" cmpd="sng" algn="ctr">
-            <a:solidFill>
-              <a:srgbClr val="3F136C"/>
-            </a:solidFill>
-            <a:prstDash val="solid"/>
-          </a:ln>
-          <a:effectLst/>
-        </p:spPr>
-        <p:txBody>
-          <a:bodyPr rtlCol="0" anchor="ctr"/>
-          <a:lstStyle/>
-          <a:p>
-            <a:pPr marL="0" marR="0" indent="0" algn="ctr" defTabSz="914400" eaLnBrk="1" fontAlgn="auto" latinLnBrk="0" hangingPunct="1">
-              <a:lnSpc>
-                <a:spcPct val="100000"/>
-              </a:lnSpc>
-              <a:spcBef>
-                <a:spcPts val="0"/>
-              </a:spcBef>
-              <a:spcAft>
-                <a:spcPts val="0"/>
-              </a:spcAft>
-              <a:buClrTx/>
-              <a:buSzTx/>
-              <a:buFontTx/>
-              <a:buNone/>
-              <a:tabLst/>
-            </a:pPr>
-            <a:r>
-              <a:rPr lang="en-US" kern="0" dirty="0">
-                <a:solidFill>
-                  <a:srgbClr val="000000"/>
-                </a:solidFill>
-                <a:latin typeface="Bosch Office Sans"/>
-              </a:rPr>
-              <a:t>Equation </a:t>
-            </a:r>
-            <a:r>
-              <a:rPr lang="en-US" kern="0" dirty="0" smtClean="0">
-                <a:solidFill>
-                  <a:srgbClr val="000000"/>
-                </a:solidFill>
-                <a:latin typeface="Bosch Office Sans"/>
-              </a:rPr>
-              <a:t>2&lt;Static</a:t>
-            </a:r>
-            <a:r>
-              <a:rPr lang="en-US" kern="0" dirty="0">
-                <a:solidFill>
-                  <a:srgbClr val="000000"/>
-                </a:solidFill>
-                <a:latin typeface="Bosch Office Sans"/>
-              </a:rPr>
-              <a:t>&gt;</a:t>
-            </a:r>
-          </a:p>
-        </p:txBody>
-      </p:sp>
-      <p:sp>
-        <p:nvSpPr>
-          <p:cNvPr id="10" name="Rectangle 9"/>
-          <p:cNvSpPr/>
-          <p:nvPr/>
-        </p:nvSpPr>
-        <p:spPr>
-          <a:xfrm>
-            <a:off x="410845" y="2442009"/>
-            <a:ext cx="2166817" cy="441435"/>
-          </a:xfrm>
-          <a:prstGeom prst="rect">
-            <a:avLst/>
-          </a:prstGeom>
-          <a:noFill/>
-          <a:ln w="9525" cap="flat" cmpd="sng" algn="ctr">
-            <a:solidFill>
-              <a:srgbClr val="3F136C"/>
-            </a:solidFill>
-            <a:prstDash val="solid"/>
-          </a:ln>
-          <a:effectLst/>
-        </p:spPr>
-        <p:txBody>
-          <a:bodyPr rtlCol="0" anchor="ctr"/>
-          <a:lstStyle/>
-          <a:p>
-            <a:pPr marL="0" marR="0" indent="0" algn="ctr" defTabSz="914400" eaLnBrk="1" fontAlgn="auto" latinLnBrk="0" hangingPunct="1">
-              <a:lnSpc>
-                <a:spcPct val="100000"/>
-              </a:lnSpc>
-              <a:spcBef>
-                <a:spcPts val="0"/>
-              </a:spcBef>
-              <a:spcAft>
-                <a:spcPts val="0"/>
-              </a:spcAft>
-              <a:buClrTx/>
-              <a:buSzTx/>
-              <a:buFontTx/>
-              <a:buNone/>
-              <a:tabLst/>
-            </a:pPr>
-            <a:r>
-              <a:rPr lang="en-US" kern="0" dirty="0">
-                <a:solidFill>
-                  <a:srgbClr val="000000"/>
-                </a:solidFill>
-                <a:latin typeface="Bosch Office Sans"/>
-              </a:rPr>
-              <a:t>Equation </a:t>
-            </a:r>
-            <a:r>
-              <a:rPr lang="en-US" kern="0" dirty="0" smtClean="0">
-                <a:solidFill>
-                  <a:srgbClr val="000000"/>
-                </a:solidFill>
-                <a:latin typeface="Bosch Office Sans"/>
-              </a:rPr>
-              <a:t>3&lt;Static</a:t>
-            </a:r>
-            <a:r>
-              <a:rPr lang="en-US" kern="0" dirty="0">
-                <a:solidFill>
-                  <a:srgbClr val="000000"/>
-                </a:solidFill>
-                <a:latin typeface="Bosch Office Sans"/>
-              </a:rPr>
-              <a:t>&gt;</a:t>
-            </a:r>
-          </a:p>
-        </p:txBody>
-      </p:sp>
-      <p:sp>
-        <p:nvSpPr>
-          <p:cNvPr id="11" name="Rectangle 10"/>
-          <p:cNvSpPr/>
-          <p:nvPr/>
-        </p:nvSpPr>
-        <p:spPr>
-          <a:xfrm>
-            <a:off x="2956032" y="1008993"/>
-            <a:ext cx="3318641" cy="4300220"/>
-          </a:xfrm>
-          <a:prstGeom prst="rect">
-            <a:avLst/>
-          </a:prstGeom>
-          <a:noFill/>
-          <a:ln w="9525" cap="flat" cmpd="sng" algn="ctr">
-            <a:solidFill>
-              <a:srgbClr val="3F136C"/>
-            </a:solidFill>
-            <a:prstDash val="solid"/>
-          </a:ln>
-          <a:effectLst/>
-        </p:spPr>
-        <p:txBody>
-          <a:bodyPr rtlCol="0" anchor="ctr"/>
-          <a:lstStyle/>
-          <a:p>
-            <a:pPr marL="0" marR="0" indent="0" algn="ctr" defTabSz="914400" eaLnBrk="1" fontAlgn="auto" latinLnBrk="0" hangingPunct="1">
-              <a:lnSpc>
-                <a:spcPct val="100000"/>
-              </a:lnSpc>
-              <a:spcBef>
-                <a:spcPts val="0"/>
-              </a:spcBef>
-              <a:spcAft>
-                <a:spcPts val="0"/>
-              </a:spcAft>
-              <a:buClrTx/>
-              <a:buSzTx/>
-              <a:buFontTx/>
-              <a:buNone/>
-              <a:tabLst/>
-            </a:pPr>
-            <a:endParaRPr kumimoji="0" lang="en-US" sz="1800" b="0" i="0" u="none" strike="noStrike" kern="0" cap="none" spc="0" normalizeH="0" baseline="0" noProof="0" dirty="0" smtClean="0">
-              <a:ln>
-                <a:noFill/>
-              </a:ln>
-              <a:solidFill>
-                <a:srgbClr val="000000"/>
-              </a:solidFill>
-              <a:effectLst/>
-              <a:uLnTx/>
-              <a:uFillTx/>
-              <a:latin typeface="Bosch Office Sans"/>
-              <a:ea typeface="+mn-ea"/>
-              <a:cs typeface="+mn-cs"/>
-            </a:endParaRPr>
-          </a:p>
-        </p:txBody>
-      </p:sp>
-      <p:sp>
-        <p:nvSpPr>
-          <p:cNvPr id="12" name="Rectangle 11"/>
-          <p:cNvSpPr/>
-          <p:nvPr/>
-        </p:nvSpPr>
-        <p:spPr>
-          <a:xfrm>
-            <a:off x="6395544" y="1008993"/>
-            <a:ext cx="3318641" cy="1381541"/>
-          </a:xfrm>
-          <a:prstGeom prst="rect">
-            <a:avLst/>
-          </a:prstGeom>
-          <a:noFill/>
-          <a:ln w="9525" cap="flat" cmpd="sng" algn="ctr">
-            <a:solidFill>
-              <a:srgbClr val="3F136C"/>
-            </a:solidFill>
-            <a:prstDash val="solid"/>
-          </a:ln>
-          <a:effectLst/>
-        </p:spPr>
-        <p:txBody>
-          <a:bodyPr rtlCol="0" anchor="ctr"/>
-          <a:lstStyle/>
-          <a:p>
-            <a:pPr marL="0" marR="0" indent="0" algn="ctr" defTabSz="914400" eaLnBrk="1" fontAlgn="auto" latinLnBrk="0" hangingPunct="1">
-              <a:lnSpc>
-                <a:spcPct val="100000"/>
-              </a:lnSpc>
-              <a:spcBef>
-                <a:spcPts val="0"/>
-              </a:spcBef>
-              <a:spcAft>
-                <a:spcPts val="0"/>
-              </a:spcAft>
-              <a:buClrTx/>
-              <a:buSzTx/>
-              <a:buFontTx/>
-              <a:buNone/>
-              <a:tabLst/>
-            </a:pPr>
-            <a:r>
-              <a:rPr lang="en-US" kern="0" dirty="0" smtClean="0">
-                <a:solidFill>
-                  <a:srgbClr val="000000"/>
-                </a:solidFill>
-                <a:latin typeface="Bosch Office Sans"/>
-              </a:rPr>
-              <a:t>Output 1 Image&lt;Dynamic&gt;</a:t>
-            </a:r>
-            <a:endParaRPr lang="en-US" kern="0" dirty="0">
-              <a:solidFill>
-                <a:srgbClr val="000000"/>
-              </a:solidFill>
-              <a:latin typeface="Bosch Office Sans"/>
-            </a:endParaRPr>
-          </a:p>
-        </p:txBody>
-      </p:sp>
-      <p:sp>
-        <p:nvSpPr>
-          <p:cNvPr id="13" name="Rectangle 12"/>
-          <p:cNvSpPr/>
-          <p:nvPr/>
-        </p:nvSpPr>
-        <p:spPr>
-          <a:xfrm>
-            <a:off x="6395542" y="2390534"/>
-            <a:ext cx="3318641" cy="1448369"/>
-          </a:xfrm>
-          <a:prstGeom prst="rect">
-            <a:avLst/>
-          </a:prstGeom>
-          <a:noFill/>
-          <a:ln w="9525" cap="flat" cmpd="sng" algn="ctr">
-            <a:solidFill>
-              <a:srgbClr val="3F136C"/>
-            </a:solidFill>
-            <a:prstDash val="solid"/>
-          </a:ln>
-          <a:effectLst/>
-        </p:spPr>
-        <p:txBody>
-          <a:bodyPr rtlCol="0" anchor="ctr"/>
-          <a:lstStyle/>
-          <a:p>
-            <a:pPr marL="0" marR="0" indent="0" algn="ctr" defTabSz="914400" eaLnBrk="1" fontAlgn="auto" latinLnBrk="0" hangingPunct="1">
-              <a:lnSpc>
-                <a:spcPct val="100000"/>
-              </a:lnSpc>
-              <a:spcBef>
-                <a:spcPts val="0"/>
-              </a:spcBef>
-              <a:spcAft>
-                <a:spcPts val="0"/>
-              </a:spcAft>
-              <a:buClrTx/>
-              <a:buSzTx/>
-              <a:buFontTx/>
-              <a:buNone/>
-              <a:tabLst/>
-            </a:pPr>
-            <a:r>
-              <a:rPr lang="en-US" kern="0" dirty="0">
-                <a:solidFill>
-                  <a:srgbClr val="000000"/>
-                </a:solidFill>
-                <a:latin typeface="Bosch Office Sans"/>
-              </a:rPr>
-              <a:t>Output </a:t>
-            </a:r>
-            <a:r>
-              <a:rPr lang="en-US" kern="0" dirty="0" smtClean="0">
-                <a:solidFill>
-                  <a:srgbClr val="000000"/>
-                </a:solidFill>
-                <a:latin typeface="Bosch Office Sans"/>
-              </a:rPr>
-              <a:t>2 Image&lt;Dynamic</a:t>
-            </a:r>
-            <a:r>
-              <a:rPr lang="en-US" kern="0" dirty="0">
-                <a:solidFill>
-                  <a:srgbClr val="000000"/>
-                </a:solidFill>
-                <a:latin typeface="Bosch Office Sans"/>
-              </a:rPr>
-              <a:t>&gt;</a:t>
-            </a:r>
-            <a:endParaRPr lang="en-US" kern="0" dirty="0">
-              <a:solidFill>
-                <a:srgbClr val="000000"/>
-              </a:solidFill>
-              <a:latin typeface="Bosch Office Sans"/>
-            </a:endParaRPr>
-          </a:p>
-        </p:txBody>
-      </p:sp>
-      <p:sp>
-        <p:nvSpPr>
-          <p:cNvPr id="14" name="Rectangle 13"/>
-          <p:cNvSpPr/>
-          <p:nvPr/>
-        </p:nvSpPr>
-        <p:spPr>
-          <a:xfrm>
-            <a:off x="6395543" y="3838903"/>
-            <a:ext cx="3318641" cy="1468664"/>
-          </a:xfrm>
-          <a:prstGeom prst="rect">
-            <a:avLst/>
-          </a:prstGeom>
-          <a:noFill/>
-          <a:ln w="9525" cap="flat" cmpd="sng" algn="ctr">
-            <a:solidFill>
-              <a:srgbClr val="3F136C"/>
-            </a:solidFill>
-            <a:prstDash val="solid"/>
-          </a:ln>
-          <a:effectLst/>
-        </p:spPr>
-        <p:txBody>
-          <a:bodyPr rtlCol="0" anchor="ctr"/>
-          <a:lstStyle/>
-          <a:p>
-            <a:pPr marL="0" marR="0" indent="0" algn="ctr" defTabSz="914400" eaLnBrk="1" fontAlgn="auto" latinLnBrk="0" hangingPunct="1">
-              <a:lnSpc>
-                <a:spcPct val="100000"/>
-              </a:lnSpc>
-              <a:spcBef>
-                <a:spcPts val="0"/>
-              </a:spcBef>
-              <a:spcAft>
-                <a:spcPts val="0"/>
-              </a:spcAft>
-              <a:buClrTx/>
-              <a:buSzTx/>
-              <a:buFontTx/>
-              <a:buNone/>
-              <a:tabLst/>
-            </a:pPr>
-            <a:r>
-              <a:rPr lang="en-US" kern="0" dirty="0">
-                <a:solidFill>
-                  <a:srgbClr val="000000"/>
-                </a:solidFill>
-                <a:latin typeface="Bosch Office Sans"/>
-              </a:rPr>
-              <a:t>Output </a:t>
-            </a:r>
-            <a:r>
-              <a:rPr lang="en-US" kern="0" dirty="0" smtClean="0">
-                <a:solidFill>
-                  <a:srgbClr val="000000"/>
-                </a:solidFill>
-                <a:latin typeface="Bosch Office Sans"/>
-              </a:rPr>
-              <a:t>3 Image&lt;Dynamic</a:t>
-            </a:r>
-            <a:r>
-              <a:rPr lang="en-US" kern="0" dirty="0">
-                <a:solidFill>
-                  <a:srgbClr val="000000"/>
-                </a:solidFill>
-                <a:latin typeface="Bosch Office Sans"/>
-              </a:rPr>
-              <a:t>&gt;</a:t>
-            </a:r>
-            <a:endParaRPr lang="en-US" kern="0" dirty="0">
-              <a:solidFill>
-                <a:srgbClr val="000000"/>
-              </a:solidFill>
-              <a:latin typeface="Bosch Office Sans"/>
-            </a:endParaRPr>
-          </a:p>
-        </p:txBody>
-      </p:sp>
-      <p:sp>
-        <p:nvSpPr>
-          <p:cNvPr id="15" name="Rectangle 14"/>
-          <p:cNvSpPr/>
-          <p:nvPr/>
-        </p:nvSpPr>
-        <p:spPr>
-          <a:xfrm>
-            <a:off x="9800485" y="1251631"/>
-            <a:ext cx="817592" cy="541284"/>
-          </a:xfrm>
-          <a:prstGeom prst="rect">
-            <a:avLst/>
-          </a:prstGeom>
-          <a:noFill/>
-          <a:ln w="9525" cap="flat" cmpd="sng" algn="ctr">
-            <a:solidFill>
-              <a:srgbClr val="3F136C"/>
-            </a:solidFill>
-            <a:prstDash val="solid"/>
-          </a:ln>
-          <a:effectLst/>
-        </p:spPr>
-        <p:txBody>
-          <a:bodyPr rtlCol="0" anchor="ctr"/>
-          <a:lstStyle/>
-          <a:p>
-            <a:pPr marL="0" marR="0" indent="0" algn="ctr" defTabSz="914400" eaLnBrk="1" fontAlgn="auto" latinLnBrk="0" hangingPunct="1">
-              <a:lnSpc>
-                <a:spcPct val="100000"/>
-              </a:lnSpc>
-              <a:spcBef>
-                <a:spcPts val="0"/>
-              </a:spcBef>
-              <a:spcAft>
-                <a:spcPts val="0"/>
-              </a:spcAft>
-              <a:buClrTx/>
-              <a:buSzTx/>
-              <a:buFontTx/>
-              <a:buNone/>
-              <a:tabLst/>
-            </a:pPr>
-            <a:r>
-              <a:rPr kumimoji="0" lang="en-US" sz="1000" b="0" i="0" u="none" strike="noStrike" kern="0" cap="none" spc="0" normalizeH="0" baseline="0" noProof="0" dirty="0" smtClean="0">
-                <a:ln>
-                  <a:noFill/>
-                </a:ln>
-                <a:solidFill>
-                  <a:srgbClr val="000000"/>
-                </a:solidFill>
-                <a:effectLst/>
-                <a:uLnTx/>
-                <a:uFillTx/>
-                <a:latin typeface="Bosch Office Sans"/>
-                <a:ea typeface="+mn-ea"/>
-                <a:cs typeface="+mn-cs"/>
-              </a:rPr>
-              <a:t>Text1&lt;Dynamic&gt;</a:t>
-            </a:r>
-            <a:endParaRPr kumimoji="0" lang="en-US" sz="1000" b="0" i="0" u="none" strike="noStrike" kern="0" cap="none" spc="0" normalizeH="0" baseline="0" noProof="0" dirty="0" smtClean="0">
-              <a:ln>
-                <a:noFill/>
-              </a:ln>
-              <a:solidFill>
-                <a:srgbClr val="000000"/>
-              </a:solidFill>
-              <a:effectLst/>
-              <a:uLnTx/>
-              <a:uFillTx/>
-              <a:latin typeface="Bosch Office Sans"/>
-              <a:ea typeface="+mn-ea"/>
-              <a:cs typeface="+mn-cs"/>
-            </a:endParaRPr>
-          </a:p>
-        </p:txBody>
-      </p:sp>
-      <p:sp>
-        <p:nvSpPr>
-          <p:cNvPr id="16" name="Rectangle 15"/>
-          <p:cNvSpPr/>
-          <p:nvPr/>
-        </p:nvSpPr>
-        <p:spPr>
-          <a:xfrm>
-            <a:off x="9800485" y="2860700"/>
-            <a:ext cx="817592" cy="541284"/>
-          </a:xfrm>
-          <a:prstGeom prst="rect">
-            <a:avLst/>
-          </a:prstGeom>
-          <a:noFill/>
-          <a:ln w="9525" cap="flat" cmpd="sng" algn="ctr">
-            <a:solidFill>
-              <a:srgbClr val="3F136C"/>
-            </a:solidFill>
-            <a:prstDash val="solid"/>
-          </a:ln>
-          <a:effectLst/>
-        </p:spPr>
-        <p:txBody>
-          <a:bodyPr rtlCol="0" anchor="ctr"/>
-          <a:lstStyle/>
-          <a:p>
-            <a:pPr marL="0" marR="0" indent="0" algn="ctr" defTabSz="914400" eaLnBrk="1" fontAlgn="auto" latinLnBrk="0" hangingPunct="1">
-              <a:lnSpc>
-                <a:spcPct val="100000"/>
-              </a:lnSpc>
-              <a:spcBef>
-                <a:spcPts val="0"/>
-              </a:spcBef>
-              <a:spcAft>
-                <a:spcPts val="0"/>
-              </a:spcAft>
-              <a:buClrTx/>
-              <a:buSzTx/>
-              <a:buFontTx/>
-              <a:buNone/>
-              <a:tabLst/>
-            </a:pPr>
-            <a:r>
-              <a:rPr lang="en-US" sz="1050" kern="0" dirty="0" smtClean="0">
-                <a:solidFill>
-                  <a:srgbClr val="000000"/>
-                </a:solidFill>
-                <a:latin typeface="Bosch Office Sans"/>
-              </a:rPr>
-              <a:t>Text2&lt;Dynamic</a:t>
-            </a:r>
-            <a:r>
-              <a:rPr lang="en-US" sz="1050" kern="0" dirty="0">
-                <a:solidFill>
-                  <a:srgbClr val="000000"/>
-                </a:solidFill>
-                <a:latin typeface="Bosch Office Sans"/>
-              </a:rPr>
-              <a:t>&gt;</a:t>
-            </a:r>
-          </a:p>
-        </p:txBody>
-      </p:sp>
-      <p:sp>
-        <p:nvSpPr>
-          <p:cNvPr id="17" name="Rectangle 16"/>
-          <p:cNvSpPr/>
-          <p:nvPr/>
-        </p:nvSpPr>
-        <p:spPr>
-          <a:xfrm>
-            <a:off x="9800485" y="4400465"/>
-            <a:ext cx="817592" cy="541284"/>
-          </a:xfrm>
-          <a:prstGeom prst="rect">
-            <a:avLst/>
-          </a:prstGeom>
-          <a:noFill/>
-          <a:ln w="9525" cap="flat" cmpd="sng" algn="ctr">
-            <a:solidFill>
-              <a:srgbClr val="3F136C"/>
-            </a:solidFill>
-            <a:prstDash val="solid"/>
-          </a:ln>
-          <a:effectLst/>
-        </p:spPr>
-        <p:txBody>
-          <a:bodyPr rtlCol="0" anchor="ctr"/>
-          <a:lstStyle/>
-          <a:p>
-            <a:pPr marL="0" marR="0" indent="0" algn="ctr" defTabSz="914400" eaLnBrk="1" fontAlgn="auto" latinLnBrk="0" hangingPunct="1">
-              <a:lnSpc>
-                <a:spcPct val="100000"/>
-              </a:lnSpc>
-              <a:spcBef>
-                <a:spcPts val="0"/>
-              </a:spcBef>
-              <a:spcAft>
-                <a:spcPts val="0"/>
-              </a:spcAft>
-              <a:buClrTx/>
-              <a:buSzTx/>
-              <a:buFontTx/>
-              <a:buNone/>
-              <a:tabLst/>
-            </a:pPr>
-            <a:r>
-              <a:rPr lang="en-US" sz="1000" kern="0" dirty="0" smtClean="0">
-                <a:solidFill>
-                  <a:srgbClr val="000000"/>
-                </a:solidFill>
-                <a:latin typeface="Bosch Office Sans"/>
-              </a:rPr>
-              <a:t>Text3&lt;Dynamic</a:t>
-            </a:r>
-            <a:r>
-              <a:rPr lang="en-US" sz="1000" kern="0" dirty="0">
-                <a:solidFill>
-                  <a:srgbClr val="000000"/>
-                </a:solidFill>
-                <a:latin typeface="Bosch Office Sans"/>
-              </a:rPr>
-              <a:t>&gt;</a:t>
-            </a:r>
-            <a:endParaRPr lang="en-US" sz="1000" kern="0" dirty="0">
-              <a:solidFill>
-                <a:srgbClr val="000000"/>
-              </a:solidFill>
-              <a:latin typeface="Bosch Office Sans"/>
-            </a:endParaRPr>
-          </a:p>
-        </p:txBody>
-      </p:sp>
-      <p:sp>
-        <p:nvSpPr>
-          <p:cNvPr id="19" name="Rectangle 18"/>
-          <p:cNvSpPr/>
-          <p:nvPr/>
-        </p:nvSpPr>
-        <p:spPr>
-          <a:xfrm>
-            <a:off x="3707463" y="2860700"/>
-            <a:ext cx="2056973" cy="369332"/>
-          </a:xfrm>
-          <a:prstGeom prst="rect">
-            <a:avLst/>
-          </a:prstGeom>
-        </p:spPr>
-        <p:txBody>
-          <a:bodyPr wrap="none">
-            <a:spAutoFit/>
-          </a:bodyPr>
-          <a:lstStyle/>
-          <a:p>
-            <a:pPr marL="0" marR="0" indent="0" algn="ctr" defTabSz="914400" eaLnBrk="1" fontAlgn="auto" latinLnBrk="0" hangingPunct="1">
-              <a:lnSpc>
-                <a:spcPct val="100000"/>
-              </a:lnSpc>
-              <a:spcBef>
-                <a:spcPts val="0"/>
-              </a:spcBef>
-              <a:spcAft>
-                <a:spcPts val="0"/>
-              </a:spcAft>
-              <a:buClrTx/>
-              <a:buSzTx/>
-              <a:buFontTx/>
-              <a:buNone/>
-              <a:tabLst/>
-            </a:pPr>
-            <a:r>
-              <a:rPr lang="en-US" kern="0" dirty="0" smtClean="0">
-                <a:solidFill>
-                  <a:srgbClr val="000000"/>
-                </a:solidFill>
-                <a:latin typeface="Bosch Office Sans"/>
-              </a:rPr>
-              <a:t>Image &lt;Dynamic&gt;</a:t>
-            </a:r>
-            <a:endParaRPr lang="en-US" kern="0" dirty="0">
-              <a:solidFill>
-                <a:srgbClr val="000000"/>
-              </a:solidFill>
-              <a:latin typeface="Bosch Office Sans"/>
-            </a:endParaRPr>
-          </a:p>
-        </p:txBody>
-      </p:sp>
-      <p:sp>
-        <p:nvSpPr>
-          <p:cNvPr id="21" name="Rectangle 20"/>
-          <p:cNvSpPr/>
-          <p:nvPr/>
-        </p:nvSpPr>
-        <p:spPr>
-          <a:xfrm>
-            <a:off x="828160" y="3720413"/>
-            <a:ext cx="1332186" cy="436919"/>
-          </a:xfrm>
-          <a:prstGeom prst="rect">
-            <a:avLst/>
-          </a:prstGeom>
-          <a:noFill/>
-          <a:ln w="9525" cap="flat" cmpd="sng" algn="ctr">
-            <a:solidFill>
-              <a:srgbClr val="3F136C"/>
-            </a:solidFill>
-            <a:prstDash val="solid"/>
-          </a:ln>
-          <a:effectLst/>
-        </p:spPr>
-        <p:txBody>
-          <a:bodyPr rtlCol="0" anchor="ctr"/>
-          <a:lstStyle/>
-          <a:p>
-            <a:pPr marL="0" marR="0" indent="0" algn="ctr" defTabSz="914400" eaLnBrk="1" fontAlgn="auto" latinLnBrk="0" hangingPunct="1">
-              <a:lnSpc>
-                <a:spcPct val="100000"/>
-              </a:lnSpc>
-              <a:spcBef>
-                <a:spcPts val="0"/>
-              </a:spcBef>
-              <a:spcAft>
-                <a:spcPts val="0"/>
-              </a:spcAft>
-              <a:buClrTx/>
-              <a:buSzTx/>
-              <a:buFontTx/>
-              <a:buNone/>
-              <a:tabLst/>
-            </a:pPr>
-            <a:r>
-              <a:rPr kumimoji="0" lang="en-US" sz="1800" b="0" i="0" u="none" strike="noStrike" kern="0" cap="none" spc="0" normalizeH="0" baseline="0" noProof="0" dirty="0" smtClean="0">
-                <a:ln>
-                  <a:noFill/>
-                </a:ln>
-                <a:solidFill>
-                  <a:srgbClr val="000000"/>
-                </a:solidFill>
-                <a:effectLst/>
-                <a:uLnTx/>
-                <a:uFillTx/>
-                <a:latin typeface="Bosch Office Sans"/>
-                <a:ea typeface="+mn-ea"/>
-                <a:cs typeface="+mn-cs"/>
-              </a:rPr>
-              <a:t>Evaluate</a:t>
-            </a:r>
-            <a:endParaRPr kumimoji="0" lang="en-US" sz="1800" b="0" i="0" u="none" strike="noStrike" kern="0" cap="none" spc="0" normalizeH="0" baseline="0" noProof="0" dirty="0" smtClean="0">
-              <a:ln>
-                <a:noFill/>
-              </a:ln>
-              <a:solidFill>
-                <a:srgbClr val="000000"/>
-              </a:solidFill>
-              <a:effectLst/>
-              <a:uLnTx/>
-              <a:uFillTx/>
-              <a:latin typeface="Bosch Office Sans"/>
-              <a:ea typeface="+mn-ea"/>
-              <a:cs typeface="+mn-cs"/>
-            </a:endParaRPr>
-          </a:p>
-        </p:txBody>
-      </p:sp>
-    </p:spTree>
-    <p:extLst>
-      <p:ext uri="{BB962C8B-B14F-4D97-AF65-F5344CB8AC3E}">
-        <p14:creationId xmlns:p14="http://schemas.microsoft.com/office/powerpoint/2010/main" val="3661694646"/>
-      </p:ext>
-    </p:extLst>
-  </p:cSld>
-  <p:clrMapOvr>
-    <a:masterClrMapping/>
-  </p:clrMapOvr>
-</p:sld>
-</file>
-
-<file path=ppt/slides/slide19.xml><?xml version="1.0" encoding="utf-8"?>
-<p:sld xmlns:a="http://schemas.openxmlformats.org/drawingml/2006/main" xmlns:r="http://schemas.openxmlformats.org/officeDocument/2006/relationships" xmlns:p="http://schemas.openxmlformats.org/presentationml/2006/main">
-  <p:cSld>
-    <p:spTree>
-      <p:nvGrpSpPr>
-        <p:cNvPr id="1" name=""/>
-        <p:cNvGrpSpPr/>
-        <p:nvPr/>
-      </p:nvGrpSpPr>
-      <p:grpSpPr>
-        <a:xfrm>
-          <a:off x="0" y="0"/>
-          <a:ext cx="0" cy="0"/>
-          <a:chOff x="0" y="0"/>
-          <a:chExt cx="0" cy="0"/>
-        </a:xfrm>
-      </p:grpSpPr>
-      <p:sp>
-        <p:nvSpPr>
           <p:cNvPr id="2" name="Title 1"/>
           <p:cNvSpPr>
             <a:spLocks noGrp="1"/>
@@ -19935,33 +18935,6 @@
 </file>
 
 <file path=customXml/item1.xml><?xml version="1.0" encoding="utf-8"?>
-<sax_ColorSelect>
-  <Line>
-    <Color val="D70012"/>
-    <Color val="EA6876"/>
-    <Color val="a80163"/>
-    <Color val="D067AD"/>
-    <Color val="3f136c"/>
-    <Color val="967CB1"/>
-    <Color val="08427e"/>
-    <Color val="6D9ABC"/>
-    <Color val="0e78c5"/>
-    <Color val="6FB9E2"/>
-    <Color val="1399a0"/>
-    <Color val="6FC9CC"/>
-    <Color val="67b419"/>
-    <Color val="AEDB7D"/>
-    <Color val="0a5139"/>
-    <Color val="6EA293"/>
-    <Color val="999FA6"/>
-    <Color val="D7D7D7"/>
-    <Color val="000000"/>
-    <Color val="FFFFFF"/>
-  </Line>
-</sax_ColorSelect>
-</file>
-
-<file path=customXml/item2.xml><?xml version="1.0" encoding="utf-8"?>
 <saxML>
   <saxMLTemplate>presentation_169</saxMLTemplate>
   <Variablen>
@@ -20110,14 +19083,41 @@
 </saxML>
 </file>
 
+<file path=customXml/item2.xml><?xml version="1.0" encoding="utf-8"?>
+<sax_ColorSelect>
+  <Line>
+    <Color val="D70012"/>
+    <Color val="EA6876"/>
+    <Color val="a80163"/>
+    <Color val="D067AD"/>
+    <Color val="3f136c"/>
+    <Color val="967CB1"/>
+    <Color val="08427e"/>
+    <Color val="6D9ABC"/>
+    <Color val="0e78c5"/>
+    <Color val="6FB9E2"/>
+    <Color val="1399a0"/>
+    <Color val="6FC9CC"/>
+    <Color val="67b419"/>
+    <Color val="AEDB7D"/>
+    <Color val="0a5139"/>
+    <Color val="6EA293"/>
+    <Color val="999FA6"/>
+    <Color val="D7D7D7"/>
+    <Color val="000000"/>
+    <Color val="FFFFFF"/>
+  </Line>
+</sax_ColorSelect>
+</file>
+
 <file path=customXml/itemProps1.xml><?xml version="1.0" encoding="utf-8"?>
-<ds:datastoreItem xmlns:ds="http://schemas.openxmlformats.org/officeDocument/2006/customXml" ds:itemID="{304CF217-3C90-4AA0-B541-CE45F9BD305E}">
+<ds:datastoreItem xmlns:ds="http://schemas.openxmlformats.org/officeDocument/2006/customXml" ds:itemID="{D0252559-44F8-474C-B66D-E357B88E32C2}">
   <ds:schemaRefs/>
 </ds:datastoreItem>
 </file>
 
 <file path=customXml/itemProps2.xml><?xml version="1.0" encoding="utf-8"?>
-<ds:datastoreItem xmlns:ds="http://schemas.openxmlformats.org/officeDocument/2006/customXml" ds:itemID="{D0252559-44F8-474C-B66D-E357B88E32C2}">
+<ds:datastoreItem xmlns:ds="http://schemas.openxmlformats.org/officeDocument/2006/customXml" ds:itemID="{304CF217-3C90-4AA0-B541-CE45F9BD305E}">
   <ds:schemaRefs/>
 </ds:datastoreItem>
 </file>
--- a/intel_ocr/docs/intel_review_5thNov_V2.0.pptx
+++ b/intel_ocr/docs/intel_review_5thNov_V2.0.pptx
@@ -6,7 +6,7 @@
     <p:sldMasterId id="2147483748" r:id="rId4"/>
   </p:sldMasterIdLst>
   <p:notesMasterIdLst>
-    <p:notesMasterId r:id="rId23"/>
+    <p:notesMasterId r:id="rId24"/>
   </p:notesMasterIdLst>
   <p:sldIdLst>
     <p:sldId id="256" r:id="rId5"/>
@@ -26,12 +26,13 @@
     <p:sldId id="276" r:id="rId19"/>
     <p:sldId id="277" r:id="rId20"/>
     <p:sldId id="268" r:id="rId21"/>
-    <p:sldId id="267" r:id="rId22"/>
+    <p:sldId id="279" r:id="rId22"/>
+    <p:sldId id="267" r:id="rId23"/>
   </p:sldIdLst>
   <p:sldSz cx="10969625" cy="6170613"/>
   <p:notesSz cx="6858000" cy="9144000"/>
   <p:custDataLst>
-    <p:tags r:id="rId24"/>
+    <p:tags r:id="rId25"/>
   </p:custDataLst>
   <p:defaultTextStyle>
     <a:defPPr>
@@ -13917,6 +13918,959 @@
       </p:grpSpPr>
       <p:sp>
         <p:nvSpPr>
+          <p:cNvPr id="2" name="Text Placeholder 1"/>
+          <p:cNvSpPr>
+            <a:spLocks noGrp="1"/>
+          </p:cNvSpPr>
+          <p:nvPr>
+            <p:ph type="body" sz="quarter" idx="15"/>
+          </p:nvPr>
+        </p:nvSpPr>
+        <p:spPr/>
+        <p:txBody>
+          <a:bodyPr/>
+          <a:lstStyle/>
+          <a:p>
+            <a:r>
+              <a:rPr lang="en-US" smtClean="0"/>
+              <a:t>GUI</a:t>
+            </a:r>
+            <a:endParaRPr lang="en-US"/>
+          </a:p>
+        </p:txBody>
+      </p:sp>
+      <p:sp>
+        <p:nvSpPr>
+          <p:cNvPr id="6" name="Slide Number Placeholder 5"/>
+          <p:cNvSpPr>
+            <a:spLocks noGrp="1"/>
+          </p:cNvSpPr>
+          <p:nvPr>
+            <p:ph type="sldNum" sz="quarter" idx="12"/>
+          </p:nvPr>
+        </p:nvSpPr>
+        <p:spPr/>
+        <p:txBody>
+          <a:bodyPr/>
+          <a:lstStyle/>
+          <a:p>
+            <a:fld id="{4898AEC0-503E-4FA4-859C-D0F72D6E3F79}" type="slidenum">
+              <a:rPr lang="de-DE" smtClean="0"/>
+              <a:pPr/>
+              <a:t>18</a:t>
+            </a:fld>
+            <a:endParaRPr lang="de-DE"/>
+          </a:p>
+        </p:txBody>
+      </p:sp>
+      <p:sp>
+        <p:nvSpPr>
+          <p:cNvPr id="7" name="Rectangle 6"/>
+          <p:cNvSpPr/>
+          <p:nvPr/>
+        </p:nvSpPr>
+        <p:spPr>
+          <a:xfrm>
+            <a:off x="266700" y="772510"/>
+            <a:ext cx="10443300" cy="4658711"/>
+          </a:xfrm>
+          <a:prstGeom prst="rect">
+            <a:avLst/>
+          </a:prstGeom>
+          <a:noFill/>
+          <a:ln w="9525" cap="flat" cmpd="sng" algn="ctr">
+            <a:solidFill>
+              <a:srgbClr val="3F136C"/>
+            </a:solidFill>
+            <a:prstDash val="solid"/>
+          </a:ln>
+          <a:effectLst/>
+        </p:spPr>
+        <p:txBody>
+          <a:bodyPr rtlCol="0" anchor="ctr"/>
+          <a:lstStyle/>
+          <a:p>
+            <a:pPr marL="0" marR="0" indent="0" algn="ctr" defTabSz="914400" eaLnBrk="1" fontAlgn="auto" latinLnBrk="0" hangingPunct="1">
+              <a:lnSpc>
+                <a:spcPct val="100000"/>
+              </a:lnSpc>
+              <a:spcBef>
+                <a:spcPts val="0"/>
+              </a:spcBef>
+              <a:spcAft>
+                <a:spcPts val="0"/>
+              </a:spcAft>
+              <a:buClrTx/>
+              <a:buSzTx/>
+              <a:buFontTx/>
+              <a:buNone/>
+              <a:tabLst/>
+            </a:pPr>
+            <a:endParaRPr kumimoji="0" lang="en-US" sz="1800" b="0" i="0" u="none" strike="noStrike" kern="0" cap="none" spc="0" normalizeH="0" baseline="0" noProof="0" dirty="0" smtClean="0">
+              <a:ln>
+                <a:noFill/>
+              </a:ln>
+              <a:solidFill>
+                <a:srgbClr val="000000"/>
+              </a:solidFill>
+              <a:effectLst/>
+              <a:uLnTx/>
+              <a:uFillTx/>
+              <a:latin typeface="Bosch Office Sans"/>
+              <a:ea typeface="+mn-ea"/>
+              <a:cs typeface="+mn-cs"/>
+            </a:endParaRPr>
+          </a:p>
+        </p:txBody>
+      </p:sp>
+      <p:sp>
+        <p:nvSpPr>
+          <p:cNvPr id="8" name="Rectangle 7"/>
+          <p:cNvSpPr/>
+          <p:nvPr/>
+        </p:nvSpPr>
+        <p:spPr>
+          <a:xfrm>
+            <a:off x="410845" y="1008993"/>
+            <a:ext cx="2166817" cy="441435"/>
+          </a:xfrm>
+          <a:prstGeom prst="rect">
+            <a:avLst/>
+          </a:prstGeom>
+          <a:noFill/>
+          <a:ln w="9525" cap="flat" cmpd="sng" algn="ctr">
+            <a:solidFill>
+              <a:srgbClr val="3F136C"/>
+            </a:solidFill>
+            <a:prstDash val="solid"/>
+          </a:ln>
+          <a:effectLst/>
+        </p:spPr>
+        <p:txBody>
+          <a:bodyPr rtlCol="0" anchor="ctr"/>
+          <a:lstStyle/>
+          <a:p>
+            <a:pPr marL="0" marR="0" indent="0" algn="ctr" defTabSz="914400" eaLnBrk="1" fontAlgn="auto" latinLnBrk="0" hangingPunct="1">
+              <a:lnSpc>
+                <a:spcPct val="100000"/>
+              </a:lnSpc>
+              <a:spcBef>
+                <a:spcPts val="0"/>
+              </a:spcBef>
+              <a:spcAft>
+                <a:spcPts val="0"/>
+              </a:spcAft>
+              <a:buClrTx/>
+              <a:buSzTx/>
+              <a:buFontTx/>
+              <a:buNone/>
+              <a:tabLst/>
+            </a:pPr>
+            <a:r>
+              <a:rPr kumimoji="0" lang="en-US" sz="1800" b="0" i="0" u="none" strike="noStrike" kern="0" cap="none" spc="0" normalizeH="0" baseline="0" noProof="0" dirty="0" smtClean="0">
+                <a:ln>
+                  <a:noFill/>
+                </a:ln>
+                <a:solidFill>
+                  <a:srgbClr val="000000"/>
+                </a:solidFill>
+                <a:effectLst/>
+                <a:uLnTx/>
+                <a:uFillTx/>
+                <a:latin typeface="Bosch Office Sans"/>
+                <a:ea typeface="+mn-ea"/>
+                <a:cs typeface="+mn-cs"/>
+              </a:rPr>
+              <a:t>Equation</a:t>
+            </a:r>
+            <a:r>
+              <a:rPr kumimoji="0" lang="en-US" sz="1800" b="0" i="0" u="none" strike="noStrike" kern="0" cap="none" spc="0" normalizeH="0" noProof="0" dirty="0" smtClean="0">
+                <a:ln>
+                  <a:noFill/>
+                </a:ln>
+                <a:solidFill>
+                  <a:srgbClr val="000000"/>
+                </a:solidFill>
+                <a:effectLst/>
+                <a:uLnTx/>
+                <a:uFillTx/>
+                <a:latin typeface="Bosch Office Sans"/>
+                <a:ea typeface="+mn-ea"/>
+                <a:cs typeface="+mn-cs"/>
+              </a:rPr>
+              <a:t> 1&lt;Static&gt;</a:t>
+            </a:r>
+            <a:endParaRPr kumimoji="0" lang="en-US" sz="1800" b="0" i="0" u="none" strike="noStrike" kern="0" cap="none" spc="0" normalizeH="0" baseline="0" noProof="0" dirty="0" smtClean="0">
+              <a:ln>
+                <a:noFill/>
+              </a:ln>
+              <a:solidFill>
+                <a:srgbClr val="000000"/>
+              </a:solidFill>
+              <a:effectLst/>
+              <a:uLnTx/>
+              <a:uFillTx/>
+              <a:latin typeface="Bosch Office Sans"/>
+              <a:ea typeface="+mn-ea"/>
+              <a:cs typeface="+mn-cs"/>
+            </a:endParaRPr>
+          </a:p>
+        </p:txBody>
+      </p:sp>
+      <p:sp>
+        <p:nvSpPr>
+          <p:cNvPr id="9" name="Rectangle 8"/>
+          <p:cNvSpPr/>
+          <p:nvPr/>
+        </p:nvSpPr>
+        <p:spPr>
+          <a:xfrm>
+            <a:off x="410845" y="1702677"/>
+            <a:ext cx="2166817" cy="441435"/>
+          </a:xfrm>
+          <a:prstGeom prst="rect">
+            <a:avLst/>
+          </a:prstGeom>
+          <a:noFill/>
+          <a:ln w="9525" cap="flat" cmpd="sng" algn="ctr">
+            <a:solidFill>
+              <a:srgbClr val="3F136C"/>
+            </a:solidFill>
+            <a:prstDash val="solid"/>
+          </a:ln>
+          <a:effectLst/>
+        </p:spPr>
+        <p:txBody>
+          <a:bodyPr rtlCol="0" anchor="ctr"/>
+          <a:lstStyle/>
+          <a:p>
+            <a:pPr marL="0" marR="0" indent="0" algn="ctr" defTabSz="914400" eaLnBrk="1" fontAlgn="auto" latinLnBrk="0" hangingPunct="1">
+              <a:lnSpc>
+                <a:spcPct val="100000"/>
+              </a:lnSpc>
+              <a:spcBef>
+                <a:spcPts val="0"/>
+              </a:spcBef>
+              <a:spcAft>
+                <a:spcPts val="0"/>
+              </a:spcAft>
+              <a:buClrTx/>
+              <a:buSzTx/>
+              <a:buFontTx/>
+              <a:buNone/>
+              <a:tabLst/>
+            </a:pPr>
+            <a:r>
+              <a:rPr lang="en-US" kern="0" dirty="0">
+                <a:solidFill>
+                  <a:srgbClr val="000000"/>
+                </a:solidFill>
+                <a:latin typeface="Bosch Office Sans"/>
+              </a:rPr>
+              <a:t>Equation </a:t>
+            </a:r>
+            <a:r>
+              <a:rPr lang="en-US" kern="0" dirty="0" smtClean="0">
+                <a:solidFill>
+                  <a:srgbClr val="000000"/>
+                </a:solidFill>
+                <a:latin typeface="Bosch Office Sans"/>
+              </a:rPr>
+              <a:t>2&lt;Static</a:t>
+            </a:r>
+            <a:r>
+              <a:rPr lang="en-US" kern="0" dirty="0">
+                <a:solidFill>
+                  <a:srgbClr val="000000"/>
+                </a:solidFill>
+                <a:latin typeface="Bosch Office Sans"/>
+              </a:rPr>
+              <a:t>&gt;</a:t>
+            </a:r>
+          </a:p>
+        </p:txBody>
+      </p:sp>
+      <p:sp>
+        <p:nvSpPr>
+          <p:cNvPr id="10" name="Rectangle 9"/>
+          <p:cNvSpPr/>
+          <p:nvPr/>
+        </p:nvSpPr>
+        <p:spPr>
+          <a:xfrm>
+            <a:off x="410845" y="2442009"/>
+            <a:ext cx="2166817" cy="441435"/>
+          </a:xfrm>
+          <a:prstGeom prst="rect">
+            <a:avLst/>
+          </a:prstGeom>
+          <a:noFill/>
+          <a:ln w="9525" cap="flat" cmpd="sng" algn="ctr">
+            <a:solidFill>
+              <a:srgbClr val="3F136C"/>
+            </a:solidFill>
+            <a:prstDash val="solid"/>
+          </a:ln>
+          <a:effectLst/>
+        </p:spPr>
+        <p:txBody>
+          <a:bodyPr rtlCol="0" anchor="ctr"/>
+          <a:lstStyle/>
+          <a:p>
+            <a:pPr marL="0" marR="0" indent="0" algn="ctr" defTabSz="914400" eaLnBrk="1" fontAlgn="auto" latinLnBrk="0" hangingPunct="1">
+              <a:lnSpc>
+                <a:spcPct val="100000"/>
+              </a:lnSpc>
+              <a:spcBef>
+                <a:spcPts val="0"/>
+              </a:spcBef>
+              <a:spcAft>
+                <a:spcPts val="0"/>
+              </a:spcAft>
+              <a:buClrTx/>
+              <a:buSzTx/>
+              <a:buFontTx/>
+              <a:buNone/>
+              <a:tabLst/>
+            </a:pPr>
+            <a:r>
+              <a:rPr lang="en-US" kern="0" dirty="0">
+                <a:solidFill>
+                  <a:srgbClr val="000000"/>
+                </a:solidFill>
+                <a:latin typeface="Bosch Office Sans"/>
+              </a:rPr>
+              <a:t>Equation </a:t>
+            </a:r>
+            <a:r>
+              <a:rPr lang="en-US" kern="0" dirty="0" smtClean="0">
+                <a:solidFill>
+                  <a:srgbClr val="000000"/>
+                </a:solidFill>
+                <a:latin typeface="Bosch Office Sans"/>
+              </a:rPr>
+              <a:t>3&lt;Static</a:t>
+            </a:r>
+            <a:r>
+              <a:rPr lang="en-US" kern="0" dirty="0">
+                <a:solidFill>
+                  <a:srgbClr val="000000"/>
+                </a:solidFill>
+                <a:latin typeface="Bosch Office Sans"/>
+              </a:rPr>
+              <a:t>&gt;</a:t>
+            </a:r>
+          </a:p>
+        </p:txBody>
+      </p:sp>
+      <p:sp>
+        <p:nvSpPr>
+          <p:cNvPr id="11" name="Rectangle 10"/>
+          <p:cNvSpPr/>
+          <p:nvPr/>
+        </p:nvSpPr>
+        <p:spPr>
+          <a:xfrm>
+            <a:off x="2956032" y="1008993"/>
+            <a:ext cx="3318641" cy="4300220"/>
+          </a:xfrm>
+          <a:prstGeom prst="rect">
+            <a:avLst/>
+          </a:prstGeom>
+          <a:noFill/>
+          <a:ln w="9525" cap="flat" cmpd="sng" algn="ctr">
+            <a:solidFill>
+              <a:srgbClr val="3F136C"/>
+            </a:solidFill>
+            <a:prstDash val="solid"/>
+          </a:ln>
+          <a:effectLst/>
+        </p:spPr>
+        <p:txBody>
+          <a:bodyPr rtlCol="0" anchor="ctr"/>
+          <a:lstStyle/>
+          <a:p>
+            <a:pPr marL="0" marR="0" indent="0" algn="ctr" defTabSz="914400" eaLnBrk="1" fontAlgn="auto" latinLnBrk="0" hangingPunct="1">
+              <a:lnSpc>
+                <a:spcPct val="100000"/>
+              </a:lnSpc>
+              <a:spcBef>
+                <a:spcPts val="0"/>
+              </a:spcBef>
+              <a:spcAft>
+                <a:spcPts val="0"/>
+              </a:spcAft>
+              <a:buClrTx/>
+              <a:buSzTx/>
+              <a:buFontTx/>
+              <a:buNone/>
+              <a:tabLst/>
+            </a:pPr>
+            <a:endParaRPr kumimoji="0" lang="en-US" sz="1800" b="0" i="0" u="none" strike="noStrike" kern="0" cap="none" spc="0" normalizeH="0" baseline="0" noProof="0" dirty="0" smtClean="0">
+              <a:ln>
+                <a:noFill/>
+              </a:ln>
+              <a:solidFill>
+                <a:srgbClr val="000000"/>
+              </a:solidFill>
+              <a:effectLst/>
+              <a:uLnTx/>
+              <a:uFillTx/>
+              <a:latin typeface="Bosch Office Sans"/>
+              <a:ea typeface="+mn-ea"/>
+              <a:cs typeface="+mn-cs"/>
+            </a:endParaRPr>
+          </a:p>
+        </p:txBody>
+      </p:sp>
+      <p:sp>
+        <p:nvSpPr>
+          <p:cNvPr id="12" name="Rectangle 11"/>
+          <p:cNvSpPr/>
+          <p:nvPr/>
+        </p:nvSpPr>
+        <p:spPr>
+          <a:xfrm>
+            <a:off x="6395544" y="1008993"/>
+            <a:ext cx="3318641" cy="1381541"/>
+          </a:xfrm>
+          <a:prstGeom prst="rect">
+            <a:avLst/>
+          </a:prstGeom>
+          <a:noFill/>
+          <a:ln w="9525" cap="flat" cmpd="sng" algn="ctr">
+            <a:solidFill>
+              <a:srgbClr val="3F136C"/>
+            </a:solidFill>
+            <a:prstDash val="solid"/>
+          </a:ln>
+          <a:effectLst/>
+        </p:spPr>
+        <p:txBody>
+          <a:bodyPr rtlCol="0" anchor="ctr"/>
+          <a:lstStyle/>
+          <a:p>
+            <a:pPr marL="0" marR="0" indent="0" algn="ctr" defTabSz="914400" eaLnBrk="1" fontAlgn="auto" latinLnBrk="0" hangingPunct="1">
+              <a:lnSpc>
+                <a:spcPct val="100000"/>
+              </a:lnSpc>
+              <a:spcBef>
+                <a:spcPts val="0"/>
+              </a:spcBef>
+              <a:spcAft>
+                <a:spcPts val="0"/>
+              </a:spcAft>
+              <a:buClrTx/>
+              <a:buSzTx/>
+              <a:buFontTx/>
+              <a:buNone/>
+              <a:tabLst/>
+            </a:pPr>
+            <a:r>
+              <a:rPr lang="en-US" kern="0" dirty="0" smtClean="0">
+                <a:solidFill>
+                  <a:srgbClr val="000000"/>
+                </a:solidFill>
+                <a:latin typeface="Bosch Office Sans"/>
+              </a:rPr>
+              <a:t>Output 1 Image&lt;Dynamic&gt;</a:t>
+            </a:r>
+            <a:endParaRPr lang="en-US" kern="0" dirty="0">
+              <a:solidFill>
+                <a:srgbClr val="000000"/>
+              </a:solidFill>
+              <a:latin typeface="Bosch Office Sans"/>
+            </a:endParaRPr>
+          </a:p>
+        </p:txBody>
+      </p:sp>
+      <p:sp>
+        <p:nvSpPr>
+          <p:cNvPr id="13" name="Rectangle 12"/>
+          <p:cNvSpPr/>
+          <p:nvPr/>
+        </p:nvSpPr>
+        <p:spPr>
+          <a:xfrm>
+            <a:off x="6395542" y="2390534"/>
+            <a:ext cx="3318641" cy="1448369"/>
+          </a:xfrm>
+          <a:prstGeom prst="rect">
+            <a:avLst/>
+          </a:prstGeom>
+          <a:noFill/>
+          <a:ln w="9525" cap="flat" cmpd="sng" algn="ctr">
+            <a:solidFill>
+              <a:srgbClr val="3F136C"/>
+            </a:solidFill>
+            <a:prstDash val="solid"/>
+          </a:ln>
+          <a:effectLst/>
+        </p:spPr>
+        <p:txBody>
+          <a:bodyPr rtlCol="0" anchor="ctr"/>
+          <a:lstStyle/>
+          <a:p>
+            <a:pPr marL="0" marR="0" indent="0" algn="ctr" defTabSz="914400" eaLnBrk="1" fontAlgn="auto" latinLnBrk="0" hangingPunct="1">
+              <a:lnSpc>
+                <a:spcPct val="100000"/>
+              </a:lnSpc>
+              <a:spcBef>
+                <a:spcPts val="0"/>
+              </a:spcBef>
+              <a:spcAft>
+                <a:spcPts val="0"/>
+              </a:spcAft>
+              <a:buClrTx/>
+              <a:buSzTx/>
+              <a:buFontTx/>
+              <a:buNone/>
+              <a:tabLst/>
+            </a:pPr>
+            <a:r>
+              <a:rPr lang="en-US" kern="0" dirty="0">
+                <a:solidFill>
+                  <a:srgbClr val="000000"/>
+                </a:solidFill>
+                <a:latin typeface="Bosch Office Sans"/>
+              </a:rPr>
+              <a:t>Output </a:t>
+            </a:r>
+            <a:r>
+              <a:rPr lang="en-US" kern="0" dirty="0" smtClean="0">
+                <a:solidFill>
+                  <a:srgbClr val="000000"/>
+                </a:solidFill>
+                <a:latin typeface="Bosch Office Sans"/>
+              </a:rPr>
+              <a:t>2 Image&lt;Dynamic</a:t>
+            </a:r>
+            <a:r>
+              <a:rPr lang="en-US" kern="0" dirty="0">
+                <a:solidFill>
+                  <a:srgbClr val="000000"/>
+                </a:solidFill>
+                <a:latin typeface="Bosch Office Sans"/>
+              </a:rPr>
+              <a:t>&gt;</a:t>
+            </a:r>
+          </a:p>
+        </p:txBody>
+      </p:sp>
+      <p:sp>
+        <p:nvSpPr>
+          <p:cNvPr id="14" name="Rectangle 13"/>
+          <p:cNvSpPr/>
+          <p:nvPr/>
+        </p:nvSpPr>
+        <p:spPr>
+          <a:xfrm>
+            <a:off x="6395543" y="3838903"/>
+            <a:ext cx="3318641" cy="1468664"/>
+          </a:xfrm>
+          <a:prstGeom prst="rect">
+            <a:avLst/>
+          </a:prstGeom>
+          <a:noFill/>
+          <a:ln w="9525" cap="flat" cmpd="sng" algn="ctr">
+            <a:solidFill>
+              <a:srgbClr val="3F136C"/>
+            </a:solidFill>
+            <a:prstDash val="solid"/>
+          </a:ln>
+          <a:effectLst/>
+        </p:spPr>
+        <p:txBody>
+          <a:bodyPr rtlCol="0" anchor="ctr"/>
+          <a:lstStyle/>
+          <a:p>
+            <a:pPr marL="0" marR="0" indent="0" algn="ctr" defTabSz="914400" eaLnBrk="1" fontAlgn="auto" latinLnBrk="0" hangingPunct="1">
+              <a:lnSpc>
+                <a:spcPct val="100000"/>
+              </a:lnSpc>
+              <a:spcBef>
+                <a:spcPts val="0"/>
+              </a:spcBef>
+              <a:spcAft>
+                <a:spcPts val="0"/>
+              </a:spcAft>
+              <a:buClrTx/>
+              <a:buSzTx/>
+              <a:buFontTx/>
+              <a:buNone/>
+              <a:tabLst/>
+            </a:pPr>
+            <a:r>
+              <a:rPr lang="en-US" kern="0" dirty="0">
+                <a:solidFill>
+                  <a:srgbClr val="000000"/>
+                </a:solidFill>
+                <a:latin typeface="Bosch Office Sans"/>
+              </a:rPr>
+              <a:t>Output </a:t>
+            </a:r>
+            <a:r>
+              <a:rPr lang="en-US" kern="0" dirty="0" smtClean="0">
+                <a:solidFill>
+                  <a:srgbClr val="000000"/>
+                </a:solidFill>
+                <a:latin typeface="Bosch Office Sans"/>
+              </a:rPr>
+              <a:t>3 Image&lt;Dynamic</a:t>
+            </a:r>
+            <a:r>
+              <a:rPr lang="en-US" kern="0" dirty="0">
+                <a:solidFill>
+                  <a:srgbClr val="000000"/>
+                </a:solidFill>
+                <a:latin typeface="Bosch Office Sans"/>
+              </a:rPr>
+              <a:t>&gt;</a:t>
+            </a:r>
+          </a:p>
+        </p:txBody>
+      </p:sp>
+      <p:sp>
+        <p:nvSpPr>
+          <p:cNvPr id="15" name="Rectangle 14"/>
+          <p:cNvSpPr/>
+          <p:nvPr/>
+        </p:nvSpPr>
+        <p:spPr>
+          <a:xfrm>
+            <a:off x="9800485" y="1251631"/>
+            <a:ext cx="817592" cy="541284"/>
+          </a:xfrm>
+          <a:prstGeom prst="rect">
+            <a:avLst/>
+          </a:prstGeom>
+          <a:noFill/>
+          <a:ln w="9525" cap="flat" cmpd="sng" algn="ctr">
+            <a:solidFill>
+              <a:srgbClr val="3F136C"/>
+            </a:solidFill>
+            <a:prstDash val="solid"/>
+          </a:ln>
+          <a:effectLst/>
+        </p:spPr>
+        <p:txBody>
+          <a:bodyPr rtlCol="0" anchor="ctr"/>
+          <a:lstStyle/>
+          <a:p>
+            <a:pPr marL="0" marR="0" indent="0" algn="ctr" defTabSz="914400" eaLnBrk="1" fontAlgn="auto" latinLnBrk="0" hangingPunct="1">
+              <a:lnSpc>
+                <a:spcPct val="100000"/>
+              </a:lnSpc>
+              <a:spcBef>
+                <a:spcPts val="0"/>
+              </a:spcBef>
+              <a:spcAft>
+                <a:spcPts val="0"/>
+              </a:spcAft>
+              <a:buClrTx/>
+              <a:buSzTx/>
+              <a:buFontTx/>
+              <a:buNone/>
+              <a:tabLst/>
+            </a:pPr>
+            <a:r>
+              <a:rPr kumimoji="0" lang="en-US" sz="1000" b="0" i="0" u="none" strike="noStrike" kern="0" cap="none" spc="0" normalizeH="0" baseline="0" noProof="0" dirty="0" smtClean="0">
+                <a:ln>
+                  <a:noFill/>
+                </a:ln>
+                <a:solidFill>
+                  <a:srgbClr val="000000"/>
+                </a:solidFill>
+                <a:effectLst/>
+                <a:uLnTx/>
+                <a:uFillTx/>
+                <a:latin typeface="Bosch Office Sans"/>
+                <a:ea typeface="+mn-ea"/>
+                <a:cs typeface="+mn-cs"/>
+              </a:rPr>
+              <a:t>Text1&lt;Dynamic&gt;</a:t>
+            </a:r>
+          </a:p>
+        </p:txBody>
+      </p:sp>
+      <p:sp>
+        <p:nvSpPr>
+          <p:cNvPr id="16" name="Rectangle 15"/>
+          <p:cNvSpPr/>
+          <p:nvPr/>
+        </p:nvSpPr>
+        <p:spPr>
+          <a:xfrm>
+            <a:off x="9800485" y="2860700"/>
+            <a:ext cx="817592" cy="541284"/>
+          </a:xfrm>
+          <a:prstGeom prst="rect">
+            <a:avLst/>
+          </a:prstGeom>
+          <a:noFill/>
+          <a:ln w="9525" cap="flat" cmpd="sng" algn="ctr">
+            <a:solidFill>
+              <a:srgbClr val="3F136C"/>
+            </a:solidFill>
+            <a:prstDash val="solid"/>
+          </a:ln>
+          <a:effectLst/>
+        </p:spPr>
+        <p:txBody>
+          <a:bodyPr rtlCol="0" anchor="ctr"/>
+          <a:lstStyle/>
+          <a:p>
+            <a:pPr marL="0" marR="0" indent="0" algn="ctr" defTabSz="914400" eaLnBrk="1" fontAlgn="auto" latinLnBrk="0" hangingPunct="1">
+              <a:lnSpc>
+                <a:spcPct val="100000"/>
+              </a:lnSpc>
+              <a:spcBef>
+                <a:spcPts val="0"/>
+              </a:spcBef>
+              <a:spcAft>
+                <a:spcPts val="0"/>
+              </a:spcAft>
+              <a:buClrTx/>
+              <a:buSzTx/>
+              <a:buFontTx/>
+              <a:buNone/>
+              <a:tabLst/>
+            </a:pPr>
+            <a:r>
+              <a:rPr lang="en-US" sz="1050" kern="0" dirty="0" smtClean="0">
+                <a:solidFill>
+                  <a:srgbClr val="000000"/>
+                </a:solidFill>
+                <a:latin typeface="Bosch Office Sans"/>
+              </a:rPr>
+              <a:t>Text2&lt;Dynamic</a:t>
+            </a:r>
+            <a:r>
+              <a:rPr lang="en-US" sz="1050" kern="0" dirty="0">
+                <a:solidFill>
+                  <a:srgbClr val="000000"/>
+                </a:solidFill>
+                <a:latin typeface="Bosch Office Sans"/>
+              </a:rPr>
+              <a:t>&gt;</a:t>
+            </a:r>
+          </a:p>
+        </p:txBody>
+      </p:sp>
+      <p:sp>
+        <p:nvSpPr>
+          <p:cNvPr id="17" name="Rectangle 16"/>
+          <p:cNvSpPr/>
+          <p:nvPr/>
+        </p:nvSpPr>
+        <p:spPr>
+          <a:xfrm>
+            <a:off x="9800485" y="4400465"/>
+            <a:ext cx="817592" cy="541284"/>
+          </a:xfrm>
+          <a:prstGeom prst="rect">
+            <a:avLst/>
+          </a:prstGeom>
+          <a:noFill/>
+          <a:ln w="9525" cap="flat" cmpd="sng" algn="ctr">
+            <a:solidFill>
+              <a:srgbClr val="3F136C"/>
+            </a:solidFill>
+            <a:prstDash val="solid"/>
+          </a:ln>
+          <a:effectLst/>
+        </p:spPr>
+        <p:txBody>
+          <a:bodyPr rtlCol="0" anchor="ctr"/>
+          <a:lstStyle/>
+          <a:p>
+            <a:pPr marL="0" marR="0" indent="0" algn="ctr" defTabSz="914400" eaLnBrk="1" fontAlgn="auto" latinLnBrk="0" hangingPunct="1">
+              <a:lnSpc>
+                <a:spcPct val="100000"/>
+              </a:lnSpc>
+              <a:spcBef>
+                <a:spcPts val="0"/>
+              </a:spcBef>
+              <a:spcAft>
+                <a:spcPts val="0"/>
+              </a:spcAft>
+              <a:buClrTx/>
+              <a:buSzTx/>
+              <a:buFontTx/>
+              <a:buNone/>
+              <a:tabLst/>
+            </a:pPr>
+            <a:r>
+              <a:rPr lang="en-US" sz="1000" kern="0" dirty="0" smtClean="0">
+                <a:solidFill>
+                  <a:srgbClr val="000000"/>
+                </a:solidFill>
+                <a:latin typeface="Bosch Office Sans"/>
+              </a:rPr>
+              <a:t>Text3&lt;Dynamic</a:t>
+            </a:r>
+            <a:r>
+              <a:rPr lang="en-US" sz="1000" kern="0" dirty="0">
+                <a:solidFill>
+                  <a:srgbClr val="000000"/>
+                </a:solidFill>
+                <a:latin typeface="Bosch Office Sans"/>
+              </a:rPr>
+              <a:t>&gt;</a:t>
+            </a:r>
+          </a:p>
+        </p:txBody>
+      </p:sp>
+      <p:sp>
+        <p:nvSpPr>
+          <p:cNvPr id="19" name="Rectangle 18"/>
+          <p:cNvSpPr/>
+          <p:nvPr/>
+        </p:nvSpPr>
+        <p:spPr>
+          <a:xfrm>
+            <a:off x="3707463" y="2860700"/>
+            <a:ext cx="2056973" cy="369332"/>
+          </a:xfrm>
+          <a:prstGeom prst="rect">
+            <a:avLst/>
+          </a:prstGeom>
+        </p:spPr>
+        <p:txBody>
+          <a:bodyPr wrap="none">
+            <a:spAutoFit/>
+          </a:bodyPr>
+          <a:lstStyle/>
+          <a:p>
+            <a:pPr marL="0" marR="0" indent="0" algn="ctr" defTabSz="914400" eaLnBrk="1" fontAlgn="auto" latinLnBrk="0" hangingPunct="1">
+              <a:lnSpc>
+                <a:spcPct val="100000"/>
+              </a:lnSpc>
+              <a:spcBef>
+                <a:spcPts val="0"/>
+              </a:spcBef>
+              <a:spcAft>
+                <a:spcPts val="0"/>
+              </a:spcAft>
+              <a:buClrTx/>
+              <a:buSzTx/>
+              <a:buFontTx/>
+              <a:buNone/>
+              <a:tabLst/>
+            </a:pPr>
+            <a:r>
+              <a:rPr lang="en-US" kern="0" dirty="0" smtClean="0">
+                <a:solidFill>
+                  <a:srgbClr val="000000"/>
+                </a:solidFill>
+                <a:latin typeface="Bosch Office Sans"/>
+              </a:rPr>
+              <a:t>Image &lt;Dynamic&gt;</a:t>
+            </a:r>
+            <a:endParaRPr lang="en-US" kern="0" dirty="0">
+              <a:solidFill>
+                <a:srgbClr val="000000"/>
+              </a:solidFill>
+              <a:latin typeface="Bosch Office Sans"/>
+            </a:endParaRPr>
+          </a:p>
+        </p:txBody>
+      </p:sp>
+      <p:sp>
+        <p:nvSpPr>
+          <p:cNvPr id="21" name="Rectangle 20"/>
+          <p:cNvSpPr/>
+          <p:nvPr/>
+        </p:nvSpPr>
+        <p:spPr>
+          <a:xfrm>
+            <a:off x="828160" y="3720413"/>
+            <a:ext cx="1332186" cy="436919"/>
+          </a:xfrm>
+          <a:prstGeom prst="rect">
+            <a:avLst/>
+          </a:prstGeom>
+          <a:noFill/>
+          <a:ln w="9525" cap="flat" cmpd="sng" algn="ctr">
+            <a:solidFill>
+              <a:srgbClr val="3F136C"/>
+            </a:solidFill>
+            <a:prstDash val="solid"/>
+          </a:ln>
+          <a:effectLst/>
+        </p:spPr>
+        <p:txBody>
+          <a:bodyPr rtlCol="0" anchor="ctr"/>
+          <a:lstStyle/>
+          <a:p>
+            <a:pPr marL="0" marR="0" indent="0" algn="ctr" defTabSz="914400" eaLnBrk="1" fontAlgn="auto" latinLnBrk="0" hangingPunct="1">
+              <a:lnSpc>
+                <a:spcPct val="100000"/>
+              </a:lnSpc>
+              <a:spcBef>
+                <a:spcPts val="0"/>
+              </a:spcBef>
+              <a:spcAft>
+                <a:spcPts val="0"/>
+              </a:spcAft>
+              <a:buClrTx/>
+              <a:buSzTx/>
+              <a:buFontTx/>
+              <a:buNone/>
+              <a:tabLst/>
+            </a:pPr>
+            <a:r>
+              <a:rPr kumimoji="0" lang="en-US" sz="1800" b="0" i="0" u="none" strike="noStrike" kern="0" cap="none" spc="0" normalizeH="0" baseline="0" noProof="0" dirty="0" smtClean="0">
+                <a:ln>
+                  <a:noFill/>
+                </a:ln>
+                <a:solidFill>
+                  <a:srgbClr val="000000"/>
+                </a:solidFill>
+                <a:effectLst/>
+                <a:uLnTx/>
+                <a:uFillTx/>
+                <a:latin typeface="Bosch Office Sans"/>
+                <a:ea typeface="+mn-ea"/>
+                <a:cs typeface="+mn-cs"/>
+              </a:rPr>
+              <a:t>Evaluate</a:t>
+            </a:r>
+          </a:p>
+        </p:txBody>
+      </p:sp>
+    </p:spTree>
+    <p:extLst>
+      <p:ext uri="{BB962C8B-B14F-4D97-AF65-F5344CB8AC3E}">
+        <p14:creationId xmlns:p14="http://schemas.microsoft.com/office/powerpoint/2010/main" val="3661694646"/>
+      </p:ext>
+    </p:extLst>
+  </p:cSld>
+  <p:clrMapOvr>
+    <a:masterClrMapping/>
+  </p:clrMapOvr>
+</p:sld>
+</file>
+
+<file path=ppt/slides/slide19.xml><?xml version="1.0" encoding="utf-8"?>
+<p:sld xmlns:a="http://schemas.openxmlformats.org/drawingml/2006/main" xmlns:r="http://schemas.openxmlformats.org/officeDocument/2006/relationships" xmlns:p="http://schemas.openxmlformats.org/presentationml/2006/main">
+  <p:cSld>
+    <p:spTree>
+      <p:nvGrpSpPr>
+        <p:cNvPr id="1" name=""/>
+        <p:cNvGrpSpPr/>
+        <p:nvPr/>
+      </p:nvGrpSpPr>
+      <p:grpSpPr>
+        <a:xfrm>
+          <a:off x="0" y="0"/>
+          <a:ext cx="0" cy="0"/>
+          <a:chOff x="0" y="0"/>
+          <a:chExt cx="0" cy="0"/>
+        </a:xfrm>
+      </p:grpSpPr>
+      <p:sp>
+        <p:nvSpPr>
           <p:cNvPr id="2" name="Title 1"/>
           <p:cNvSpPr>
             <a:spLocks noGrp="1"/>
@@ -18935,6 +19889,33 @@
 </file>
 
 <file path=customXml/item1.xml><?xml version="1.0" encoding="utf-8"?>
+<sax_ColorSelect>
+  <Line>
+    <Color val="D70012"/>
+    <Color val="EA6876"/>
+    <Color val="a80163"/>
+    <Color val="D067AD"/>
+    <Color val="3f136c"/>
+    <Color val="967CB1"/>
+    <Color val="08427e"/>
+    <Color val="6D9ABC"/>
+    <Color val="0e78c5"/>
+    <Color val="6FB9E2"/>
+    <Color val="1399a0"/>
+    <Color val="6FC9CC"/>
+    <Color val="67b419"/>
+    <Color val="AEDB7D"/>
+    <Color val="0a5139"/>
+    <Color val="6EA293"/>
+    <Color val="999FA6"/>
+    <Color val="D7D7D7"/>
+    <Color val="000000"/>
+    <Color val="FFFFFF"/>
+  </Line>
+</sax_ColorSelect>
+</file>
+
+<file path=customXml/item2.xml><?xml version="1.0" encoding="utf-8"?>
 <saxML>
   <saxMLTemplate>presentation_169</saxMLTemplate>
   <Variablen>
@@ -19083,41 +20064,14 @@
 </saxML>
 </file>
 
-<file path=customXml/item2.xml><?xml version="1.0" encoding="utf-8"?>
-<sax_ColorSelect>
-  <Line>
-    <Color val="D70012"/>
-    <Color val="EA6876"/>
-    <Color val="a80163"/>
-    <Color val="D067AD"/>
-    <Color val="3f136c"/>
-    <Color val="967CB1"/>
-    <Color val="08427e"/>
-    <Color val="6D9ABC"/>
-    <Color val="0e78c5"/>
-    <Color val="6FB9E2"/>
-    <Color val="1399a0"/>
-    <Color val="6FC9CC"/>
-    <Color val="67b419"/>
-    <Color val="AEDB7D"/>
-    <Color val="0a5139"/>
-    <Color val="6EA293"/>
-    <Color val="999FA6"/>
-    <Color val="D7D7D7"/>
-    <Color val="000000"/>
-    <Color val="FFFFFF"/>
-  </Line>
-</sax_ColorSelect>
-</file>
-
 <file path=customXml/itemProps1.xml><?xml version="1.0" encoding="utf-8"?>
-<ds:datastoreItem xmlns:ds="http://schemas.openxmlformats.org/officeDocument/2006/customXml" ds:itemID="{D0252559-44F8-474C-B66D-E357B88E32C2}">
+<ds:datastoreItem xmlns:ds="http://schemas.openxmlformats.org/officeDocument/2006/customXml" ds:itemID="{304CF217-3C90-4AA0-B541-CE45F9BD305E}">
   <ds:schemaRefs/>
 </ds:datastoreItem>
 </file>
 
 <file path=customXml/itemProps2.xml><?xml version="1.0" encoding="utf-8"?>
-<ds:datastoreItem xmlns:ds="http://schemas.openxmlformats.org/officeDocument/2006/customXml" ds:itemID="{304CF217-3C90-4AA0-B541-CE45F9BD305E}">
+<ds:datastoreItem xmlns:ds="http://schemas.openxmlformats.org/officeDocument/2006/customXml" ds:itemID="{D0252559-44F8-474C-B66D-E357B88E32C2}">
   <ds:schemaRefs/>
 </ds:datastoreItem>
 </file>